--- a/AspNetWebApi.pptx
+++ b/AspNetWebApi.pptx
@@ -5,10 +5,10 @@
     <p:sldMasterId id="2147483669" r:id="rId4"/>
   </p:sldMasterIdLst>
   <p:notesMasterIdLst>
-    <p:notesMasterId r:id="rId34"/>
+    <p:notesMasterId r:id="rId20"/>
   </p:notesMasterIdLst>
   <p:handoutMasterIdLst>
-    <p:handoutMasterId r:id="rId35"/>
+    <p:handoutMasterId r:id="rId21"/>
   </p:handoutMasterIdLst>
   <p:sldIdLst>
     <p:sldId id="256" r:id="rId5"/>
@@ -24,22 +24,8 @@
     <p:sldId id="291" r:id="rId15"/>
     <p:sldId id="269" r:id="rId16"/>
     <p:sldId id="271" r:id="rId17"/>
-    <p:sldId id="276" r:id="rId18"/>
-    <p:sldId id="268" r:id="rId19"/>
-    <p:sldId id="275" r:id="rId20"/>
-    <p:sldId id="272" r:id="rId21"/>
-    <p:sldId id="270" r:id="rId22"/>
-    <p:sldId id="278" r:id="rId23"/>
-    <p:sldId id="277" r:id="rId24"/>
-    <p:sldId id="279" r:id="rId25"/>
-    <p:sldId id="280" r:id="rId26"/>
-    <p:sldId id="281" r:id="rId27"/>
-    <p:sldId id="282" r:id="rId28"/>
-    <p:sldId id="283" r:id="rId29"/>
-    <p:sldId id="284" r:id="rId30"/>
-    <p:sldId id="285" r:id="rId31"/>
-    <p:sldId id="287" r:id="rId32"/>
-    <p:sldId id="263" r:id="rId33"/>
+    <p:sldId id="292" r:id="rId18"/>
+    <p:sldId id="263" r:id="rId19"/>
   </p:sldIdLst>
   <p:sldSz cx="12192000" cy="6858000"/>
   <p:notesSz cx="6858000" cy="9144000"/>
@@ -243,7 +229,7 @@
           <a:p>
             <a:fld id="{2B85766F-5EC0-4797-B4D1-777FCB005B11}" type="datetimeFigureOut">
               <a:rPr lang="en-US" smtClean="0"/>
-              <a:t>12/20/2019</a:t>
+              <a:t>2/8/2020</a:t>
             </a:fld>
             <a:endParaRPr lang="en-US" dirty="0"/>
           </a:p>
@@ -420,7 +406,7 @@
           <a:p>
             <a:fld id="{B2B4B5EC-152C-4627-80C0-63B10D5574EF}" type="datetimeFigureOut">
               <a:rPr lang="en-US" smtClean="0"/>
-              <a:t>12/20/2019</a:t>
+              <a:t>2/8/2020</a:t>
             </a:fld>
             <a:endParaRPr lang="en-US" dirty="0"/>
           </a:p>
@@ -4969,7 +4955,7 @@
           <a:p>
             <a:fld id="{48A87A34-81AB-432B-8DAE-1953F412C126}" type="datetimeFigureOut">
               <a:rPr lang="en-US" smtClean="0"/>
-              <a:t>12/20/2019</a:t>
+              <a:t>2/8/2020</a:t>
             </a:fld>
             <a:endParaRPr lang="en-US" dirty="0"/>
           </a:p>
@@ -5236,7 +5222,7 @@
           <a:p>
             <a:fld id="{48A87A34-81AB-432B-8DAE-1953F412C126}" type="datetimeFigureOut">
               <a:rPr lang="en-US" smtClean="0"/>
-              <a:t>12/20/2019</a:t>
+              <a:t>2/8/2020</a:t>
             </a:fld>
             <a:endParaRPr lang="en-US" dirty="0"/>
           </a:p>
@@ -5432,7 +5418,7 @@
           <a:p>
             <a:fld id="{48A87A34-81AB-432B-8DAE-1953F412C126}" type="datetimeFigureOut">
               <a:rPr lang="en-US" smtClean="0"/>
-              <a:t>12/20/2019</a:t>
+              <a:t>2/8/2020</a:t>
             </a:fld>
             <a:endParaRPr lang="en-US" dirty="0"/>
           </a:p>
@@ -5695,7 +5681,7 @@
           <a:p>
             <a:fld id="{48A87A34-81AB-432B-8DAE-1953F412C126}" type="datetimeFigureOut">
               <a:rPr lang="en-US" smtClean="0"/>
-              <a:t>12/20/2019</a:t>
+              <a:t>2/8/2020</a:t>
             </a:fld>
             <a:endParaRPr lang="en-US" dirty="0"/>
           </a:p>
@@ -6129,7 +6115,7 @@
           <a:p>
             <a:fld id="{48A87A34-81AB-432B-8DAE-1953F412C126}" type="datetimeFigureOut">
               <a:rPr lang="en-US" smtClean="0"/>
-              <a:t>12/20/2019</a:t>
+              <a:t>2/8/2020</a:t>
             </a:fld>
             <a:endParaRPr lang="en-US" dirty="0"/>
           </a:p>
@@ -6675,7 +6661,7 @@
           <a:p>
             <a:fld id="{48A87A34-81AB-432B-8DAE-1953F412C126}" type="datetimeFigureOut">
               <a:rPr lang="en-US" smtClean="0"/>
-              <a:t>12/20/2019</a:t>
+              <a:t>2/8/2020</a:t>
             </a:fld>
             <a:endParaRPr lang="en-US" dirty="0"/>
           </a:p>
@@ -7395,7 +7381,7 @@
           <a:p>
             <a:fld id="{48A87A34-81AB-432B-8DAE-1953F412C126}" type="datetimeFigureOut">
               <a:rPr lang="en-US" smtClean="0"/>
-              <a:t>12/20/2019</a:t>
+              <a:t>2/8/2020</a:t>
             </a:fld>
             <a:endParaRPr lang="en-US" dirty="0"/>
           </a:p>
@@ -7565,7 +7551,7 @@
           <a:p>
             <a:fld id="{48A87A34-81AB-432B-8DAE-1953F412C126}" type="datetimeFigureOut">
               <a:rPr lang="en-US" smtClean="0"/>
-              <a:t>12/20/2019</a:t>
+              <a:t>2/8/2020</a:t>
             </a:fld>
             <a:endParaRPr lang="en-US" dirty="0"/>
           </a:p>
@@ -7745,7 +7731,7 @@
           <a:p>
             <a:fld id="{48A87A34-81AB-432B-8DAE-1953F412C126}" type="datetimeFigureOut">
               <a:rPr lang="en-US" smtClean="0"/>
-              <a:t>12/20/2019</a:t>
+              <a:t>2/8/2020</a:t>
             </a:fld>
             <a:endParaRPr lang="en-US" dirty="0"/>
           </a:p>
@@ -7915,7 +7901,7 @@
           <a:p>
             <a:fld id="{48A87A34-81AB-432B-8DAE-1953F412C126}" type="datetimeFigureOut">
               <a:rPr lang="en-US" smtClean="0"/>
-              <a:t>12/20/2019</a:t>
+              <a:t>2/8/2020</a:t>
             </a:fld>
             <a:endParaRPr lang="en-US" dirty="0"/>
           </a:p>
@@ -8165,7 +8151,7 @@
           <a:p>
             <a:fld id="{48A87A34-81AB-432B-8DAE-1953F412C126}" type="datetimeFigureOut">
               <a:rPr lang="en-US" smtClean="0"/>
-              <a:t>12/20/2019</a:t>
+              <a:t>2/8/2020</a:t>
             </a:fld>
             <a:endParaRPr lang="en-US" dirty="0"/>
           </a:p>
@@ -8397,7 +8383,7 @@
           <a:p>
             <a:fld id="{48A87A34-81AB-432B-8DAE-1953F412C126}" type="datetimeFigureOut">
               <a:rPr lang="en-US" smtClean="0"/>
-              <a:t>12/20/2019</a:t>
+              <a:t>2/8/2020</a:t>
             </a:fld>
             <a:endParaRPr lang="en-US" dirty="0"/>
           </a:p>
@@ -8778,7 +8764,7 @@
           <a:p>
             <a:fld id="{48A87A34-81AB-432B-8DAE-1953F412C126}" type="datetimeFigureOut">
               <a:rPr lang="en-US" smtClean="0"/>
-              <a:t>12/20/2019</a:t>
+              <a:t>2/8/2020</a:t>
             </a:fld>
             <a:endParaRPr lang="en-US" dirty="0"/>
           </a:p>
@@ -8896,7 +8882,7 @@
           <a:p>
             <a:fld id="{48A87A34-81AB-432B-8DAE-1953F412C126}" type="datetimeFigureOut">
               <a:rPr lang="en-US" smtClean="0"/>
-              <a:t>12/20/2019</a:t>
+              <a:t>2/8/2020</a:t>
             </a:fld>
             <a:endParaRPr lang="en-US" dirty="0"/>
           </a:p>
@@ -8991,7 +8977,7 @@
           <a:p>
             <a:fld id="{48A87A34-81AB-432B-8DAE-1953F412C126}" type="datetimeFigureOut">
               <a:rPr lang="en-US" smtClean="0"/>
-              <a:t>12/20/2019</a:t>
+              <a:t>2/8/2020</a:t>
             </a:fld>
             <a:endParaRPr lang="en-US" dirty="0"/>
           </a:p>
@@ -9240,7 +9226,7 @@
           <a:p>
             <a:fld id="{48A87A34-81AB-432B-8DAE-1953F412C126}" type="datetimeFigureOut">
               <a:rPr lang="en-US" smtClean="0"/>
-              <a:t>12/20/2019</a:t>
+              <a:t>2/8/2020</a:t>
             </a:fld>
             <a:endParaRPr lang="en-US" dirty="0"/>
           </a:p>
@@ -9520,7 +9506,7 @@
           <a:p>
             <a:fld id="{48A87A34-81AB-432B-8DAE-1953F412C126}" type="datetimeFigureOut">
               <a:rPr lang="en-US" smtClean="0"/>
-              <a:t>12/20/2019</a:t>
+              <a:t>2/8/2020</a:t>
             </a:fld>
             <a:endParaRPr lang="en-US" dirty="0"/>
           </a:p>
@@ -12588,7 +12574,7 @@
             <a:fld id="{48A87A34-81AB-432B-8DAE-1953F412C126}" type="datetimeFigureOut">
               <a:rPr lang="en-US" smtClean="0"/>
               <a:pPr/>
-              <a:t>12/20/2019</a:t>
+              <a:t>2/8/2020</a:t>
             </a:fld>
             <a:endParaRPr lang="en-US" dirty="0"/>
           </a:p>
@@ -13349,11 +13335,6 @@
               </a:rPr>
               <a:t>- especially actual data sent to server</a:t>
             </a:r>
-            <a:endParaRPr lang="en-US" dirty="0" smtClean="0">
-              <a:latin typeface="Tahoma" panose="020B0604030504040204" pitchFamily="34" charset="0"/>
-              <a:ea typeface="Tahoma" panose="020B0604030504040204" pitchFamily="34" charset="0"/>
-              <a:cs typeface="Tahoma" panose="020B0604030504040204" pitchFamily="34" charset="0"/>
-            </a:endParaRPr>
           </a:p>
         </p:txBody>
       </p:sp>
@@ -13674,11 +13655,6 @@
               </a:rPr>
               <a:t>- 401 Unauthorized</a:t>
             </a:r>
-            <a:endParaRPr lang="en-US" dirty="0" smtClean="0">
-              <a:latin typeface="Tahoma" panose="020B0604030504040204" pitchFamily="34" charset="0"/>
-              <a:ea typeface="Tahoma" panose="020B0604030504040204" pitchFamily="34" charset="0"/>
-              <a:cs typeface="Tahoma" panose="020B0604030504040204" pitchFamily="34" charset="0"/>
-            </a:endParaRPr>
           </a:p>
           <a:p>
             <a:pPr marL="0" indent="0">
@@ -13721,11 +13697,6 @@
               </a:rPr>
               <a:t>- 500 Internal server error</a:t>
             </a:r>
-            <a:endParaRPr lang="en-US" dirty="0" smtClean="0">
-              <a:latin typeface="Tahoma" panose="020B0604030504040204" pitchFamily="34" charset="0"/>
-              <a:ea typeface="Tahoma" panose="020B0604030504040204" pitchFamily="34" charset="0"/>
-              <a:cs typeface="Tahoma" panose="020B0604030504040204" pitchFamily="34" charset="0"/>
-            </a:endParaRPr>
           </a:p>
         </p:txBody>
       </p:sp>
@@ -13930,7 +13901,6 @@
               <a:rPr lang="en-US" dirty="0" smtClean="0"/>
               <a:t>Fiddler</a:t>
             </a:r>
-            <a:endParaRPr lang="en-US" dirty="0" smtClean="0"/>
           </a:p>
           <a:p>
             <a:pPr>
@@ -14092,7 +14062,7 @@
         </p:nvSpPr>
         <p:spPr>
           <a:xfrm>
-            <a:off x="1141412" y="122129"/>
+            <a:off x="1141412" y="83493"/>
             <a:ext cx="9905998" cy="1027402"/>
           </a:xfrm>
         </p:spPr>
@@ -14137,7 +14107,9 @@
           </a:xfrm>
         </p:spPr>
         <p:txBody>
-          <a:bodyPr/>
+          <a:bodyPr>
+            <a:normAutofit/>
+          </a:bodyPr>
           <a:lstStyle/>
           <a:p>
             <a:pPr>
@@ -14150,39 +14122,7 @@
                 <a:ea typeface="Tahoma" panose="020B0604030504040204" pitchFamily="34" charset="0"/>
                 <a:cs typeface="Tahoma" panose="020B0604030504040204" pitchFamily="34" charset="0"/>
               </a:rPr>
-              <a:t>Blueprint for creating objects</a:t>
-            </a:r>
-            <a:endParaRPr lang="en-US" dirty="0" smtClean="0">
-              <a:ea typeface="Tahoma" panose="020B0604030504040204" pitchFamily="34" charset="0"/>
-              <a:cs typeface="Tahoma" panose="020B0604030504040204" pitchFamily="34" charset="0"/>
-            </a:endParaRPr>
-          </a:p>
-          <a:p>
-            <a:pPr>
-              <a:buFont typeface="Wingdings" panose="05000000000000000000" pitchFamily="2" charset="2"/>
-              <a:buChar char="ü"/>
-            </a:pPr>
-            <a:r>
-              <a:rPr lang="en-US" dirty="0" smtClean="0">
-                <a:latin typeface="Tahoma" panose="020B0604030504040204" pitchFamily="34" charset="0"/>
-                <a:ea typeface="Tahoma" panose="020B0604030504040204" pitchFamily="34" charset="0"/>
-                <a:cs typeface="Tahoma" panose="020B0604030504040204" pitchFamily="34" charset="0"/>
-              </a:rPr>
-              <a:t>Get this feature started from ES6</a:t>
-            </a:r>
-          </a:p>
-          <a:p>
-            <a:pPr>
-              <a:buFont typeface="Wingdings" panose="05000000000000000000" pitchFamily="2" charset="2"/>
-              <a:buChar char="ü"/>
-            </a:pPr>
-            <a:r>
-              <a:rPr lang="en-US" dirty="0" smtClean="0">
-                <a:latin typeface="Tahoma" panose="020B0604030504040204" pitchFamily="34" charset="0"/>
-                <a:ea typeface="Tahoma" panose="020B0604030504040204" pitchFamily="34" charset="0"/>
-                <a:cs typeface="Tahoma" panose="020B0604030504040204" pitchFamily="34" charset="0"/>
-              </a:rPr>
-              <a:t>To restrict changes use</a:t>
+              <a:t>Accept Header</a:t>
             </a:r>
           </a:p>
           <a:p>
@@ -14203,7 +14143,7 @@
                 <a:ea typeface="Tahoma" panose="020B0604030504040204" pitchFamily="34" charset="0"/>
                 <a:cs typeface="Tahoma" panose="020B0604030504040204" pitchFamily="34" charset="0"/>
               </a:rPr>
-              <a:t>- </a:t>
+              <a:t>- client request -&gt; response format [</a:t>
             </a:r>
             <a:r>
               <a:rPr lang="en-US" dirty="0" err="1" smtClean="0">
@@ -14211,41 +14151,105 @@
                 <a:ea typeface="Tahoma" panose="020B0604030504040204" pitchFamily="34" charset="0"/>
                 <a:cs typeface="Tahoma" panose="020B0604030504040204" pitchFamily="34" charset="0"/>
               </a:rPr>
-              <a:t>readonly</a:t>
+              <a:t>json,xml</a:t>
+            </a:r>
+            <a:r>
+              <a:rPr lang="en-US" dirty="0" smtClean="0">
+                <a:latin typeface="Tahoma" panose="020B0604030504040204" pitchFamily="34" charset="0"/>
+                <a:ea typeface="Tahoma" panose="020B0604030504040204" pitchFamily="34" charset="0"/>
+                <a:cs typeface="Tahoma" panose="020B0604030504040204" pitchFamily="34" charset="0"/>
+              </a:rPr>
+              <a:t>]</a:t>
+            </a:r>
+          </a:p>
+          <a:p>
+            <a:pPr marL="0" indent="0">
+              <a:buNone/>
+            </a:pPr>
+            <a:r>
+              <a:rPr lang="en-US" dirty="0">
+                <a:latin typeface="Tahoma" panose="020B0604030504040204" pitchFamily="34" charset="0"/>
+                <a:ea typeface="Tahoma" panose="020B0604030504040204" pitchFamily="34" charset="0"/>
+                <a:cs typeface="Tahoma" panose="020B0604030504040204" pitchFamily="34" charset="0"/>
+              </a:rPr>
+              <a:t>	</a:t>
+            </a:r>
+            <a:r>
+              <a:rPr lang="en-US" dirty="0" smtClean="0">
+                <a:latin typeface="Tahoma" panose="020B0604030504040204" pitchFamily="34" charset="0"/>
+                <a:ea typeface="Tahoma" panose="020B0604030504040204" pitchFamily="34" charset="0"/>
+                <a:cs typeface="Tahoma" panose="020B0604030504040204" pitchFamily="34" charset="0"/>
+              </a:rPr>
+              <a:t>- </a:t>
+            </a:r>
+            <a:r>
+              <a:rPr lang="en-US" dirty="0" err="1" smtClean="0">
+                <a:latin typeface="Tahoma" panose="020B0604030504040204" pitchFamily="34" charset="0"/>
+                <a:ea typeface="Tahoma" panose="020B0604030504040204" pitchFamily="34" charset="0"/>
+                <a:cs typeface="Tahoma" panose="020B0604030504040204" pitchFamily="34" charset="0"/>
+              </a:rPr>
+              <a:t>json</a:t>
+            </a:r>
+            <a:r>
+              <a:rPr lang="en-US" dirty="0" smtClean="0">
+                <a:latin typeface="Tahoma" panose="020B0604030504040204" pitchFamily="34" charset="0"/>
+                <a:ea typeface="Tahoma" panose="020B0604030504040204" pitchFamily="34" charset="0"/>
+                <a:cs typeface="Tahoma" panose="020B0604030504040204" pitchFamily="34" charset="0"/>
+              </a:rPr>
+              <a:t> format if not specify</a:t>
+            </a:r>
+          </a:p>
+          <a:p>
+            <a:pPr marL="0" indent="0">
+              <a:buNone/>
+            </a:pPr>
+            <a:r>
+              <a:rPr lang="en-US" dirty="0">
+                <a:latin typeface="Tahoma" panose="020B0604030504040204" pitchFamily="34" charset="0"/>
+                <a:ea typeface="Tahoma" panose="020B0604030504040204" pitchFamily="34" charset="0"/>
+                <a:cs typeface="Tahoma" panose="020B0604030504040204" pitchFamily="34" charset="0"/>
+              </a:rPr>
+              <a:t>	</a:t>
+            </a:r>
+            <a:r>
+              <a:rPr lang="en-US" dirty="0" smtClean="0">
+                <a:latin typeface="Tahoma" panose="020B0604030504040204" pitchFamily="34" charset="0"/>
+                <a:ea typeface="Tahoma" panose="020B0604030504040204" pitchFamily="34" charset="0"/>
+                <a:cs typeface="Tahoma" panose="020B0604030504040204" pitchFamily="34" charset="0"/>
+              </a:rPr>
+              <a:t>- can add quality factor</a:t>
+            </a:r>
+            <a:endParaRPr lang="en-US" dirty="0" smtClean="0">
+              <a:ea typeface="Tahoma" panose="020B0604030504040204" pitchFamily="34" charset="0"/>
+              <a:cs typeface="Tahoma" panose="020B0604030504040204" pitchFamily="34" charset="0"/>
+            </a:endParaRPr>
+          </a:p>
+          <a:p>
+            <a:pPr>
+              <a:buFont typeface="Wingdings" panose="05000000000000000000" pitchFamily="2" charset="2"/>
+              <a:buChar char="ü"/>
+            </a:pPr>
+            <a:r>
+              <a:rPr lang="en-US" dirty="0" smtClean="0">
+                <a:latin typeface="Tahoma" panose="020B0604030504040204" pitchFamily="34" charset="0"/>
+                <a:ea typeface="Tahoma" panose="020B0604030504040204" pitchFamily="34" charset="0"/>
+                <a:cs typeface="Tahoma" panose="020B0604030504040204" pitchFamily="34" charset="0"/>
+              </a:rPr>
+              <a:t>Add formatter in </a:t>
+            </a:r>
+            <a:r>
+              <a:rPr lang="en-US" dirty="0" err="1" smtClean="0">
+                <a:latin typeface="Tahoma" panose="020B0604030504040204" pitchFamily="34" charset="0"/>
+                <a:ea typeface="Tahoma" panose="020B0604030504040204" pitchFamily="34" charset="0"/>
+                <a:cs typeface="Tahoma" panose="020B0604030504040204" pitchFamily="34" charset="0"/>
+              </a:rPr>
+              <a:t>config</a:t>
             </a:r>
             <a:endParaRPr lang="en-US" dirty="0" smtClean="0">
               <a:latin typeface="Tahoma" panose="020B0604030504040204" pitchFamily="34" charset="0"/>
               <a:ea typeface="Tahoma" panose="020B0604030504040204" pitchFamily="34" charset="0"/>
               <a:cs typeface="Tahoma" panose="020B0604030504040204" pitchFamily="34" charset="0"/>
             </a:endParaRPr>
-          </a:p>
-          <a:p>
-            <a:pPr>
-              <a:buFont typeface="Wingdings" panose="05000000000000000000" pitchFamily="2" charset="2"/>
-              <a:buChar char="ü"/>
-            </a:pPr>
-            <a:r>
-              <a:rPr lang="en-US" dirty="0" smtClean="0">
-                <a:latin typeface="Tahoma" panose="020B0604030504040204" pitchFamily="34" charset="0"/>
-                <a:ea typeface="Tahoma" panose="020B0604030504040204" pitchFamily="34" charset="0"/>
-                <a:cs typeface="Tahoma" panose="020B0604030504040204" pitchFamily="34" charset="0"/>
-              </a:rPr>
-              <a:t>Assignment allows only at initialize</a:t>
-            </a:r>
-          </a:p>
-          <a:p>
-            <a:pPr>
-              <a:buFont typeface="Wingdings" panose="05000000000000000000" pitchFamily="2" charset="2"/>
-              <a:buChar char="ü"/>
-            </a:pPr>
-            <a:r>
-              <a:rPr lang="en-US" dirty="0" smtClean="0">
-                <a:latin typeface="Tahoma" panose="020B0604030504040204" pitchFamily="34" charset="0"/>
-                <a:ea typeface="Tahoma" panose="020B0604030504040204" pitchFamily="34" charset="0"/>
-                <a:cs typeface="Tahoma" panose="020B0604030504040204" pitchFamily="34" charset="0"/>
-              </a:rPr>
-              <a:t>Or if not and only in constructor</a:t>
-            </a:r>
           </a:p>
         </p:txBody>
       </p:sp>
@@ -14333,20 +14337,20 @@
       </p:sp>
       <p:sp>
         <p:nvSpPr>
-          <p:cNvPr id="5" name="TextBox 4"/>
+          <p:cNvPr id="7" name="TextBox 6"/>
           <p:cNvSpPr txBox="1"/>
           <p:nvPr/>
         </p:nvSpPr>
         <p:spPr>
           <a:xfrm>
-            <a:off x="6296297" y="1750423"/>
-            <a:ext cx="5316583" cy="4247317"/>
+            <a:off x="6053070" y="2485623"/>
+            <a:ext cx="5679584" cy="369332"/>
           </a:xfrm>
           <a:prstGeom prst="rect">
             <a:avLst/>
           </a:prstGeom>
           <a:noFill/>
-          <a:ln>
+          <a:ln w="12700">
             <a:solidFill>
               <a:schemeClr val="tx1"/>
             </a:solidFill>
@@ -14360,199 +14364,58 @@
           <a:p>
             <a:r>
               <a:rPr lang="en-US" dirty="0" smtClean="0"/>
-              <a:t>class Distance{</a:t>
-            </a:r>
-          </a:p>
-          <a:p>
+              <a:t>Accept : application/</a:t>
+            </a:r>
+            <a:r>
+              <a:rPr lang="en-US" dirty="0" err="1" smtClean="0"/>
+              <a:t>xml;q</a:t>
+            </a:r>
             <a:r>
               <a:rPr lang="en-US" dirty="0" smtClean="0"/>
-              <a:t>	feet : number;</a:t>
-            </a:r>
-          </a:p>
-          <a:p>
-            <a:r>
-              <a:rPr lang="en-US" dirty="0"/>
-              <a:t>	</a:t>
+              <a:t>=0.7;application/</a:t>
+            </a:r>
+            <a:r>
+              <a:rPr lang="en-US" dirty="0" err="1" smtClean="0"/>
+              <a:t>json;q</a:t>
             </a:r>
             <a:r>
               <a:rPr lang="en-US" dirty="0" smtClean="0"/>
-              <a:t>inches : number;</a:t>
-            </a:r>
-          </a:p>
-          <a:p>
-            <a:r>
-              <a:rPr lang="en-US" dirty="0"/>
-              <a:t>	</a:t>
-            </a:r>
-            <a:r>
-              <a:rPr lang="en-US" dirty="0" smtClean="0"/>
-              <a:t>constructor(feet : number, inches : number){</a:t>
-            </a:r>
-          </a:p>
-          <a:p>
-            <a:r>
-              <a:rPr lang="en-US" dirty="0" smtClean="0"/>
-              <a:t>		</a:t>
-            </a:r>
-            <a:r>
-              <a:rPr lang="en-US" dirty="0" err="1" smtClean="0"/>
-              <a:t>this.feet</a:t>
-            </a:r>
-            <a:r>
-              <a:rPr lang="en-US" dirty="0" smtClean="0"/>
-              <a:t>=feet; </a:t>
-            </a:r>
-            <a:r>
-              <a:rPr lang="en-US" dirty="0" err="1" smtClean="0"/>
-              <a:t>this.inches</a:t>
-            </a:r>
-            <a:r>
-              <a:rPr lang="en-US" dirty="0" smtClean="0"/>
-              <a:t>=inches;</a:t>
-            </a:r>
-            <a:endParaRPr lang="en-US" dirty="0"/>
-          </a:p>
-          <a:p>
-            <a:r>
-              <a:rPr lang="en-US" dirty="0" smtClean="0"/>
-              <a:t>	}</a:t>
-            </a:r>
-          </a:p>
-          <a:p>
-            <a:r>
-              <a:rPr lang="en-US" dirty="0"/>
-              <a:t>	</a:t>
-            </a:r>
-            <a:r>
-              <a:rPr lang="en-US" dirty="0" smtClean="0"/>
-              <a:t>print(){</a:t>
-            </a:r>
-          </a:p>
-          <a:p>
-            <a:r>
-              <a:rPr lang="en-US" dirty="0" smtClean="0"/>
-              <a:t>		Console.log(</a:t>
-            </a:r>
-            <a:r>
-              <a:rPr lang="en-US" dirty="0" err="1" smtClean="0"/>
-              <a:t>this.feet</a:t>
-            </a:r>
-            <a:r>
-              <a:rPr lang="en-US" dirty="0" smtClean="0"/>
-              <a:t> + “</a:t>
-            </a:r>
-            <a:r>
-              <a:rPr lang="en-US" dirty="0" err="1" smtClean="0"/>
-              <a:t>ft</a:t>
-            </a:r>
-            <a:r>
-              <a:rPr lang="en-US" dirty="0" smtClean="0"/>
-              <a:t>, ”+</a:t>
-            </a:r>
-            <a:r>
-              <a:rPr lang="en-US" dirty="0" err="1" smtClean="0"/>
-              <a:t>this.inches+”in</a:t>
-            </a:r>
-            <a:r>
-              <a:rPr lang="en-US" dirty="0" smtClean="0"/>
-              <a:t>”);</a:t>
-            </a:r>
-            <a:endParaRPr lang="en-US" dirty="0"/>
-          </a:p>
-          <a:p>
-            <a:r>
-              <a:rPr lang="en-US" dirty="0" smtClean="0"/>
-              <a:t>	}</a:t>
-            </a:r>
-            <a:endParaRPr lang="en-US" dirty="0"/>
-          </a:p>
-          <a:p>
-            <a:r>
-              <a:rPr lang="en-US" dirty="0" smtClean="0"/>
-              <a:t>}</a:t>
-            </a:r>
-          </a:p>
-          <a:p>
-            <a:endParaRPr lang="en-US" dirty="0" smtClean="0"/>
-          </a:p>
-          <a:p>
-            <a:r>
-              <a:rPr lang="en-US" dirty="0"/>
-              <a:t>l</a:t>
-            </a:r>
-            <a:r>
-              <a:rPr lang="en-US" dirty="0" smtClean="0"/>
-              <a:t>et d1=new Distance(5,6);</a:t>
-            </a:r>
-          </a:p>
-          <a:p>
-            <a:r>
-              <a:rPr lang="en-US" dirty="0" smtClean="0"/>
-              <a:t>d1.print();</a:t>
-            </a:r>
-          </a:p>
-          <a:p>
-            <a:endParaRPr lang="en-US" dirty="0" smtClean="0"/>
-          </a:p>
-          <a:p>
+              <a:t>=0.5</a:t>
+            </a:r>
             <a:endParaRPr lang="en-US" dirty="0"/>
           </a:p>
         </p:txBody>
       </p:sp>
-      <p:sp>
-        <p:nvSpPr>
-          <p:cNvPr id="6" name="TextBox 5"/>
-          <p:cNvSpPr txBox="1"/>
+      <p:pic>
+        <p:nvPicPr>
+          <p:cNvPr id="8" name="Picture 7"/>
+          <p:cNvPicPr>
+            <a:picLocks noChangeAspect="1"/>
+          </p:cNvPicPr>
           <p:nvPr/>
-        </p:nvSpPr>
+        </p:nvPicPr>
+        <p:blipFill>
+          <a:blip r:embed="rId2">
+            <a:extLst>
+              <a:ext uri="{28A0092B-C50C-407E-A947-70E740481C1C}">
+                <a14:useLocalDpi xmlns:a14="http://schemas.microsoft.com/office/drawing/2010/main" val="0"/>
+              </a:ext>
+            </a:extLst>
+          </a:blip>
+          <a:stretch>
+            <a:fillRect/>
+          </a:stretch>
+        </p:blipFill>
         <p:spPr>
           <a:xfrm>
-            <a:off x="1471408" y="4810476"/>
-            <a:ext cx="4349932" cy="1200329"/>
+            <a:off x="3796254" y="4060418"/>
+            <a:ext cx="7251156" cy="2684173"/>
           </a:xfrm>
           <a:prstGeom prst="rect">
             <a:avLst/>
           </a:prstGeom>
-          <a:noFill/>
-          <a:ln>
-            <a:solidFill>
-              <a:schemeClr val="tx1"/>
-            </a:solidFill>
-          </a:ln>
         </p:spPr>
-        <p:txBody>
-          <a:bodyPr wrap="square" rtlCol="0">
-            <a:spAutoFit/>
-          </a:bodyPr>
-          <a:lstStyle/>
-          <a:p>
-            <a:r>
-              <a:rPr lang="en-US" dirty="0" err="1" smtClean="0"/>
-              <a:t>readonly</a:t>
-            </a:r>
-            <a:r>
-              <a:rPr lang="en-US" dirty="0" smtClean="0"/>
-              <a:t> pi=3.142;</a:t>
-            </a:r>
-          </a:p>
-          <a:p>
-            <a:endParaRPr lang="en-US" dirty="0"/>
-          </a:p>
-          <a:p>
-            <a:r>
-              <a:rPr lang="en-US" dirty="0" smtClean="0"/>
-              <a:t>console.log(pi); // ok</a:t>
-            </a:r>
-          </a:p>
-          <a:p>
-            <a:r>
-              <a:rPr lang="en-US" dirty="0" smtClean="0"/>
-              <a:t>pi=3.14; // not ok</a:t>
-            </a:r>
-            <a:endParaRPr lang="en-US" dirty="0"/>
-          </a:p>
-        </p:txBody>
-      </p:sp>
+      </p:pic>
     </p:spTree>
     <p:extLst>
       <p:ext uri="{BB962C8B-B14F-4D97-AF65-F5344CB8AC3E}">
@@ -14622,22 +14485,291 @@
               <a:rPr lang="en-US" dirty="0" smtClean="0">
                 <a:latin typeface="Rockwell" panose="02060603020205020403" pitchFamily="18" charset="0"/>
               </a:rPr>
-              <a:t>Classes (with member </a:t>
-            </a:r>
-            <a:r>
-              <a:rPr lang="en-US" dirty="0" err="1" smtClean="0">
-                <a:latin typeface="Rockwell" panose="02060603020205020403" pitchFamily="18" charset="0"/>
-              </a:rPr>
-              <a:t>varables</a:t>
-            </a:r>
-            <a:r>
-              <a:rPr lang="en-US" dirty="0" smtClean="0">
-                <a:latin typeface="Rockwell" panose="02060603020205020403" pitchFamily="18" charset="0"/>
-              </a:rPr>
-              <a:t>)</a:t>
+              <a:t>CORS</a:t>
             </a:r>
             <a:endParaRPr lang="en-US" sz="4400" dirty="0">
               <a:latin typeface="Rockwell" panose="02060603020205020403" pitchFamily="18" charset="0"/>
+            </a:endParaRPr>
+          </a:p>
+        </p:txBody>
+      </p:sp>
+      <p:sp>
+        <p:nvSpPr>
+          <p:cNvPr id="3" name="Content Placeholder 2">
+            <a:extLst>
+              <a:ext uri="{FF2B5EF4-FFF2-40B4-BE49-F238E27FC236}">
+                <a16:creationId xmlns:a16="http://schemas.microsoft.com/office/drawing/2014/main" xmlns="" id="{143F5361-68C0-4BF5-80C8-F1E7BF92B2DB}"/>
+              </a:ext>
+            </a:extLst>
+          </p:cNvPr>
+          <p:cNvSpPr>
+            <a:spLocks noGrp="1"/>
+          </p:cNvSpPr>
+          <p:nvPr>
+            <p:ph idx="1"/>
+          </p:nvPr>
+        </p:nvSpPr>
+        <p:spPr>
+          <a:xfrm>
+            <a:off x="1141412" y="983946"/>
+            <a:ext cx="9777600" cy="5481248"/>
+          </a:xfrm>
+        </p:spPr>
+        <p:txBody>
+          <a:bodyPr>
+            <a:normAutofit/>
+          </a:bodyPr>
+          <a:lstStyle/>
+          <a:p>
+            <a:pPr>
+              <a:buFont typeface="Wingdings" panose="05000000000000000000" pitchFamily="2" charset="2"/>
+              <a:buChar char="ü"/>
+            </a:pPr>
+            <a:r>
+              <a:rPr lang="en-US" sz="1600" dirty="0" smtClean="0"/>
+              <a:t>Cross Origin Resource Sharing</a:t>
+            </a:r>
+          </a:p>
+          <a:p>
+            <a:pPr>
+              <a:buFont typeface="Wingdings" panose="05000000000000000000" pitchFamily="2" charset="2"/>
+              <a:buChar char="ü"/>
+            </a:pPr>
+            <a:r>
+              <a:rPr lang="en-US" sz="1600" dirty="0" smtClean="0"/>
+              <a:t>Need to install </a:t>
+            </a:r>
+            <a:r>
+              <a:rPr lang="en-US" sz="1600" dirty="0" err="1" smtClean="0"/>
+              <a:t>Microsoft.AspNet.WebApi.Cors</a:t>
+            </a:r>
+            <a:endParaRPr lang="en-US" sz="1600" dirty="0" smtClean="0"/>
+          </a:p>
+          <a:p>
+            <a:pPr>
+              <a:buFont typeface="Wingdings" panose="05000000000000000000" pitchFamily="2" charset="2"/>
+              <a:buChar char="ü"/>
+            </a:pPr>
+            <a:r>
+              <a:rPr lang="en-US" sz="1600" dirty="0" err="1" smtClean="0"/>
+              <a:t>EnableCorsAttribute</a:t>
+            </a:r>
+            <a:r>
+              <a:rPr lang="en-US" sz="1600" dirty="0" smtClean="0"/>
+              <a:t> parameters : origins, headers, methods</a:t>
+            </a:r>
+          </a:p>
+          <a:p>
+            <a:pPr>
+              <a:buFont typeface="Wingdings" panose="05000000000000000000" pitchFamily="2" charset="2"/>
+              <a:buChar char="ü"/>
+            </a:pPr>
+            <a:r>
+              <a:rPr lang="en-US" sz="1600" dirty="0" smtClean="0"/>
+              <a:t>Enabling CORS globally, add 2 lines in </a:t>
+            </a:r>
+            <a:r>
+              <a:rPr lang="en-US" sz="1600" dirty="0" err="1" smtClean="0"/>
+              <a:t>WebApiConfig.Register</a:t>
+            </a:r>
+            <a:r>
+              <a:rPr lang="en-US" sz="1600" dirty="0" smtClean="0"/>
+              <a:t> method</a:t>
+            </a:r>
+          </a:p>
+          <a:p>
+            <a:pPr marL="0" indent="0">
+              <a:buNone/>
+            </a:pPr>
+            <a:r>
+              <a:rPr lang="en-US" dirty="0" smtClean="0"/>
+              <a:t>	</a:t>
+            </a:r>
+            <a:r>
+              <a:rPr lang="en-US" sz="1400" dirty="0" err="1" smtClean="0"/>
+              <a:t>EnableCorsAttribute</a:t>
+            </a:r>
+            <a:r>
+              <a:rPr lang="en-US" sz="1400" dirty="0" smtClean="0"/>
+              <a:t> </a:t>
+            </a:r>
+            <a:r>
+              <a:rPr lang="en-US" sz="1400" dirty="0" err="1"/>
+              <a:t>corsAttribute</a:t>
+            </a:r>
+            <a:r>
+              <a:rPr lang="en-US" sz="1400" dirty="0"/>
+              <a:t> = new </a:t>
+            </a:r>
+            <a:r>
+              <a:rPr lang="en-US" sz="1400" dirty="0" err="1"/>
+              <a:t>EnableCorsAttribute</a:t>
+            </a:r>
+            <a:r>
+              <a:rPr lang="en-US" sz="1400" dirty="0"/>
+              <a:t>("*", "*", </a:t>
+            </a:r>
+            <a:r>
+              <a:rPr lang="en-US" sz="1400" dirty="0" smtClean="0"/>
+              <a:t>"*");</a:t>
+            </a:r>
+          </a:p>
+          <a:p>
+            <a:pPr marL="0" indent="0">
+              <a:buNone/>
+            </a:pPr>
+            <a:r>
+              <a:rPr lang="en-US" sz="1400" dirty="0"/>
+              <a:t>	</a:t>
+            </a:r>
+            <a:r>
+              <a:rPr lang="en-US" sz="1400" dirty="0" err="1" smtClean="0"/>
+              <a:t>config.EnableCors</a:t>
+            </a:r>
+            <a:r>
+              <a:rPr lang="en-US" sz="1400" dirty="0" smtClean="0"/>
+              <a:t>(</a:t>
+            </a:r>
+            <a:r>
+              <a:rPr lang="en-US" sz="1400" dirty="0" err="1" smtClean="0"/>
+              <a:t>corsAttribute</a:t>
+            </a:r>
+            <a:r>
+              <a:rPr lang="en-US" sz="1400" dirty="0" smtClean="0"/>
+              <a:t>);</a:t>
+            </a:r>
+          </a:p>
+          <a:p>
+            <a:pPr>
+              <a:buFont typeface="Wingdings" panose="05000000000000000000" pitchFamily="2" charset="2"/>
+              <a:buChar char="ü"/>
+            </a:pPr>
+            <a:r>
+              <a:rPr lang="en-US" sz="1600" dirty="0" smtClean="0"/>
+              <a:t>Enabling CORS to only some actions, add 1line </a:t>
+            </a:r>
+            <a:r>
+              <a:rPr lang="en-US" sz="1600" dirty="0"/>
+              <a:t>in </a:t>
+            </a:r>
+            <a:r>
+              <a:rPr lang="en-US" sz="1600" dirty="0" err="1"/>
+              <a:t>WebApiConfig.Register</a:t>
+            </a:r>
+            <a:r>
+              <a:rPr lang="en-US" sz="1600" dirty="0"/>
+              <a:t> </a:t>
+            </a:r>
+            <a:r>
+              <a:rPr lang="en-US" sz="1600" dirty="0" smtClean="0"/>
+              <a:t>method</a:t>
+            </a:r>
+            <a:endParaRPr lang="en-US" sz="1600" dirty="0" smtClean="0"/>
+          </a:p>
+          <a:p>
+            <a:pPr marL="0" indent="0">
+              <a:buNone/>
+            </a:pPr>
+            <a:r>
+              <a:rPr lang="en-US" sz="2000" dirty="0"/>
+              <a:t>	 </a:t>
+            </a:r>
+            <a:r>
+              <a:rPr lang="en-US" sz="1400" dirty="0" err="1" smtClean="0"/>
+              <a:t>config.EnableCors</a:t>
+            </a:r>
+            <a:r>
+              <a:rPr lang="en-US" sz="1400" dirty="0" smtClean="0"/>
+              <a:t>();</a:t>
+            </a:r>
+          </a:p>
+          <a:p>
+            <a:pPr marL="0" indent="0">
+              <a:buNone/>
+            </a:pPr>
+            <a:r>
+              <a:rPr lang="en-US" sz="1600" dirty="0" smtClean="0"/>
+              <a:t>Add attribute in Controller </a:t>
+            </a:r>
+          </a:p>
+          <a:p>
+            <a:pPr marL="0" indent="0">
+              <a:buNone/>
+            </a:pPr>
+            <a:r>
+              <a:rPr lang="en-US" sz="2000" dirty="0"/>
+              <a:t>	</a:t>
+            </a:r>
+            <a:r>
+              <a:rPr lang="en-US" sz="2000" dirty="0"/>
+              <a:t> </a:t>
+            </a:r>
+            <a:r>
+              <a:rPr lang="en-US" sz="1400" dirty="0"/>
+              <a:t>[</a:t>
+            </a:r>
+            <a:r>
+              <a:rPr lang="en-US" sz="1400" dirty="0" err="1"/>
+              <a:t>EnableCorsAttribute</a:t>
+            </a:r>
+            <a:r>
+              <a:rPr lang="en-US" sz="1400" dirty="0"/>
+              <a:t>("*", "*", </a:t>
+            </a:r>
+            <a:r>
+              <a:rPr lang="en-US" sz="1400" dirty="0" smtClean="0"/>
+              <a:t>"*")]</a:t>
+            </a:r>
+          </a:p>
+          <a:p>
+            <a:pPr marL="0" indent="0">
+              <a:buNone/>
+            </a:pPr>
+            <a:r>
+              <a:rPr lang="en-US" sz="1600" dirty="0" smtClean="0"/>
+              <a:t>To Disable in action</a:t>
+            </a:r>
+          </a:p>
+          <a:p>
+            <a:pPr marL="0" indent="0">
+              <a:buNone/>
+            </a:pPr>
+            <a:r>
+              <a:rPr lang="en-US" sz="1600" dirty="0"/>
+              <a:t>	</a:t>
+            </a:r>
+            <a:r>
+              <a:rPr lang="en-US" sz="1600" dirty="0"/>
+              <a:t> </a:t>
+            </a:r>
+            <a:r>
+              <a:rPr lang="en-US" sz="1400" dirty="0"/>
+              <a:t>[</a:t>
+            </a:r>
+            <a:r>
+              <a:rPr lang="en-US" sz="1400" dirty="0" err="1"/>
+              <a:t>DisableCors</a:t>
+            </a:r>
+            <a:r>
+              <a:rPr lang="en-US" sz="1400" dirty="0"/>
+              <a:t>]</a:t>
+            </a:r>
+            <a:endParaRPr lang="en-US" sz="1400" dirty="0" smtClean="0"/>
+          </a:p>
+          <a:p>
+            <a:pPr marL="0" indent="0">
+              <a:buNone/>
+            </a:pPr>
+            <a:endParaRPr lang="en-US" sz="1400" dirty="0"/>
+          </a:p>
+          <a:p>
+            <a:pPr marL="0" indent="0">
+              <a:buNone/>
+            </a:pPr>
+            <a:endParaRPr lang="en-US" dirty="0" smtClean="0">
+              <a:latin typeface="Tahoma" panose="020B0604030504040204" pitchFamily="34" charset="0"/>
+              <a:ea typeface="Tahoma" panose="020B0604030504040204" pitchFamily="34" charset="0"/>
+              <a:cs typeface="Tahoma" panose="020B0604030504040204" pitchFamily="34" charset="0"/>
             </a:endParaRPr>
           </a:p>
         </p:txBody>
@@ -14724,196 +14856,10 @@
           </a:p>
         </p:txBody>
       </p:sp>
-      <p:sp>
-        <p:nvSpPr>
-          <p:cNvPr id="5" name="TextBox 4"/>
-          <p:cNvSpPr txBox="1"/>
-          <p:nvPr/>
-        </p:nvSpPr>
-        <p:spPr>
-          <a:xfrm>
-            <a:off x="1250576" y="1456893"/>
-            <a:ext cx="10206319" cy="4801314"/>
-          </a:xfrm>
-          <a:prstGeom prst="rect">
-            <a:avLst/>
-          </a:prstGeom>
-          <a:noFill/>
-        </p:spPr>
-        <p:txBody>
-          <a:bodyPr wrap="square" rtlCol="0">
-            <a:spAutoFit/>
-          </a:bodyPr>
-          <a:lstStyle/>
-          <a:p>
-            <a:r>
-              <a:rPr lang="en-US" dirty="0" smtClean="0"/>
-              <a:t>class Distance{</a:t>
-            </a:r>
-          </a:p>
-          <a:p>
-            <a:r>
-              <a:rPr lang="en-US" dirty="0" smtClean="0"/>
-              <a:t>	constructor(private feet : number, private inches : number){</a:t>
-            </a:r>
-          </a:p>
-          <a:p>
-            <a:r>
-              <a:rPr lang="en-US" dirty="0" smtClean="0"/>
-              <a:t>	}// feet and inches act as member variables</a:t>
-            </a:r>
-          </a:p>
-          <a:p>
-            <a:r>
-              <a:rPr lang="en-US" dirty="0"/>
-              <a:t>	</a:t>
-            </a:r>
-            <a:r>
-              <a:rPr lang="en-US" dirty="0" err="1" smtClean="0"/>
-              <a:t>setDistance</a:t>
-            </a:r>
-            <a:r>
-              <a:rPr lang="en-US" dirty="0" smtClean="0"/>
-              <a:t>(feet : number, inches : number)</a:t>
-            </a:r>
-          </a:p>
-          <a:p>
-            <a:r>
-              <a:rPr lang="en-US" dirty="0"/>
-              <a:t>	</a:t>
-            </a:r>
-            <a:r>
-              <a:rPr lang="en-US" dirty="0" smtClean="0"/>
-              <a:t>{</a:t>
-            </a:r>
-          </a:p>
-          <a:p>
-            <a:r>
-              <a:rPr lang="en-US" dirty="0" smtClean="0"/>
-              <a:t>		</a:t>
-            </a:r>
-            <a:r>
-              <a:rPr lang="en-US" dirty="0" err="1" smtClean="0"/>
-              <a:t>this.feet</a:t>
-            </a:r>
-            <a:r>
-              <a:rPr lang="en-US" dirty="0" smtClean="0"/>
-              <a:t>=feet;</a:t>
-            </a:r>
-          </a:p>
-          <a:p>
-            <a:r>
-              <a:rPr lang="en-US" dirty="0"/>
-              <a:t>	</a:t>
-            </a:r>
-            <a:r>
-              <a:rPr lang="en-US" dirty="0" smtClean="0"/>
-              <a:t>	</a:t>
-            </a:r>
-            <a:r>
-              <a:rPr lang="en-US" dirty="0" err="1" smtClean="0"/>
-              <a:t>this.inches</a:t>
-            </a:r>
-            <a:r>
-              <a:rPr lang="en-US" dirty="0" smtClean="0"/>
-              <a:t>=inches;</a:t>
-            </a:r>
-            <a:endParaRPr lang="en-US" dirty="0"/>
-          </a:p>
-          <a:p>
-            <a:r>
-              <a:rPr lang="en-US" dirty="0" smtClean="0"/>
-              <a:t>	}</a:t>
-            </a:r>
-          </a:p>
-          <a:p>
-            <a:r>
-              <a:rPr lang="en-US" dirty="0"/>
-              <a:t>	</a:t>
-            </a:r>
-            <a:r>
-              <a:rPr lang="en-US" dirty="0" smtClean="0"/>
-              <a:t>print(){</a:t>
-            </a:r>
-          </a:p>
-          <a:p>
-            <a:r>
-              <a:rPr lang="en-US" dirty="0" smtClean="0"/>
-              <a:t>		Console.log(</a:t>
-            </a:r>
-            <a:r>
-              <a:rPr lang="en-US" dirty="0" err="1" smtClean="0"/>
-              <a:t>this.feet</a:t>
-            </a:r>
-            <a:r>
-              <a:rPr lang="en-US" dirty="0" smtClean="0"/>
-              <a:t> + “</a:t>
-            </a:r>
-            <a:r>
-              <a:rPr lang="en-US" dirty="0" err="1" smtClean="0"/>
-              <a:t>ft</a:t>
-            </a:r>
-            <a:r>
-              <a:rPr lang="en-US" dirty="0" smtClean="0"/>
-              <a:t>, ”+</a:t>
-            </a:r>
-            <a:r>
-              <a:rPr lang="en-US" dirty="0" err="1" smtClean="0"/>
-              <a:t>this.inches+”in</a:t>
-            </a:r>
-            <a:r>
-              <a:rPr lang="en-US" dirty="0" smtClean="0"/>
-              <a:t>”);</a:t>
-            </a:r>
-            <a:endParaRPr lang="en-US" dirty="0"/>
-          </a:p>
-          <a:p>
-            <a:r>
-              <a:rPr lang="en-US" dirty="0" smtClean="0"/>
-              <a:t>	}</a:t>
-            </a:r>
-            <a:endParaRPr lang="en-US" dirty="0"/>
-          </a:p>
-          <a:p>
-            <a:r>
-              <a:rPr lang="en-US" dirty="0" smtClean="0"/>
-              <a:t>}</a:t>
-            </a:r>
-          </a:p>
-          <a:p>
-            <a:endParaRPr lang="en-US" dirty="0" smtClean="0"/>
-          </a:p>
-          <a:p>
-            <a:r>
-              <a:rPr lang="en-US" dirty="0"/>
-              <a:t>l</a:t>
-            </a:r>
-            <a:r>
-              <a:rPr lang="en-US" dirty="0" smtClean="0"/>
-              <a:t>et d1=new Distance();</a:t>
-            </a:r>
-          </a:p>
-          <a:p>
-            <a:r>
-              <a:rPr lang="en-US" dirty="0" smtClean="0"/>
-              <a:t>d1.setDistance(4,9);</a:t>
-            </a:r>
-          </a:p>
-          <a:p>
-            <a:r>
-              <a:rPr lang="en-US" dirty="0" smtClean="0"/>
-              <a:t>d1.print();</a:t>
-            </a:r>
-          </a:p>
-          <a:p>
-            <a:endParaRPr lang="en-US" dirty="0"/>
-          </a:p>
-        </p:txBody>
-      </p:sp>
     </p:spTree>
     <p:extLst>
       <p:ext uri="{BB962C8B-B14F-4D97-AF65-F5344CB8AC3E}">
-        <p14:creationId xmlns:p14="http://schemas.microsoft.com/office/powerpoint/2010/main" val="3186346529"/>
+        <p14:creationId xmlns:p14="http://schemas.microsoft.com/office/powerpoint/2010/main" val="982883446"/>
       </p:ext>
     </p:extLst>
   </p:cSld>
@@ -14963,12 +14909,7 @@
             <p:ph type="title"/>
           </p:nvPr>
         </p:nvSpPr>
-        <p:spPr>
-          <a:xfrm>
-            <a:off x="1141412" y="122129"/>
-            <a:ext cx="9905998" cy="1027402"/>
-          </a:xfrm>
-        </p:spPr>
+        <p:spPr/>
         <p:txBody>
           <a:bodyPr>
             <a:normAutofit/>
@@ -14976,10 +14917,10 @@
           <a:lstStyle/>
           <a:p>
             <a:r>
-              <a:rPr lang="en-US" dirty="0" smtClean="0">
+              <a:rPr lang="en-US" sz="4400" dirty="0" smtClean="0">
                 <a:latin typeface="Rockwell" panose="02060603020205020403" pitchFamily="18" charset="0"/>
               </a:rPr>
-              <a:t>Inheritance</a:t>
+              <a:t>Any questions</a:t>
             </a:r>
             <a:endParaRPr lang="en-US" sz="4400" dirty="0">
               <a:latin typeface="Rockwell" panose="02060603020205020403" pitchFamily="18" charset="0"/>
@@ -15003,21 +14944,15 @@
             <p:ph idx="1"/>
           </p:nvPr>
         </p:nvSpPr>
-        <p:spPr>
-          <a:xfrm>
-            <a:off x="1141412" y="1280160"/>
-            <a:ext cx="9905999" cy="4511041"/>
-          </a:xfrm>
-        </p:spPr>
+        <p:spPr/>
         <p:txBody>
-          <a:bodyPr>
-            <a:normAutofit fontScale="92500" lnSpcReduction="10000"/>
+          <a:bodyPr vert="horz" lIns="91440" tIns="45720" rIns="91440" bIns="45720" rtlCol="0" anchor="t">
+            <a:normAutofit/>
           </a:bodyPr>
           <a:lstStyle/>
           <a:p>
-            <a:pPr>
-              <a:buFont typeface="Wingdings" panose="05000000000000000000" pitchFamily="2" charset="2"/>
-              <a:buChar char="ü"/>
+            <a:pPr marL="0" lvl="0" indent="0">
+              <a:buNone/>
             </a:pPr>
             <a:r>
               <a:rPr lang="en-US" dirty="0" smtClean="0">
@@ -15025,2351 +14960,20 @@
                 <a:ea typeface="Tahoma" panose="020B0604030504040204" pitchFamily="34" charset="0"/>
                 <a:cs typeface="Tahoma" panose="020B0604030504040204" pitchFamily="34" charset="0"/>
               </a:rPr>
-              <a:t>Reusing existing features</a:t>
-            </a:r>
-            <a:endParaRPr lang="en-US" dirty="0" smtClean="0">
-              <a:ea typeface="Tahoma" panose="020B0604030504040204" pitchFamily="34" charset="0"/>
-              <a:cs typeface="Tahoma" panose="020B0604030504040204" pitchFamily="34" charset="0"/>
-            </a:endParaRPr>
-          </a:p>
-          <a:p>
-            <a:pPr>
-              <a:buFont typeface="Wingdings" panose="05000000000000000000" pitchFamily="2" charset="2"/>
-              <a:buChar char="ü"/>
-            </a:pPr>
-            <a:r>
-              <a:rPr lang="en-US" dirty="0" smtClean="0">
-                <a:latin typeface="Tahoma" panose="020B0604030504040204" pitchFamily="34" charset="0"/>
-                <a:ea typeface="Tahoma" panose="020B0604030504040204" pitchFamily="34" charset="0"/>
-                <a:cs typeface="Tahoma" panose="020B0604030504040204" pitchFamily="34" charset="0"/>
-              </a:rPr>
-              <a:t>Extending with new features</a:t>
-            </a:r>
-          </a:p>
-          <a:p>
-            <a:pPr>
-              <a:buFont typeface="Wingdings" panose="05000000000000000000" pitchFamily="2" charset="2"/>
-              <a:buChar char="ü"/>
-            </a:pPr>
-            <a:r>
-              <a:rPr lang="en-US" dirty="0">
-                <a:latin typeface="Tahoma" panose="020B0604030504040204" pitchFamily="34" charset="0"/>
-                <a:ea typeface="Tahoma" panose="020B0604030504040204" pitchFamily="34" charset="0"/>
-                <a:cs typeface="Tahoma" panose="020B0604030504040204" pitchFamily="34" charset="0"/>
-              </a:rPr>
-              <a:t>A</a:t>
-            </a:r>
-            <a:r>
-              <a:rPr lang="en-US" dirty="0" smtClean="0">
-                <a:latin typeface="Tahoma" panose="020B0604030504040204" pitchFamily="34" charset="0"/>
-                <a:ea typeface="Tahoma" panose="020B0604030504040204" pitchFamily="34" charset="0"/>
-                <a:cs typeface="Tahoma" panose="020B0604030504040204" pitchFamily="34" charset="0"/>
-              </a:rPr>
-              <a:t>ccess fields &amp; methods from Parent</a:t>
-            </a:r>
-          </a:p>
-          <a:p>
-            <a:pPr marL="0" indent="0">
-              <a:buNone/>
-            </a:pPr>
-            <a:r>
-              <a:rPr lang="en-US" dirty="0">
-                <a:latin typeface="Tahoma" panose="020B0604030504040204" pitchFamily="34" charset="0"/>
-                <a:ea typeface="Tahoma" panose="020B0604030504040204" pitchFamily="34" charset="0"/>
-                <a:cs typeface="Tahoma" panose="020B0604030504040204" pitchFamily="34" charset="0"/>
-              </a:rPr>
-              <a:t>	</a:t>
-            </a:r>
-            <a:r>
-              <a:rPr lang="en-US" dirty="0" smtClean="0">
-                <a:latin typeface="Tahoma" panose="020B0604030504040204" pitchFamily="34" charset="0"/>
-                <a:ea typeface="Tahoma" panose="020B0604030504040204" pitchFamily="34" charset="0"/>
-                <a:cs typeface="Tahoma" panose="020B0604030504040204" pitchFamily="34" charset="0"/>
-              </a:rPr>
-              <a:t>- </a:t>
-            </a:r>
-            <a:r>
-              <a:rPr lang="en-US" dirty="0" err="1" smtClean="0">
-                <a:latin typeface="Tahoma" panose="020B0604030504040204" pitchFamily="34" charset="0"/>
-                <a:ea typeface="Tahoma" panose="020B0604030504040204" pitchFamily="34" charset="0"/>
-                <a:cs typeface="Tahoma" panose="020B0604030504040204" pitchFamily="34" charset="0"/>
-              </a:rPr>
-              <a:t>super.something</a:t>
-            </a:r>
-            <a:endParaRPr lang="en-US" dirty="0" smtClean="0">
+              <a:t>https://www.google.com</a:t>
+            </a:r>
+            <a:endParaRPr lang="en-US" dirty="0">
               <a:latin typeface="Tahoma" panose="020B0604030504040204" pitchFamily="34" charset="0"/>
               <a:ea typeface="Tahoma" panose="020B0604030504040204" pitchFamily="34" charset="0"/>
               <a:cs typeface="Tahoma" panose="020B0604030504040204" pitchFamily="34" charset="0"/>
             </a:endParaRPr>
-          </a:p>
-          <a:p>
-            <a:pPr>
-              <a:buFont typeface="Wingdings" panose="05000000000000000000" pitchFamily="2" charset="2"/>
-              <a:buChar char="ü"/>
-            </a:pPr>
-            <a:r>
-              <a:rPr lang="en-US" dirty="0" smtClean="0">
-                <a:latin typeface="Tahoma" panose="020B0604030504040204" pitchFamily="34" charset="0"/>
-                <a:ea typeface="Tahoma" panose="020B0604030504040204" pitchFamily="34" charset="0"/>
-                <a:cs typeface="Tahoma" panose="020B0604030504040204" pitchFamily="34" charset="0"/>
-              </a:rPr>
-              <a:t>Access Modifiers</a:t>
-            </a:r>
-          </a:p>
-          <a:p>
-            <a:pPr marL="0" indent="0">
-              <a:buNone/>
-            </a:pPr>
-            <a:r>
-              <a:rPr lang="en-US" dirty="0">
-                <a:latin typeface="Tahoma" panose="020B0604030504040204" pitchFamily="34" charset="0"/>
-                <a:ea typeface="Tahoma" panose="020B0604030504040204" pitchFamily="34" charset="0"/>
-                <a:cs typeface="Tahoma" panose="020B0604030504040204" pitchFamily="34" charset="0"/>
-              </a:rPr>
-              <a:t>	</a:t>
-            </a:r>
-            <a:r>
-              <a:rPr lang="en-US" dirty="0" smtClean="0">
-                <a:latin typeface="Tahoma" panose="020B0604030504040204" pitchFamily="34" charset="0"/>
-                <a:ea typeface="Tahoma" panose="020B0604030504040204" pitchFamily="34" charset="0"/>
-                <a:cs typeface="Tahoma" panose="020B0604030504040204" pitchFamily="34" charset="0"/>
-              </a:rPr>
-              <a:t>- private (within its class only)</a:t>
-            </a:r>
-          </a:p>
-          <a:p>
-            <a:pPr marL="0" indent="0">
-              <a:buNone/>
-            </a:pPr>
-            <a:r>
-              <a:rPr lang="en-US" dirty="0">
-                <a:latin typeface="Tahoma" panose="020B0604030504040204" pitchFamily="34" charset="0"/>
-                <a:ea typeface="Tahoma" panose="020B0604030504040204" pitchFamily="34" charset="0"/>
-                <a:cs typeface="Tahoma" panose="020B0604030504040204" pitchFamily="34" charset="0"/>
-              </a:rPr>
-              <a:t>	</a:t>
-            </a:r>
-            <a:r>
-              <a:rPr lang="en-US" dirty="0" smtClean="0">
-                <a:latin typeface="Tahoma" panose="020B0604030504040204" pitchFamily="34" charset="0"/>
-                <a:ea typeface="Tahoma" panose="020B0604030504040204" pitchFamily="34" charset="0"/>
-                <a:cs typeface="Tahoma" panose="020B0604030504040204" pitchFamily="34" charset="0"/>
-              </a:rPr>
-              <a:t>- protected (itself &amp; derived)</a:t>
-            </a:r>
-          </a:p>
-          <a:p>
-            <a:pPr marL="0" indent="0">
-              <a:buNone/>
-            </a:pPr>
-            <a:r>
-              <a:rPr lang="en-US" dirty="0">
-                <a:latin typeface="Tahoma" panose="020B0604030504040204" pitchFamily="34" charset="0"/>
-                <a:ea typeface="Tahoma" panose="020B0604030504040204" pitchFamily="34" charset="0"/>
-                <a:cs typeface="Tahoma" panose="020B0604030504040204" pitchFamily="34" charset="0"/>
-              </a:rPr>
-              <a:t>	</a:t>
-            </a:r>
-            <a:r>
-              <a:rPr lang="en-US" dirty="0" smtClean="0">
-                <a:latin typeface="Tahoma" panose="020B0604030504040204" pitchFamily="34" charset="0"/>
-                <a:ea typeface="Tahoma" panose="020B0604030504040204" pitchFamily="34" charset="0"/>
-                <a:cs typeface="Tahoma" panose="020B0604030504040204" pitchFamily="34" charset="0"/>
-              </a:rPr>
-              <a:t>- public (anywhere)</a:t>
-            </a:r>
-          </a:p>
-          <a:p>
-            <a:pPr>
-              <a:buFont typeface="Wingdings" panose="05000000000000000000" pitchFamily="2" charset="2"/>
-              <a:buChar char="ü"/>
-            </a:pPr>
-            <a:r>
-              <a:rPr lang="en-US" dirty="0" smtClean="0">
-                <a:latin typeface="Tahoma" panose="020B0604030504040204" pitchFamily="34" charset="0"/>
-                <a:ea typeface="Tahoma" panose="020B0604030504040204" pitchFamily="34" charset="0"/>
-                <a:cs typeface="Tahoma" panose="020B0604030504040204" pitchFamily="34" charset="0"/>
-              </a:rPr>
-              <a:t>Not support multiple constructors</a:t>
-            </a:r>
-          </a:p>
-        </p:txBody>
-      </p:sp>
-      <p:sp>
-        <p:nvSpPr>
-          <p:cNvPr id="4" name="TextBox 3"/>
-          <p:cNvSpPr txBox="1"/>
-          <p:nvPr/>
-        </p:nvSpPr>
-        <p:spPr>
-          <a:xfrm>
-            <a:off x="10522588" y="122129"/>
-            <a:ext cx="1471878" cy="369332"/>
-          </a:xfrm>
-          <a:prstGeom prst="rect">
-            <a:avLst/>
-          </a:prstGeom>
-          <a:noFill/>
-        </p:spPr>
-        <p:txBody>
-          <a:bodyPr wrap="none" rtlCol="0">
-            <a:spAutoFit/>
-          </a:bodyPr>
-          <a:lstStyle/>
-          <a:p>
-            <a:r>
-              <a:rPr lang="en-US" dirty="0" smtClean="0">
-                <a:solidFill>
-                  <a:schemeClr val="accent4">
-                    <a:lumMod val="60000"/>
-                    <a:lumOff val="40000"/>
-                  </a:schemeClr>
-                </a:solidFill>
-                <a:latin typeface="Berlin Sans FB" panose="020E0602020502020306" pitchFamily="34" charset="0"/>
-              </a:rPr>
-              <a:t>Thet </a:t>
-            </a:r>
-            <a:r>
-              <a:rPr lang="en-US" dirty="0" err="1" smtClean="0">
-                <a:solidFill>
-                  <a:schemeClr val="accent4">
-                    <a:lumMod val="60000"/>
-                    <a:lumOff val="40000"/>
-                  </a:schemeClr>
-                </a:solidFill>
-                <a:latin typeface="Berlin Sans FB" panose="020E0602020502020306" pitchFamily="34" charset="0"/>
-              </a:rPr>
-              <a:t>Lwin</a:t>
-            </a:r>
-            <a:r>
-              <a:rPr lang="en-US" dirty="0" smtClean="0">
-                <a:solidFill>
-                  <a:schemeClr val="accent4">
-                    <a:lumMod val="60000"/>
-                    <a:lumOff val="40000"/>
-                  </a:schemeClr>
-                </a:solidFill>
-                <a:latin typeface="Berlin Sans FB" panose="020E0602020502020306" pitchFamily="34" charset="0"/>
-              </a:rPr>
-              <a:t> </a:t>
-            </a:r>
-            <a:r>
-              <a:rPr lang="en-US" dirty="0" err="1" smtClean="0">
-                <a:solidFill>
-                  <a:schemeClr val="accent4">
-                    <a:lumMod val="60000"/>
-                    <a:lumOff val="40000"/>
-                  </a:schemeClr>
-                </a:solidFill>
-                <a:latin typeface="Berlin Sans FB" panose="020E0602020502020306" pitchFamily="34" charset="0"/>
-              </a:rPr>
-              <a:t>Oo</a:t>
-            </a:r>
-            <a:endParaRPr lang="en-US" dirty="0">
-              <a:solidFill>
-                <a:schemeClr val="accent4">
-                  <a:lumMod val="60000"/>
-                  <a:lumOff val="40000"/>
-                </a:schemeClr>
-              </a:solidFill>
-              <a:latin typeface="Berlin Sans FB" panose="020E0602020502020306" pitchFamily="34" charset="0"/>
-            </a:endParaRPr>
-          </a:p>
-        </p:txBody>
-      </p:sp>
-      <p:sp>
-        <p:nvSpPr>
-          <p:cNvPr id="5" name="TextBox 4"/>
-          <p:cNvSpPr txBox="1"/>
-          <p:nvPr/>
-        </p:nvSpPr>
-        <p:spPr>
-          <a:xfrm>
-            <a:off x="6766560" y="1613647"/>
-            <a:ext cx="5227906" cy="3693319"/>
-          </a:xfrm>
-          <a:prstGeom prst="rect">
-            <a:avLst/>
-          </a:prstGeom>
-          <a:noFill/>
-          <a:ln>
-            <a:solidFill>
-              <a:schemeClr val="tx1"/>
-            </a:solidFill>
-          </a:ln>
-        </p:spPr>
-        <p:txBody>
-          <a:bodyPr wrap="square" rtlCol="0">
-            <a:spAutoFit/>
-          </a:bodyPr>
-          <a:lstStyle/>
-          <a:p>
-            <a:r>
-              <a:rPr lang="en-US" dirty="0" smtClean="0"/>
-              <a:t>class </a:t>
-            </a:r>
-            <a:r>
-              <a:rPr lang="en-US" dirty="0" err="1" smtClean="0"/>
-              <a:t>DistanceSymbol</a:t>
-            </a:r>
-            <a:r>
-              <a:rPr lang="en-US" dirty="0" smtClean="0"/>
-              <a:t> extends Distance{</a:t>
-            </a:r>
-          </a:p>
-          <a:p>
-            <a:r>
-              <a:rPr lang="en-US" dirty="0" smtClean="0"/>
-              <a:t>	constructor(feet : number, inches : number){</a:t>
-            </a:r>
-          </a:p>
-          <a:p>
-            <a:r>
-              <a:rPr lang="en-US" dirty="0" smtClean="0"/>
-              <a:t>		super(feet, inches);</a:t>
-            </a:r>
-            <a:endParaRPr lang="en-US" dirty="0"/>
-          </a:p>
-          <a:p>
-            <a:r>
-              <a:rPr lang="en-US" dirty="0" smtClean="0"/>
-              <a:t>	}</a:t>
-            </a:r>
-          </a:p>
-          <a:p>
-            <a:r>
-              <a:rPr lang="en-US" dirty="0"/>
-              <a:t>	</a:t>
-            </a:r>
-            <a:r>
-              <a:rPr lang="en-US" dirty="0" smtClean="0"/>
-              <a:t>print(){</a:t>
-            </a:r>
-          </a:p>
-          <a:p>
-            <a:r>
-              <a:rPr lang="en-US" dirty="0" smtClean="0"/>
-              <a:t>		Console.log(</a:t>
-            </a:r>
-            <a:r>
-              <a:rPr lang="en-US" dirty="0" err="1" smtClean="0"/>
-              <a:t>this.feet</a:t>
-            </a:r>
-            <a:r>
-              <a:rPr lang="en-US" dirty="0" smtClean="0"/>
-              <a:t> + “ ‘, ”+</a:t>
-            </a:r>
-            <a:r>
-              <a:rPr lang="en-US" dirty="0" err="1" smtClean="0"/>
-              <a:t>this.inches</a:t>
-            </a:r>
-            <a:r>
-              <a:rPr lang="en-US" dirty="0" smtClean="0"/>
-              <a:t>+”</a:t>
-            </a:r>
-            <a:r>
-              <a:rPr lang="en-US" dirty="0"/>
-              <a:t> </a:t>
-            </a:r>
-            <a:r>
-              <a:rPr lang="en-US" dirty="0" smtClean="0"/>
-              <a:t>\” ”);</a:t>
-            </a:r>
-            <a:endParaRPr lang="en-US" dirty="0"/>
-          </a:p>
-          <a:p>
-            <a:r>
-              <a:rPr lang="en-US" dirty="0" smtClean="0"/>
-              <a:t>	}</a:t>
-            </a:r>
-            <a:endParaRPr lang="en-US" dirty="0"/>
-          </a:p>
-          <a:p>
-            <a:r>
-              <a:rPr lang="en-US" dirty="0" smtClean="0"/>
-              <a:t>}</a:t>
-            </a:r>
-          </a:p>
-          <a:p>
-            <a:endParaRPr lang="en-US" dirty="0" smtClean="0"/>
-          </a:p>
-          <a:p>
-            <a:r>
-              <a:rPr lang="en-US" dirty="0"/>
-              <a:t>l</a:t>
-            </a:r>
-            <a:r>
-              <a:rPr lang="en-US" dirty="0" smtClean="0"/>
-              <a:t>et d1=new </a:t>
-            </a:r>
-            <a:r>
-              <a:rPr lang="en-US" dirty="0" err="1" smtClean="0"/>
-              <a:t>DistanceSymbol</a:t>
-            </a:r>
-            <a:r>
-              <a:rPr lang="en-US" dirty="0" smtClean="0"/>
-              <a:t>(5,6);</a:t>
-            </a:r>
-          </a:p>
-          <a:p>
-            <a:r>
-              <a:rPr lang="en-US" dirty="0" smtClean="0"/>
-              <a:t>d1.print();</a:t>
-            </a:r>
-          </a:p>
-          <a:p>
-            <a:endParaRPr lang="en-US" dirty="0"/>
           </a:p>
         </p:txBody>
       </p:sp>
     </p:spTree>
     <p:extLst>
       <p:ext uri="{BB962C8B-B14F-4D97-AF65-F5344CB8AC3E}">
-        <p14:creationId xmlns:p14="http://schemas.microsoft.com/office/powerpoint/2010/main" val="1636939661"/>
-      </p:ext>
-    </p:extLst>
-  </p:cSld>
-  <p:clrMapOvr>
-    <a:masterClrMapping/>
-  </p:clrMapOvr>
-  <p:timing>
-    <p:tnLst>
-      <p:par>
-        <p:cTn id="1" dur="indefinite" restart="never" nodeType="tmRoot"/>
-      </p:par>
-    </p:tnLst>
-  </p:timing>
-</p:sld>
-</file>
-
-<file path=ppt/slides/slide16.xml><?xml version="1.0" encoding="utf-8"?>
-<p:sld xmlns:a="http://schemas.openxmlformats.org/drawingml/2006/main" xmlns:r="http://schemas.openxmlformats.org/officeDocument/2006/relationships" xmlns:p="http://schemas.openxmlformats.org/presentationml/2006/main">
-  <p:cSld>
-    <p:spTree>
-      <p:nvGrpSpPr>
-        <p:cNvPr id="1" name=""/>
-        <p:cNvGrpSpPr/>
-        <p:nvPr/>
-      </p:nvGrpSpPr>
-      <p:grpSpPr>
-        <a:xfrm>
-          <a:off x="0" y="0"/>
-          <a:ext cx="0" cy="0"/>
-          <a:chOff x="0" y="0"/>
-          <a:chExt cx="0" cy="0"/>
-        </a:xfrm>
-      </p:grpSpPr>
-      <p:sp>
-        <p:nvSpPr>
-          <p:cNvPr id="2" name="Title 1">
-            <a:extLst>
-              <a:ext uri="{FF2B5EF4-FFF2-40B4-BE49-F238E27FC236}">
-                <a16:creationId xmlns:a16="http://schemas.microsoft.com/office/drawing/2014/main" xmlns="" id="{34DB6CE4-2B13-4715-B5B2-615A55922CA1}"/>
-              </a:ext>
-            </a:extLst>
-          </p:cNvPr>
-          <p:cNvSpPr>
-            <a:spLocks noGrp="1"/>
-          </p:cNvSpPr>
-          <p:nvPr>
-            <p:ph type="title"/>
-          </p:nvPr>
-        </p:nvSpPr>
-        <p:spPr>
-          <a:xfrm>
-            <a:off x="1141412" y="122129"/>
-            <a:ext cx="9905998" cy="1027402"/>
-          </a:xfrm>
-        </p:spPr>
-        <p:txBody>
-          <a:bodyPr>
-            <a:normAutofit/>
-          </a:bodyPr>
-          <a:lstStyle/>
-          <a:p>
-            <a:r>
-              <a:rPr lang="en-US" dirty="0" smtClean="0">
-                <a:latin typeface="Rockwell" panose="02060603020205020403" pitchFamily="18" charset="0"/>
-              </a:rPr>
-              <a:t>Interface</a:t>
-            </a:r>
-            <a:endParaRPr lang="en-US" sz="4400" dirty="0">
-              <a:latin typeface="Rockwell" panose="02060603020205020403" pitchFamily="18" charset="0"/>
-            </a:endParaRPr>
-          </a:p>
-        </p:txBody>
-      </p:sp>
-      <p:sp>
-        <p:nvSpPr>
-          <p:cNvPr id="3" name="Content Placeholder 2">
-            <a:extLst>
-              <a:ext uri="{FF2B5EF4-FFF2-40B4-BE49-F238E27FC236}">
-                <a16:creationId xmlns:a16="http://schemas.microsoft.com/office/drawing/2014/main" xmlns="" id="{143F5361-68C0-4BF5-80C8-F1E7BF92B2DB}"/>
-              </a:ext>
-            </a:extLst>
-          </p:cNvPr>
-          <p:cNvSpPr>
-            <a:spLocks noGrp="1"/>
-          </p:cNvSpPr>
-          <p:nvPr>
-            <p:ph idx="1"/>
-          </p:nvPr>
-        </p:nvSpPr>
-        <p:spPr>
-          <a:xfrm>
-            <a:off x="1141412" y="1280160"/>
-            <a:ext cx="9905999" cy="4511041"/>
-          </a:xfrm>
-        </p:spPr>
-        <p:txBody>
-          <a:bodyPr/>
-          <a:lstStyle/>
-          <a:p>
-            <a:pPr>
-              <a:buFont typeface="Wingdings" panose="05000000000000000000" pitchFamily="2" charset="2"/>
-              <a:buChar char="ü"/>
-            </a:pPr>
-            <a:r>
-              <a:rPr lang="en-US" dirty="0" smtClean="0">
-                <a:latin typeface="Tahoma" panose="020B0604030504040204" pitchFamily="34" charset="0"/>
-                <a:ea typeface="Tahoma" panose="020B0604030504040204" pitchFamily="34" charset="0"/>
-                <a:cs typeface="Tahoma" panose="020B0604030504040204" pitchFamily="34" charset="0"/>
-              </a:rPr>
-              <a:t>Defines syntax of classes to follow</a:t>
-            </a:r>
-          </a:p>
-          <a:p>
-            <a:pPr>
-              <a:buFont typeface="Wingdings" panose="05000000000000000000" pitchFamily="2" charset="2"/>
-              <a:buChar char="ü"/>
-            </a:pPr>
-            <a:r>
-              <a:rPr lang="en-US" dirty="0">
-                <a:latin typeface="Tahoma" panose="020B0604030504040204" pitchFamily="34" charset="0"/>
-                <a:ea typeface="Tahoma" panose="020B0604030504040204" pitchFamily="34" charset="0"/>
-                <a:cs typeface="Tahoma" panose="020B0604030504040204" pitchFamily="34" charset="0"/>
-              </a:rPr>
-              <a:t> </a:t>
-            </a:r>
-            <a:r>
-              <a:rPr lang="en-US" dirty="0" err="1" smtClean="0">
-                <a:latin typeface="Tahoma" panose="020B0604030504040204" pitchFamily="34" charset="0"/>
-                <a:ea typeface="Tahoma" panose="020B0604030504040204" pitchFamily="34" charset="0"/>
-                <a:cs typeface="Tahoma" panose="020B0604030504040204" pitchFamily="34" charset="0"/>
-              </a:rPr>
-              <a:t>tsc</a:t>
-            </a:r>
-            <a:r>
-              <a:rPr lang="en-US" dirty="0" smtClean="0">
-                <a:latin typeface="Tahoma" panose="020B0604030504040204" pitchFamily="34" charset="0"/>
-                <a:ea typeface="Tahoma" panose="020B0604030504040204" pitchFamily="34" charset="0"/>
-                <a:cs typeface="Tahoma" panose="020B0604030504040204" pitchFamily="34" charset="0"/>
-              </a:rPr>
-              <a:t> doesn’t convert interface to JS</a:t>
-            </a:r>
-          </a:p>
-          <a:p>
-            <a:pPr>
-              <a:buFont typeface="Wingdings" panose="05000000000000000000" pitchFamily="2" charset="2"/>
-              <a:buChar char="ü"/>
-            </a:pPr>
-            <a:r>
-              <a:rPr lang="en-US" dirty="0" smtClean="0">
-                <a:latin typeface="Tahoma" panose="020B0604030504040204" pitchFamily="34" charset="0"/>
-                <a:ea typeface="Tahoma" panose="020B0604030504040204" pitchFamily="34" charset="0"/>
-                <a:cs typeface="Tahoma" panose="020B0604030504040204" pitchFamily="34" charset="0"/>
-              </a:rPr>
-              <a:t>Use for type checking (duck typing)</a:t>
-            </a:r>
-          </a:p>
-        </p:txBody>
-      </p:sp>
-      <p:sp>
-        <p:nvSpPr>
-          <p:cNvPr id="4" name="TextBox 3"/>
-          <p:cNvSpPr txBox="1"/>
-          <p:nvPr/>
-        </p:nvSpPr>
-        <p:spPr>
-          <a:xfrm>
-            <a:off x="10522588" y="122129"/>
-            <a:ext cx="1471878" cy="369332"/>
-          </a:xfrm>
-          <a:prstGeom prst="rect">
-            <a:avLst/>
-          </a:prstGeom>
-          <a:noFill/>
-        </p:spPr>
-        <p:txBody>
-          <a:bodyPr wrap="none" rtlCol="0">
-            <a:spAutoFit/>
-          </a:bodyPr>
-          <a:lstStyle/>
-          <a:p>
-            <a:r>
-              <a:rPr lang="en-US" dirty="0" smtClean="0">
-                <a:solidFill>
-                  <a:schemeClr val="accent4">
-                    <a:lumMod val="60000"/>
-                    <a:lumOff val="40000"/>
-                  </a:schemeClr>
-                </a:solidFill>
-                <a:latin typeface="Berlin Sans FB" panose="020E0602020502020306" pitchFamily="34" charset="0"/>
-              </a:rPr>
-              <a:t>Thet </a:t>
-            </a:r>
-            <a:r>
-              <a:rPr lang="en-US" dirty="0" err="1" smtClean="0">
-                <a:solidFill>
-                  <a:schemeClr val="accent4">
-                    <a:lumMod val="60000"/>
-                    <a:lumOff val="40000"/>
-                  </a:schemeClr>
-                </a:solidFill>
-                <a:latin typeface="Berlin Sans FB" panose="020E0602020502020306" pitchFamily="34" charset="0"/>
-              </a:rPr>
-              <a:t>Lwin</a:t>
-            </a:r>
-            <a:r>
-              <a:rPr lang="en-US" dirty="0" smtClean="0">
-                <a:solidFill>
-                  <a:schemeClr val="accent4">
-                    <a:lumMod val="60000"/>
-                    <a:lumOff val="40000"/>
-                  </a:schemeClr>
-                </a:solidFill>
-                <a:latin typeface="Berlin Sans FB" panose="020E0602020502020306" pitchFamily="34" charset="0"/>
-              </a:rPr>
-              <a:t> </a:t>
-            </a:r>
-            <a:r>
-              <a:rPr lang="en-US" dirty="0" err="1" smtClean="0">
-                <a:solidFill>
-                  <a:schemeClr val="accent4">
-                    <a:lumMod val="60000"/>
-                    <a:lumOff val="40000"/>
-                  </a:schemeClr>
-                </a:solidFill>
-                <a:latin typeface="Berlin Sans FB" panose="020E0602020502020306" pitchFamily="34" charset="0"/>
-              </a:rPr>
-              <a:t>Oo</a:t>
-            </a:r>
-            <a:endParaRPr lang="en-US" dirty="0">
-              <a:solidFill>
-                <a:schemeClr val="accent4">
-                  <a:lumMod val="60000"/>
-                  <a:lumOff val="40000"/>
-                </a:schemeClr>
-              </a:solidFill>
-              <a:latin typeface="Berlin Sans FB" panose="020E0602020502020306" pitchFamily="34" charset="0"/>
-            </a:endParaRPr>
-          </a:p>
-        </p:txBody>
-      </p:sp>
-      <p:sp>
-        <p:nvSpPr>
-          <p:cNvPr id="5" name="TextBox 4"/>
-          <p:cNvSpPr txBox="1"/>
-          <p:nvPr/>
-        </p:nvSpPr>
-        <p:spPr>
-          <a:xfrm>
-            <a:off x="6714308" y="1280160"/>
-            <a:ext cx="4850164" cy="3970318"/>
-          </a:xfrm>
-          <a:prstGeom prst="rect">
-            <a:avLst/>
-          </a:prstGeom>
-          <a:noFill/>
-        </p:spPr>
-        <p:txBody>
-          <a:bodyPr wrap="square" rtlCol="0">
-            <a:spAutoFit/>
-          </a:bodyPr>
-          <a:lstStyle/>
-          <a:p>
-            <a:r>
-              <a:rPr lang="en-US" dirty="0" smtClean="0"/>
-              <a:t>interface </a:t>
-            </a:r>
-            <a:r>
-              <a:rPr lang="en-US" dirty="0" err="1" smtClean="0"/>
-              <a:t>RectangleOptions</a:t>
-            </a:r>
-            <a:r>
-              <a:rPr lang="en-US" dirty="0" smtClean="0"/>
-              <a:t>{</a:t>
-            </a:r>
-          </a:p>
-          <a:p>
-            <a:r>
-              <a:rPr lang="en-US" dirty="0" smtClean="0"/>
-              <a:t>	width : number;</a:t>
-            </a:r>
-          </a:p>
-          <a:p>
-            <a:r>
-              <a:rPr lang="en-US" dirty="0"/>
-              <a:t>	</a:t>
-            </a:r>
-            <a:r>
-              <a:rPr lang="en-US" dirty="0" smtClean="0"/>
-              <a:t>length : number;</a:t>
-            </a:r>
-          </a:p>
-          <a:p>
-            <a:r>
-              <a:rPr lang="en-US" dirty="0"/>
-              <a:t>	</a:t>
-            </a:r>
-            <a:r>
-              <a:rPr lang="en-US" dirty="0" smtClean="0"/>
-              <a:t>height? : number;</a:t>
-            </a:r>
-            <a:endParaRPr lang="en-US" dirty="0"/>
-          </a:p>
-          <a:p>
-            <a:r>
-              <a:rPr lang="en-US" dirty="0" smtClean="0"/>
-              <a:t>}</a:t>
-            </a:r>
-          </a:p>
-          <a:p>
-            <a:r>
-              <a:rPr lang="en-US" dirty="0" smtClean="0"/>
-              <a:t>function </a:t>
-            </a:r>
-            <a:r>
-              <a:rPr lang="en-US" dirty="0" err="1" smtClean="0"/>
-              <a:t>drawRect</a:t>
-            </a:r>
-            <a:r>
-              <a:rPr lang="en-US" dirty="0" smtClean="0"/>
-              <a:t>(option : </a:t>
-            </a:r>
-            <a:r>
-              <a:rPr lang="en-US" dirty="0" err="1" smtClean="0"/>
-              <a:t>RectangleOptions</a:t>
-            </a:r>
-            <a:r>
-              <a:rPr lang="en-US" dirty="0" smtClean="0"/>
-              <a:t>)</a:t>
-            </a:r>
-          </a:p>
-          <a:p>
-            <a:r>
-              <a:rPr lang="en-US" dirty="0" smtClean="0"/>
-              <a:t>{</a:t>
-            </a:r>
-          </a:p>
-          <a:p>
-            <a:r>
-              <a:rPr lang="en-US" dirty="0" smtClean="0"/>
-              <a:t>	let width=</a:t>
-            </a:r>
-            <a:r>
-              <a:rPr lang="en-US" dirty="0" err="1" smtClean="0"/>
-              <a:t>option.width</a:t>
-            </a:r>
-            <a:r>
-              <a:rPr lang="en-US" dirty="0" smtClean="0"/>
-              <a:t>;</a:t>
-            </a:r>
-          </a:p>
-          <a:p>
-            <a:r>
-              <a:rPr lang="en-US" dirty="0"/>
-              <a:t>	</a:t>
-            </a:r>
-            <a:r>
-              <a:rPr lang="en-US" dirty="0" smtClean="0"/>
-              <a:t>let length=</a:t>
-            </a:r>
-            <a:r>
-              <a:rPr lang="en-US" dirty="0" err="1" smtClean="0"/>
-              <a:t>option.length</a:t>
-            </a:r>
-            <a:r>
-              <a:rPr lang="en-US" dirty="0" smtClean="0"/>
-              <a:t>;</a:t>
-            </a:r>
-          </a:p>
-          <a:p>
-            <a:r>
-              <a:rPr lang="en-US" dirty="0"/>
-              <a:t>	</a:t>
-            </a:r>
-            <a:r>
-              <a:rPr lang="en-US" dirty="0" smtClean="0"/>
-              <a:t>if(</a:t>
-            </a:r>
-            <a:r>
-              <a:rPr lang="en-US" dirty="0" err="1" smtClean="0"/>
-              <a:t>option.height</a:t>
-            </a:r>
-            <a:r>
-              <a:rPr lang="en-US" dirty="0" smtClean="0"/>
-              <a:t>)</a:t>
-            </a:r>
-          </a:p>
-          <a:p>
-            <a:r>
-              <a:rPr lang="en-US" dirty="0"/>
-              <a:t>	</a:t>
-            </a:r>
-            <a:r>
-              <a:rPr lang="en-US" dirty="0" smtClean="0"/>
-              <a:t>	let height=</a:t>
-            </a:r>
-            <a:r>
-              <a:rPr lang="en-US" dirty="0" err="1" smtClean="0"/>
-              <a:t>option.height</a:t>
-            </a:r>
-            <a:r>
-              <a:rPr lang="en-US" dirty="0" smtClean="0"/>
-              <a:t>;</a:t>
-            </a:r>
-            <a:endParaRPr lang="en-US" dirty="0"/>
-          </a:p>
-          <a:p>
-            <a:r>
-              <a:rPr lang="en-US" dirty="0" smtClean="0"/>
-              <a:t>}</a:t>
-            </a:r>
-          </a:p>
-          <a:p>
-            <a:endParaRPr lang="en-US" dirty="0"/>
-          </a:p>
-          <a:p>
-            <a:r>
-              <a:rPr lang="en-US" dirty="0" err="1" smtClean="0"/>
-              <a:t>drawRect</a:t>
-            </a:r>
-            <a:r>
-              <a:rPr lang="en-US" dirty="0" smtClean="0"/>
-              <a:t>({width : 50, length : 35});</a:t>
-            </a:r>
-            <a:endParaRPr lang="en-US" dirty="0"/>
-          </a:p>
-        </p:txBody>
-      </p:sp>
-    </p:spTree>
-    <p:extLst>
-      <p:ext uri="{BB962C8B-B14F-4D97-AF65-F5344CB8AC3E}">
-        <p14:creationId xmlns:p14="http://schemas.microsoft.com/office/powerpoint/2010/main" val="3679757036"/>
-      </p:ext>
-    </p:extLst>
-  </p:cSld>
-  <p:clrMapOvr>
-    <a:masterClrMapping/>
-  </p:clrMapOvr>
-  <p:timing>
-    <p:tnLst>
-      <p:par>
-        <p:cTn id="1" dur="indefinite" restart="never" nodeType="tmRoot"/>
-      </p:par>
-    </p:tnLst>
-  </p:timing>
-</p:sld>
-</file>
-
-<file path=ppt/slides/slide17.xml><?xml version="1.0" encoding="utf-8"?>
-<p:sld xmlns:a="http://schemas.openxmlformats.org/drawingml/2006/main" xmlns:r="http://schemas.openxmlformats.org/officeDocument/2006/relationships" xmlns:p="http://schemas.openxmlformats.org/presentationml/2006/main">
-  <p:cSld>
-    <p:spTree>
-      <p:nvGrpSpPr>
-        <p:cNvPr id="1" name=""/>
-        <p:cNvGrpSpPr/>
-        <p:nvPr/>
-      </p:nvGrpSpPr>
-      <p:grpSpPr>
-        <a:xfrm>
-          <a:off x="0" y="0"/>
-          <a:ext cx="0" cy="0"/>
-          <a:chOff x="0" y="0"/>
-          <a:chExt cx="0" cy="0"/>
-        </a:xfrm>
-      </p:grpSpPr>
-      <p:sp>
-        <p:nvSpPr>
-          <p:cNvPr id="2" name="Title 1">
-            <a:extLst>
-              <a:ext uri="{FF2B5EF4-FFF2-40B4-BE49-F238E27FC236}">
-                <a16:creationId xmlns:a16="http://schemas.microsoft.com/office/drawing/2014/main" xmlns="" id="{34DB6CE4-2B13-4715-B5B2-615A55922CA1}"/>
-              </a:ext>
-            </a:extLst>
-          </p:cNvPr>
-          <p:cNvSpPr>
-            <a:spLocks noGrp="1"/>
-          </p:cNvSpPr>
-          <p:nvPr>
-            <p:ph type="title"/>
-          </p:nvPr>
-        </p:nvSpPr>
-        <p:spPr>
-          <a:xfrm>
-            <a:off x="1141412" y="122129"/>
-            <a:ext cx="9905998" cy="1027402"/>
-          </a:xfrm>
-        </p:spPr>
-        <p:txBody>
-          <a:bodyPr>
-            <a:normAutofit/>
-          </a:bodyPr>
-          <a:lstStyle/>
-          <a:p>
-            <a:r>
-              <a:rPr lang="en-US" dirty="0" smtClean="0">
-                <a:latin typeface="Rockwell" panose="02060603020205020403" pitchFamily="18" charset="0"/>
-              </a:rPr>
-              <a:t>Interface (Example 2)</a:t>
-            </a:r>
-            <a:endParaRPr lang="en-US" sz="4400" dirty="0">
-              <a:latin typeface="Rockwell" panose="02060603020205020403" pitchFamily="18" charset="0"/>
-            </a:endParaRPr>
-          </a:p>
-        </p:txBody>
-      </p:sp>
-      <p:sp>
-        <p:nvSpPr>
-          <p:cNvPr id="4" name="TextBox 3"/>
-          <p:cNvSpPr txBox="1"/>
-          <p:nvPr/>
-        </p:nvSpPr>
-        <p:spPr>
-          <a:xfrm>
-            <a:off x="10522588" y="122129"/>
-            <a:ext cx="1471878" cy="369332"/>
-          </a:xfrm>
-          <a:prstGeom prst="rect">
-            <a:avLst/>
-          </a:prstGeom>
-          <a:noFill/>
-        </p:spPr>
-        <p:txBody>
-          <a:bodyPr wrap="none" rtlCol="0">
-            <a:spAutoFit/>
-          </a:bodyPr>
-          <a:lstStyle/>
-          <a:p>
-            <a:r>
-              <a:rPr lang="en-US" dirty="0" smtClean="0">
-                <a:solidFill>
-                  <a:schemeClr val="accent4">
-                    <a:lumMod val="60000"/>
-                    <a:lumOff val="40000"/>
-                  </a:schemeClr>
-                </a:solidFill>
-                <a:latin typeface="Berlin Sans FB" panose="020E0602020502020306" pitchFamily="34" charset="0"/>
-              </a:rPr>
-              <a:t>Thet </a:t>
-            </a:r>
-            <a:r>
-              <a:rPr lang="en-US" dirty="0" err="1" smtClean="0">
-                <a:solidFill>
-                  <a:schemeClr val="accent4">
-                    <a:lumMod val="60000"/>
-                    <a:lumOff val="40000"/>
-                  </a:schemeClr>
-                </a:solidFill>
-                <a:latin typeface="Berlin Sans FB" panose="020E0602020502020306" pitchFamily="34" charset="0"/>
-              </a:rPr>
-              <a:t>Lwin</a:t>
-            </a:r>
-            <a:r>
-              <a:rPr lang="en-US" dirty="0" smtClean="0">
-                <a:solidFill>
-                  <a:schemeClr val="accent4">
-                    <a:lumMod val="60000"/>
-                    <a:lumOff val="40000"/>
-                  </a:schemeClr>
-                </a:solidFill>
-                <a:latin typeface="Berlin Sans FB" panose="020E0602020502020306" pitchFamily="34" charset="0"/>
-              </a:rPr>
-              <a:t> </a:t>
-            </a:r>
-            <a:r>
-              <a:rPr lang="en-US" dirty="0" err="1" smtClean="0">
-                <a:solidFill>
-                  <a:schemeClr val="accent4">
-                    <a:lumMod val="60000"/>
-                    <a:lumOff val="40000"/>
-                  </a:schemeClr>
-                </a:solidFill>
-                <a:latin typeface="Berlin Sans FB" panose="020E0602020502020306" pitchFamily="34" charset="0"/>
-              </a:rPr>
-              <a:t>Oo</a:t>
-            </a:r>
-            <a:endParaRPr lang="en-US" dirty="0">
-              <a:solidFill>
-                <a:schemeClr val="accent4">
-                  <a:lumMod val="60000"/>
-                  <a:lumOff val="40000"/>
-                </a:schemeClr>
-              </a:solidFill>
-              <a:latin typeface="Berlin Sans FB" panose="020E0602020502020306" pitchFamily="34" charset="0"/>
-            </a:endParaRPr>
-          </a:p>
-        </p:txBody>
-      </p:sp>
-      <p:sp>
-        <p:nvSpPr>
-          <p:cNvPr id="5" name="TextBox 4"/>
-          <p:cNvSpPr txBox="1"/>
-          <p:nvPr/>
-        </p:nvSpPr>
-        <p:spPr>
-          <a:xfrm>
-            <a:off x="901337" y="1280160"/>
-            <a:ext cx="4859383" cy="4247317"/>
-          </a:xfrm>
-          <a:prstGeom prst="rect">
-            <a:avLst/>
-          </a:prstGeom>
-          <a:noFill/>
-          <a:ln>
-            <a:solidFill>
-              <a:schemeClr val="tx1"/>
-            </a:solidFill>
-          </a:ln>
-        </p:spPr>
-        <p:txBody>
-          <a:bodyPr wrap="square" rtlCol="0">
-            <a:spAutoFit/>
-          </a:bodyPr>
-          <a:lstStyle/>
-          <a:p>
-            <a:r>
-              <a:rPr lang="en-US" dirty="0" smtClean="0"/>
-              <a:t>interface Person{</a:t>
-            </a:r>
-          </a:p>
-          <a:p>
-            <a:r>
-              <a:rPr lang="en-US" dirty="0" smtClean="0"/>
-              <a:t>	</a:t>
-            </a:r>
-            <a:r>
-              <a:rPr lang="en-US" dirty="0" err="1" smtClean="0"/>
-              <a:t>firstName</a:t>
-            </a:r>
-            <a:r>
-              <a:rPr lang="en-US" dirty="0" smtClean="0"/>
-              <a:t> : string;</a:t>
-            </a:r>
-          </a:p>
-          <a:p>
-            <a:r>
-              <a:rPr lang="en-US" dirty="0"/>
-              <a:t>	</a:t>
-            </a:r>
-            <a:r>
-              <a:rPr lang="en-US" dirty="0" err="1" smtClean="0"/>
-              <a:t>lastName</a:t>
-            </a:r>
-            <a:r>
-              <a:rPr lang="en-US" dirty="0" smtClean="0"/>
-              <a:t> : string;</a:t>
-            </a:r>
-          </a:p>
-          <a:p>
-            <a:r>
-              <a:rPr lang="en-US" dirty="0"/>
-              <a:t>	</a:t>
-            </a:r>
-            <a:r>
-              <a:rPr lang="en-US" dirty="0" err="1" smtClean="0"/>
-              <a:t>getFullName</a:t>
-            </a:r>
-            <a:r>
-              <a:rPr lang="en-US" dirty="0" smtClean="0"/>
-              <a:t>() : string;</a:t>
-            </a:r>
-            <a:endParaRPr lang="en-US" dirty="0"/>
-          </a:p>
-          <a:p>
-            <a:r>
-              <a:rPr lang="en-US" dirty="0" smtClean="0"/>
-              <a:t>}</a:t>
-            </a:r>
-          </a:p>
-          <a:p>
-            <a:r>
-              <a:rPr lang="en-US" dirty="0" smtClean="0"/>
-              <a:t>class Teacher implements Person</a:t>
-            </a:r>
-          </a:p>
-          <a:p>
-            <a:r>
-              <a:rPr lang="en-US" dirty="0" smtClean="0"/>
-              <a:t>{</a:t>
-            </a:r>
-          </a:p>
-          <a:p>
-            <a:r>
-              <a:rPr lang="en-US" dirty="0" smtClean="0"/>
-              <a:t>	</a:t>
-            </a:r>
-            <a:r>
-              <a:rPr lang="en-US" dirty="0" err="1"/>
-              <a:t>firstName</a:t>
-            </a:r>
-            <a:r>
-              <a:rPr lang="en-US" dirty="0"/>
-              <a:t> : string;</a:t>
-            </a:r>
-          </a:p>
-          <a:p>
-            <a:r>
-              <a:rPr lang="en-US" dirty="0"/>
-              <a:t>	</a:t>
-            </a:r>
-            <a:r>
-              <a:rPr lang="en-US" dirty="0" err="1"/>
-              <a:t>lastName</a:t>
-            </a:r>
-            <a:r>
-              <a:rPr lang="en-US" dirty="0"/>
-              <a:t> : string;</a:t>
-            </a:r>
-          </a:p>
-          <a:p>
-            <a:r>
-              <a:rPr lang="en-US" dirty="0"/>
-              <a:t>	</a:t>
-            </a:r>
-            <a:r>
-              <a:rPr lang="en-US" dirty="0" err="1"/>
-              <a:t>getFullName</a:t>
-            </a:r>
-            <a:r>
-              <a:rPr lang="en-US" dirty="0"/>
-              <a:t>() : </a:t>
-            </a:r>
-            <a:r>
-              <a:rPr lang="en-US" dirty="0" smtClean="0"/>
-              <a:t>string{</a:t>
-            </a:r>
-          </a:p>
-          <a:p>
-            <a:r>
-              <a:rPr lang="en-US" dirty="0"/>
-              <a:t>	</a:t>
-            </a:r>
-            <a:r>
-              <a:rPr lang="en-US" dirty="0" smtClean="0"/>
-              <a:t>	return </a:t>
-            </a:r>
-            <a:r>
-              <a:rPr lang="en-US" dirty="0" err="1" smtClean="0"/>
-              <a:t>this.firstName</a:t>
-            </a:r>
-            <a:r>
-              <a:rPr lang="en-US" dirty="0" smtClean="0"/>
-              <a:t>+” ” +</a:t>
-            </a:r>
-            <a:r>
-              <a:rPr lang="en-US" dirty="0" err="1" smtClean="0"/>
-              <a:t>this.lastName</a:t>
-            </a:r>
-            <a:r>
-              <a:rPr lang="en-US" dirty="0" smtClean="0"/>
-              <a:t>;</a:t>
-            </a:r>
-          </a:p>
-          <a:p>
-            <a:r>
-              <a:rPr lang="en-US" dirty="0"/>
-              <a:t>	</a:t>
-            </a:r>
-            <a:r>
-              <a:rPr lang="en-US" dirty="0" smtClean="0"/>
-              <a:t>}</a:t>
-            </a:r>
-            <a:endParaRPr lang="en-US" dirty="0"/>
-          </a:p>
-          <a:p>
-            <a:r>
-              <a:rPr lang="en-US" dirty="0" smtClean="0"/>
-              <a:t>}</a:t>
-            </a:r>
-          </a:p>
-          <a:p>
-            <a:endParaRPr lang="en-US" dirty="0"/>
-          </a:p>
-          <a:p>
-            <a:endParaRPr lang="en-US" dirty="0"/>
-          </a:p>
-        </p:txBody>
-      </p:sp>
-      <p:sp>
-        <p:nvSpPr>
-          <p:cNvPr id="7" name="Rectangle 6"/>
-          <p:cNvSpPr/>
-          <p:nvPr/>
-        </p:nvSpPr>
-        <p:spPr>
-          <a:xfrm>
-            <a:off x="5898466" y="1282226"/>
-            <a:ext cx="5387843" cy="4247317"/>
-          </a:xfrm>
-          <a:prstGeom prst="rect">
-            <a:avLst/>
-          </a:prstGeom>
-          <a:ln>
-            <a:solidFill>
-              <a:schemeClr val="tx1"/>
-            </a:solidFill>
-          </a:ln>
-        </p:spPr>
-        <p:txBody>
-          <a:bodyPr wrap="square">
-            <a:spAutoFit/>
-          </a:bodyPr>
-          <a:lstStyle/>
-          <a:p>
-            <a:r>
-              <a:rPr lang="en-US" dirty="0"/>
-              <a:t>let p : Person=new Teacher</a:t>
-            </a:r>
-            <a:r>
-              <a:rPr lang="en-US" dirty="0" smtClean="0"/>
-              <a:t>();</a:t>
-            </a:r>
-          </a:p>
-          <a:p>
-            <a:r>
-              <a:rPr lang="en-US" dirty="0" smtClean="0"/>
-              <a:t>let </a:t>
-            </a:r>
-            <a:r>
-              <a:rPr lang="en-US" dirty="0" err="1" smtClean="0"/>
-              <a:t>obj</a:t>
-            </a:r>
-            <a:r>
-              <a:rPr lang="en-US" dirty="0" smtClean="0"/>
-              <a:t>={</a:t>
-            </a:r>
-          </a:p>
-          <a:p>
-            <a:r>
-              <a:rPr lang="en-US" dirty="0" smtClean="0"/>
-              <a:t>	</a:t>
-            </a:r>
-            <a:r>
-              <a:rPr lang="en-US" dirty="0" err="1" smtClean="0"/>
-              <a:t>firstName</a:t>
-            </a:r>
-            <a:r>
-              <a:rPr lang="en-US" dirty="0" smtClean="0"/>
-              <a:t>=“David”,</a:t>
-            </a:r>
-          </a:p>
-          <a:p>
-            <a:r>
-              <a:rPr lang="en-US" dirty="0"/>
-              <a:t>	</a:t>
-            </a:r>
-            <a:r>
-              <a:rPr lang="en-US" dirty="0" err="1" smtClean="0"/>
-              <a:t>lastName</a:t>
-            </a:r>
-            <a:r>
-              <a:rPr lang="en-US" dirty="0" smtClean="0"/>
-              <a:t>=“Beckham”,</a:t>
-            </a:r>
-          </a:p>
-          <a:p>
-            <a:r>
-              <a:rPr lang="en-US" dirty="0"/>
-              <a:t>	</a:t>
-            </a:r>
-            <a:r>
-              <a:rPr lang="en-US" dirty="0" err="1" smtClean="0"/>
-              <a:t>subjectTeach</a:t>
-            </a:r>
-            <a:r>
-              <a:rPr lang="en-US" dirty="0" smtClean="0"/>
-              <a:t>=“Math”, // No error</a:t>
-            </a:r>
-          </a:p>
-          <a:p>
-            <a:r>
-              <a:rPr lang="en-US" dirty="0"/>
-              <a:t>	</a:t>
-            </a:r>
-            <a:r>
-              <a:rPr lang="en-US" dirty="0" err="1" smtClean="0"/>
-              <a:t>getFullName</a:t>
-            </a:r>
-            <a:r>
-              <a:rPr lang="en-US" dirty="0"/>
-              <a:t> </a:t>
-            </a:r>
-            <a:r>
-              <a:rPr lang="en-US" dirty="0" smtClean="0"/>
-              <a:t>: () =&gt; “Test Name” </a:t>
-            </a:r>
-            <a:endParaRPr lang="en-US" dirty="0"/>
-          </a:p>
-          <a:p>
-            <a:r>
-              <a:rPr lang="en-US" dirty="0" smtClean="0"/>
-              <a:t>};</a:t>
-            </a:r>
-          </a:p>
-          <a:p>
-            <a:endParaRPr lang="en-US" dirty="0" smtClean="0"/>
-          </a:p>
-          <a:p>
-            <a:r>
-              <a:rPr lang="en-US" dirty="0" smtClean="0"/>
-              <a:t>p=</a:t>
-            </a:r>
-            <a:r>
-              <a:rPr lang="en-US" dirty="0" err="1" smtClean="0"/>
-              <a:t>obj</a:t>
-            </a:r>
-            <a:r>
-              <a:rPr lang="en-US" dirty="0" smtClean="0"/>
-              <a:t>;</a:t>
-            </a:r>
-          </a:p>
-          <a:p>
-            <a:r>
-              <a:rPr lang="en-US" dirty="0" err="1" smtClean="0"/>
-              <a:t>p.firstName</a:t>
-            </a:r>
-            <a:r>
-              <a:rPr lang="en-US" dirty="0" smtClean="0"/>
-              <a:t>; //ok</a:t>
-            </a:r>
-          </a:p>
-          <a:p>
-            <a:r>
-              <a:rPr lang="en-US" dirty="0" err="1" smtClean="0"/>
-              <a:t>p.subjectTeach</a:t>
-            </a:r>
-            <a:r>
-              <a:rPr lang="en-US" dirty="0" smtClean="0"/>
-              <a:t>; // error</a:t>
-            </a:r>
-          </a:p>
-          <a:p>
-            <a:endParaRPr lang="en-US" dirty="0"/>
-          </a:p>
-          <a:p>
-            <a:endParaRPr lang="en-US" dirty="0" smtClean="0"/>
-          </a:p>
-          <a:p>
-            <a:endParaRPr lang="en-US" dirty="0"/>
-          </a:p>
-          <a:p>
-            <a:endParaRPr lang="en-US" dirty="0"/>
-          </a:p>
-        </p:txBody>
-      </p:sp>
-    </p:spTree>
-    <p:extLst>
-      <p:ext uri="{BB962C8B-B14F-4D97-AF65-F5344CB8AC3E}">
-        <p14:creationId xmlns:p14="http://schemas.microsoft.com/office/powerpoint/2010/main" val="3594398584"/>
-      </p:ext>
-    </p:extLst>
-  </p:cSld>
-  <p:clrMapOvr>
-    <a:masterClrMapping/>
-  </p:clrMapOvr>
-  <p:timing>
-    <p:tnLst>
-      <p:par>
-        <p:cTn id="1" dur="indefinite" restart="never" nodeType="tmRoot"/>
-      </p:par>
-    </p:tnLst>
-  </p:timing>
-</p:sld>
-</file>
-
-<file path=ppt/slides/slide18.xml><?xml version="1.0" encoding="utf-8"?>
-<p:sld xmlns:a="http://schemas.openxmlformats.org/drawingml/2006/main" xmlns:r="http://schemas.openxmlformats.org/officeDocument/2006/relationships" xmlns:p="http://schemas.openxmlformats.org/presentationml/2006/main">
-  <p:cSld>
-    <p:spTree>
-      <p:nvGrpSpPr>
-        <p:cNvPr id="1" name=""/>
-        <p:cNvGrpSpPr/>
-        <p:nvPr/>
-      </p:nvGrpSpPr>
-      <p:grpSpPr>
-        <a:xfrm>
-          <a:off x="0" y="0"/>
-          <a:ext cx="0" cy="0"/>
-          <a:chOff x="0" y="0"/>
-          <a:chExt cx="0" cy="0"/>
-        </a:xfrm>
-      </p:grpSpPr>
-      <p:sp>
-        <p:nvSpPr>
-          <p:cNvPr id="2" name="Title 1">
-            <a:extLst>
-              <a:ext uri="{FF2B5EF4-FFF2-40B4-BE49-F238E27FC236}">
-                <a16:creationId xmlns:a16="http://schemas.microsoft.com/office/drawing/2014/main" xmlns="" id="{34DB6CE4-2B13-4715-B5B2-615A55922CA1}"/>
-              </a:ext>
-            </a:extLst>
-          </p:cNvPr>
-          <p:cNvSpPr>
-            <a:spLocks noGrp="1"/>
-          </p:cNvSpPr>
-          <p:nvPr>
-            <p:ph type="title"/>
-          </p:nvPr>
-        </p:nvSpPr>
-        <p:spPr>
-          <a:xfrm>
-            <a:off x="1141412" y="122129"/>
-            <a:ext cx="9905998" cy="1027402"/>
-          </a:xfrm>
-        </p:spPr>
-        <p:txBody>
-          <a:bodyPr>
-            <a:normAutofit/>
-          </a:bodyPr>
-          <a:lstStyle/>
-          <a:p>
-            <a:r>
-              <a:rPr lang="en-US" dirty="0" smtClean="0">
-                <a:latin typeface="Rockwell" panose="02060603020205020403" pitchFamily="18" charset="0"/>
-              </a:rPr>
-              <a:t>Export &amp; import class</a:t>
-            </a:r>
-            <a:endParaRPr lang="en-US" sz="4400" dirty="0">
-              <a:latin typeface="Rockwell" panose="02060603020205020403" pitchFamily="18" charset="0"/>
-            </a:endParaRPr>
-          </a:p>
-        </p:txBody>
-      </p:sp>
-      <p:sp>
-        <p:nvSpPr>
-          <p:cNvPr id="3" name="Content Placeholder 2">
-            <a:extLst>
-              <a:ext uri="{FF2B5EF4-FFF2-40B4-BE49-F238E27FC236}">
-                <a16:creationId xmlns:a16="http://schemas.microsoft.com/office/drawing/2014/main" xmlns="" id="{143F5361-68C0-4BF5-80C8-F1E7BF92B2DB}"/>
-              </a:ext>
-            </a:extLst>
-          </p:cNvPr>
-          <p:cNvSpPr>
-            <a:spLocks noGrp="1"/>
-          </p:cNvSpPr>
-          <p:nvPr>
-            <p:ph idx="1"/>
-          </p:nvPr>
-        </p:nvSpPr>
-        <p:spPr>
-          <a:xfrm>
-            <a:off x="1141412" y="1280160"/>
-            <a:ext cx="10419217" cy="4511041"/>
-          </a:xfrm>
-        </p:spPr>
-        <p:txBody>
-          <a:bodyPr/>
-          <a:lstStyle/>
-          <a:p>
-            <a:pPr>
-              <a:buFont typeface="Wingdings" panose="05000000000000000000" pitchFamily="2" charset="2"/>
-              <a:buChar char="ü"/>
-            </a:pPr>
-            <a:r>
-              <a:rPr lang="en-US" dirty="0" smtClean="0">
-                <a:latin typeface="Tahoma" panose="020B0604030504040204" pitchFamily="34" charset="0"/>
-                <a:ea typeface="Tahoma" panose="020B0604030504040204" pitchFamily="34" charset="0"/>
-                <a:cs typeface="Tahoma" panose="020B0604030504040204" pitchFamily="34" charset="0"/>
-              </a:rPr>
-              <a:t>Add export keyword in source class file</a:t>
-            </a:r>
-          </a:p>
-          <a:p>
-            <a:pPr>
-              <a:buFont typeface="Wingdings" panose="05000000000000000000" pitchFamily="2" charset="2"/>
-              <a:buChar char="ü"/>
-            </a:pPr>
-            <a:r>
-              <a:rPr lang="en-US" dirty="0" smtClean="0">
-                <a:latin typeface="Tahoma" panose="020B0604030504040204" pitchFamily="34" charset="0"/>
-                <a:ea typeface="Tahoma" panose="020B0604030504040204" pitchFamily="34" charset="0"/>
-                <a:cs typeface="Tahoma" panose="020B0604030504040204" pitchFamily="34" charset="0"/>
-              </a:rPr>
-              <a:t>Import it in consumer file</a:t>
-            </a:r>
-          </a:p>
-          <a:p>
-            <a:pPr marL="0" indent="0">
-              <a:buNone/>
-            </a:pPr>
-            <a:r>
-              <a:rPr lang="en-US" dirty="0">
-                <a:latin typeface="Tahoma" panose="020B0604030504040204" pitchFamily="34" charset="0"/>
-                <a:ea typeface="Tahoma" panose="020B0604030504040204" pitchFamily="34" charset="0"/>
-                <a:cs typeface="Tahoma" panose="020B0604030504040204" pitchFamily="34" charset="0"/>
-              </a:rPr>
-              <a:t>	</a:t>
-            </a:r>
-            <a:endParaRPr lang="en-US" dirty="0" smtClean="0">
-              <a:latin typeface="Tahoma" panose="020B0604030504040204" pitchFamily="34" charset="0"/>
-              <a:ea typeface="Tahoma" panose="020B0604030504040204" pitchFamily="34" charset="0"/>
-              <a:cs typeface="Tahoma" panose="020B0604030504040204" pitchFamily="34" charset="0"/>
-            </a:endParaRPr>
-          </a:p>
-        </p:txBody>
-      </p:sp>
-      <p:sp>
-        <p:nvSpPr>
-          <p:cNvPr id="4" name="TextBox 3"/>
-          <p:cNvSpPr txBox="1"/>
-          <p:nvPr/>
-        </p:nvSpPr>
-        <p:spPr>
-          <a:xfrm>
-            <a:off x="10522588" y="122129"/>
-            <a:ext cx="1471878" cy="369332"/>
-          </a:xfrm>
-          <a:prstGeom prst="rect">
-            <a:avLst/>
-          </a:prstGeom>
-          <a:noFill/>
-        </p:spPr>
-        <p:txBody>
-          <a:bodyPr wrap="none" rtlCol="0">
-            <a:spAutoFit/>
-          </a:bodyPr>
-          <a:lstStyle/>
-          <a:p>
-            <a:r>
-              <a:rPr lang="en-US" dirty="0" smtClean="0">
-                <a:solidFill>
-                  <a:schemeClr val="accent4">
-                    <a:lumMod val="60000"/>
-                    <a:lumOff val="40000"/>
-                  </a:schemeClr>
-                </a:solidFill>
-                <a:latin typeface="Berlin Sans FB" panose="020E0602020502020306" pitchFamily="34" charset="0"/>
-              </a:rPr>
-              <a:t>Thet </a:t>
-            </a:r>
-            <a:r>
-              <a:rPr lang="en-US" dirty="0" err="1" smtClean="0">
-                <a:solidFill>
-                  <a:schemeClr val="accent4">
-                    <a:lumMod val="60000"/>
-                    <a:lumOff val="40000"/>
-                  </a:schemeClr>
-                </a:solidFill>
-                <a:latin typeface="Berlin Sans FB" panose="020E0602020502020306" pitchFamily="34" charset="0"/>
-              </a:rPr>
-              <a:t>Lwin</a:t>
-            </a:r>
-            <a:r>
-              <a:rPr lang="en-US" dirty="0" smtClean="0">
-                <a:solidFill>
-                  <a:schemeClr val="accent4">
-                    <a:lumMod val="60000"/>
-                    <a:lumOff val="40000"/>
-                  </a:schemeClr>
-                </a:solidFill>
-                <a:latin typeface="Berlin Sans FB" panose="020E0602020502020306" pitchFamily="34" charset="0"/>
-              </a:rPr>
-              <a:t> </a:t>
-            </a:r>
-            <a:r>
-              <a:rPr lang="en-US" dirty="0" err="1" smtClean="0">
-                <a:solidFill>
-                  <a:schemeClr val="accent4">
-                    <a:lumMod val="60000"/>
-                    <a:lumOff val="40000"/>
-                  </a:schemeClr>
-                </a:solidFill>
-                <a:latin typeface="Berlin Sans FB" panose="020E0602020502020306" pitchFamily="34" charset="0"/>
-              </a:rPr>
-              <a:t>Oo</a:t>
-            </a:r>
-            <a:endParaRPr lang="en-US" dirty="0">
-              <a:solidFill>
-                <a:schemeClr val="accent4">
-                  <a:lumMod val="60000"/>
-                  <a:lumOff val="40000"/>
-                </a:schemeClr>
-              </a:solidFill>
-              <a:latin typeface="Berlin Sans FB" panose="020E0602020502020306" pitchFamily="34" charset="0"/>
-            </a:endParaRPr>
-          </a:p>
-        </p:txBody>
-      </p:sp>
-      <p:sp>
-        <p:nvSpPr>
-          <p:cNvPr id="5" name="TextBox 4"/>
-          <p:cNvSpPr txBox="1"/>
-          <p:nvPr/>
-        </p:nvSpPr>
-        <p:spPr>
-          <a:xfrm>
-            <a:off x="832258" y="2612568"/>
-            <a:ext cx="4876802" cy="3693319"/>
-          </a:xfrm>
-          <a:prstGeom prst="rect">
-            <a:avLst/>
-          </a:prstGeom>
-          <a:noFill/>
-          <a:ln>
-            <a:solidFill>
-              <a:schemeClr val="tx1"/>
-            </a:solidFill>
-          </a:ln>
-        </p:spPr>
-        <p:txBody>
-          <a:bodyPr wrap="square" rtlCol="0">
-            <a:spAutoFit/>
-          </a:bodyPr>
-          <a:lstStyle/>
-          <a:p>
-            <a:r>
-              <a:rPr lang="en-US" dirty="0" smtClean="0"/>
-              <a:t>export class Animal{ // </a:t>
-            </a:r>
-            <a:r>
-              <a:rPr lang="en-US" dirty="0" err="1" smtClean="0"/>
-              <a:t>Animal.ts</a:t>
-            </a:r>
-            <a:endParaRPr lang="en-US" dirty="0" smtClean="0"/>
-          </a:p>
-          <a:p>
-            <a:r>
-              <a:rPr lang="en-US" dirty="0" smtClean="0"/>
-              <a:t>	name : string;</a:t>
-            </a:r>
-          </a:p>
-          <a:p>
-            <a:r>
-              <a:rPr lang="en-US" dirty="0"/>
-              <a:t>	</a:t>
-            </a:r>
-            <a:r>
-              <a:rPr lang="en-US" dirty="0" smtClean="0"/>
-              <a:t>color : string;</a:t>
-            </a:r>
-          </a:p>
-          <a:p>
-            <a:r>
-              <a:rPr lang="en-US" dirty="0"/>
-              <a:t>	</a:t>
-            </a:r>
-            <a:r>
-              <a:rPr lang="en-US" dirty="0" smtClean="0"/>
-              <a:t>age : number;</a:t>
-            </a:r>
-          </a:p>
-          <a:p>
-            <a:r>
-              <a:rPr lang="en-US" dirty="0"/>
-              <a:t>	</a:t>
-            </a:r>
-            <a:endParaRPr lang="en-US" dirty="0" smtClean="0"/>
-          </a:p>
-          <a:p>
-            <a:r>
-              <a:rPr lang="en-US" dirty="0"/>
-              <a:t>	</a:t>
-            </a:r>
-            <a:r>
-              <a:rPr lang="en-US" dirty="0" smtClean="0"/>
-              <a:t>show() : void{</a:t>
-            </a:r>
-          </a:p>
-          <a:p>
-            <a:r>
-              <a:rPr lang="en-US" dirty="0" smtClean="0"/>
-              <a:t>		console.log(`</a:t>
-            </a:r>
-          </a:p>
-          <a:p>
-            <a:r>
-              <a:rPr lang="en-US" dirty="0"/>
-              <a:t>	</a:t>
-            </a:r>
-            <a:r>
-              <a:rPr lang="en-US" dirty="0" smtClean="0"/>
-              <a:t>		Name : ${this.name} </a:t>
-            </a:r>
-          </a:p>
-          <a:p>
-            <a:r>
-              <a:rPr lang="en-US" dirty="0" smtClean="0"/>
-              <a:t>			Color : ${</a:t>
-            </a:r>
-            <a:r>
-              <a:rPr lang="en-US" dirty="0" err="1" smtClean="0"/>
-              <a:t>this.color</a:t>
-            </a:r>
-            <a:r>
-              <a:rPr lang="en-US" dirty="0" smtClean="0"/>
-              <a:t>}</a:t>
-            </a:r>
-          </a:p>
-          <a:p>
-            <a:r>
-              <a:rPr lang="en-US" dirty="0"/>
-              <a:t>	</a:t>
-            </a:r>
-            <a:r>
-              <a:rPr lang="en-US" dirty="0" smtClean="0"/>
-              <a:t>		Age : ${</a:t>
-            </a:r>
-            <a:r>
-              <a:rPr lang="en-US" dirty="0" err="1" smtClean="0"/>
-              <a:t>this.age</a:t>
-            </a:r>
-            <a:r>
-              <a:rPr lang="en-US" dirty="0" smtClean="0"/>
-              <a:t>}</a:t>
-            </a:r>
-            <a:endParaRPr lang="en-US" dirty="0"/>
-          </a:p>
-          <a:p>
-            <a:r>
-              <a:rPr lang="en-US" dirty="0" smtClean="0"/>
-              <a:t>		`);</a:t>
-            </a:r>
-            <a:endParaRPr lang="en-US" dirty="0"/>
-          </a:p>
-          <a:p>
-            <a:r>
-              <a:rPr lang="en-US" dirty="0" smtClean="0"/>
-              <a:t>	}</a:t>
-            </a:r>
-            <a:endParaRPr lang="en-US" dirty="0"/>
-          </a:p>
-          <a:p>
-            <a:r>
-              <a:rPr lang="en-US" dirty="0" smtClean="0"/>
-              <a:t>}</a:t>
-            </a:r>
-            <a:endParaRPr lang="en-US" dirty="0"/>
-          </a:p>
-        </p:txBody>
-      </p:sp>
-      <p:sp>
-        <p:nvSpPr>
-          <p:cNvPr id="6" name="TextBox 5"/>
-          <p:cNvSpPr txBox="1"/>
-          <p:nvPr/>
-        </p:nvSpPr>
-        <p:spPr>
-          <a:xfrm>
-            <a:off x="5830979" y="2612568"/>
-            <a:ext cx="5607731" cy="3693319"/>
-          </a:xfrm>
-          <a:prstGeom prst="rect">
-            <a:avLst/>
-          </a:prstGeom>
-          <a:noFill/>
-          <a:ln>
-            <a:solidFill>
-              <a:schemeClr val="tx1"/>
-            </a:solidFill>
-          </a:ln>
-        </p:spPr>
-        <p:txBody>
-          <a:bodyPr wrap="square" rtlCol="0">
-            <a:spAutoFit/>
-          </a:bodyPr>
-          <a:lstStyle/>
-          <a:p>
-            <a:r>
-              <a:rPr lang="en-US" dirty="0"/>
-              <a:t>i</a:t>
-            </a:r>
-            <a:r>
-              <a:rPr lang="en-US" dirty="0" smtClean="0"/>
-              <a:t>mport {Animal} from ‘./Animal’</a:t>
-            </a:r>
-          </a:p>
-          <a:p>
-            <a:r>
-              <a:rPr lang="en-US" dirty="0" smtClean="0"/>
-              <a:t>class Dog extends Animal{</a:t>
-            </a:r>
-          </a:p>
-          <a:p>
-            <a:r>
-              <a:rPr lang="en-US" dirty="0" smtClean="0"/>
-              <a:t>	bark() : void{</a:t>
-            </a:r>
-          </a:p>
-          <a:p>
-            <a:r>
-              <a:rPr lang="en-US" dirty="0" smtClean="0"/>
-              <a:t>		console.log(“Woof woof”);</a:t>
-            </a:r>
-            <a:endParaRPr lang="en-US" dirty="0"/>
-          </a:p>
-          <a:p>
-            <a:r>
-              <a:rPr lang="en-US" dirty="0" smtClean="0"/>
-              <a:t>	}</a:t>
-            </a:r>
-            <a:endParaRPr lang="en-US" dirty="0"/>
-          </a:p>
-          <a:p>
-            <a:r>
-              <a:rPr lang="en-US" dirty="0" smtClean="0"/>
-              <a:t>}</a:t>
-            </a:r>
-          </a:p>
-          <a:p>
-            <a:endParaRPr lang="en-US" dirty="0"/>
-          </a:p>
-          <a:p>
-            <a:endParaRPr lang="en-US" dirty="0" smtClean="0"/>
-          </a:p>
-          <a:p>
-            <a:endParaRPr lang="en-US" dirty="0"/>
-          </a:p>
-          <a:p>
-            <a:endParaRPr lang="en-US" dirty="0" smtClean="0"/>
-          </a:p>
-          <a:p>
-            <a:endParaRPr lang="en-US" dirty="0"/>
-          </a:p>
-          <a:p>
-            <a:endParaRPr lang="en-US" dirty="0" smtClean="0"/>
-          </a:p>
-          <a:p>
-            <a:endParaRPr lang="en-US" dirty="0"/>
-          </a:p>
-        </p:txBody>
-      </p:sp>
-    </p:spTree>
-    <p:extLst>
-      <p:ext uri="{BB962C8B-B14F-4D97-AF65-F5344CB8AC3E}">
-        <p14:creationId xmlns:p14="http://schemas.microsoft.com/office/powerpoint/2010/main" val="4010529152"/>
-      </p:ext>
-    </p:extLst>
-  </p:cSld>
-  <p:clrMapOvr>
-    <a:masterClrMapping/>
-  </p:clrMapOvr>
-  <p:timing>
-    <p:tnLst>
-      <p:par>
-        <p:cTn id="1" dur="indefinite" restart="never" nodeType="tmRoot"/>
-      </p:par>
-    </p:tnLst>
-  </p:timing>
-</p:sld>
-</file>
-
-<file path=ppt/slides/slide19.xml><?xml version="1.0" encoding="utf-8"?>
-<p:sld xmlns:a="http://schemas.openxmlformats.org/drawingml/2006/main" xmlns:r="http://schemas.openxmlformats.org/officeDocument/2006/relationships" xmlns:p="http://schemas.openxmlformats.org/presentationml/2006/main">
-  <p:cSld>
-    <p:spTree>
-      <p:nvGrpSpPr>
-        <p:cNvPr id="1" name=""/>
-        <p:cNvGrpSpPr/>
-        <p:nvPr/>
-      </p:nvGrpSpPr>
-      <p:grpSpPr>
-        <a:xfrm>
-          <a:off x="0" y="0"/>
-          <a:ext cx="0" cy="0"/>
-          <a:chOff x="0" y="0"/>
-          <a:chExt cx="0" cy="0"/>
-        </a:xfrm>
-      </p:grpSpPr>
-      <p:sp>
-        <p:nvSpPr>
-          <p:cNvPr id="2" name="Title 1">
-            <a:extLst>
-              <a:ext uri="{FF2B5EF4-FFF2-40B4-BE49-F238E27FC236}">
-                <a16:creationId xmlns:a16="http://schemas.microsoft.com/office/drawing/2014/main" xmlns="" id="{34DB6CE4-2B13-4715-B5B2-615A55922CA1}"/>
-              </a:ext>
-            </a:extLst>
-          </p:cNvPr>
-          <p:cNvSpPr>
-            <a:spLocks noGrp="1"/>
-          </p:cNvSpPr>
-          <p:nvPr>
-            <p:ph type="title"/>
-          </p:nvPr>
-        </p:nvSpPr>
-        <p:spPr>
-          <a:xfrm>
-            <a:off x="1141412" y="122129"/>
-            <a:ext cx="9905998" cy="1027402"/>
-          </a:xfrm>
-        </p:spPr>
-        <p:txBody>
-          <a:bodyPr>
-            <a:normAutofit/>
-          </a:bodyPr>
-          <a:lstStyle/>
-          <a:p>
-            <a:r>
-              <a:rPr lang="en-US" dirty="0" smtClean="0">
-                <a:latin typeface="Rockwell" panose="02060603020205020403" pitchFamily="18" charset="0"/>
-              </a:rPr>
-              <a:t>generic</a:t>
-            </a:r>
-            <a:endParaRPr lang="en-US" sz="4400" dirty="0">
-              <a:latin typeface="Rockwell" panose="02060603020205020403" pitchFamily="18" charset="0"/>
-            </a:endParaRPr>
-          </a:p>
-        </p:txBody>
-      </p:sp>
-      <p:sp>
-        <p:nvSpPr>
-          <p:cNvPr id="3" name="Content Placeholder 2">
-            <a:extLst>
-              <a:ext uri="{FF2B5EF4-FFF2-40B4-BE49-F238E27FC236}">
-                <a16:creationId xmlns:a16="http://schemas.microsoft.com/office/drawing/2014/main" xmlns="" id="{143F5361-68C0-4BF5-80C8-F1E7BF92B2DB}"/>
-              </a:ext>
-            </a:extLst>
-          </p:cNvPr>
-          <p:cNvSpPr>
-            <a:spLocks noGrp="1"/>
-          </p:cNvSpPr>
-          <p:nvPr>
-            <p:ph idx="1"/>
-          </p:nvPr>
-        </p:nvSpPr>
-        <p:spPr>
-          <a:xfrm>
-            <a:off x="1141412" y="1280160"/>
-            <a:ext cx="10419217" cy="4511041"/>
-          </a:xfrm>
-        </p:spPr>
-        <p:txBody>
-          <a:bodyPr/>
-          <a:lstStyle/>
-          <a:p>
-            <a:pPr>
-              <a:buFont typeface="Wingdings" panose="05000000000000000000" pitchFamily="2" charset="2"/>
-              <a:buChar char="ü"/>
-            </a:pPr>
-            <a:r>
-              <a:rPr lang="en-US" dirty="0" err="1" smtClean="0">
-                <a:latin typeface="Tahoma" panose="020B0604030504040204" pitchFamily="34" charset="0"/>
-                <a:ea typeface="Tahoma" panose="020B0604030504040204" pitchFamily="34" charset="0"/>
-                <a:cs typeface="Tahoma" panose="020B0604030504040204" pitchFamily="34" charset="0"/>
-              </a:rPr>
-              <a:t>TypeScript</a:t>
-            </a:r>
-            <a:r>
-              <a:rPr lang="en-US" dirty="0" smtClean="0">
-                <a:latin typeface="Tahoma" panose="020B0604030504040204" pitchFamily="34" charset="0"/>
-                <a:ea typeface="Tahoma" panose="020B0604030504040204" pitchFamily="34" charset="0"/>
-                <a:cs typeface="Tahoma" panose="020B0604030504040204" pitchFamily="34" charset="0"/>
-              </a:rPr>
-              <a:t> supports generics</a:t>
-            </a:r>
-          </a:p>
-          <a:p>
-            <a:pPr>
-              <a:buFont typeface="Wingdings" panose="05000000000000000000" pitchFamily="2" charset="2"/>
-              <a:buChar char="ü"/>
-            </a:pPr>
-            <a:r>
-              <a:rPr lang="en-US" dirty="0" smtClean="0">
-                <a:latin typeface="Tahoma" panose="020B0604030504040204" pitchFamily="34" charset="0"/>
-                <a:ea typeface="Tahoma" panose="020B0604030504040204" pitchFamily="34" charset="0"/>
-                <a:cs typeface="Tahoma" panose="020B0604030504040204" pitchFamily="34" charset="0"/>
-              </a:rPr>
-              <a:t>Generic type must be in angular brackets</a:t>
-            </a:r>
-          </a:p>
-          <a:p>
-            <a:pPr marL="0" indent="0">
-              <a:buNone/>
-            </a:pPr>
-            <a:r>
-              <a:rPr lang="en-US" dirty="0">
-                <a:latin typeface="Tahoma" panose="020B0604030504040204" pitchFamily="34" charset="0"/>
-                <a:ea typeface="Tahoma" panose="020B0604030504040204" pitchFamily="34" charset="0"/>
-                <a:cs typeface="Tahoma" panose="020B0604030504040204" pitchFamily="34" charset="0"/>
-              </a:rPr>
-              <a:t>	</a:t>
-            </a:r>
-            <a:r>
-              <a:rPr lang="en-US" dirty="0" smtClean="0">
-                <a:latin typeface="Tahoma" panose="020B0604030504040204" pitchFamily="34" charset="0"/>
-                <a:ea typeface="Tahoma" panose="020B0604030504040204" pitchFamily="34" charset="0"/>
-                <a:cs typeface="Tahoma" panose="020B0604030504040204" pitchFamily="34" charset="0"/>
-              </a:rPr>
-              <a:t>- &lt;T&gt;</a:t>
-            </a:r>
-          </a:p>
-        </p:txBody>
-      </p:sp>
-      <p:sp>
-        <p:nvSpPr>
-          <p:cNvPr id="4" name="TextBox 3"/>
-          <p:cNvSpPr txBox="1"/>
-          <p:nvPr/>
-        </p:nvSpPr>
-        <p:spPr>
-          <a:xfrm>
-            <a:off x="10522588" y="122129"/>
-            <a:ext cx="1471878" cy="369332"/>
-          </a:xfrm>
-          <a:prstGeom prst="rect">
-            <a:avLst/>
-          </a:prstGeom>
-          <a:noFill/>
-        </p:spPr>
-        <p:txBody>
-          <a:bodyPr wrap="none" rtlCol="0">
-            <a:spAutoFit/>
-          </a:bodyPr>
-          <a:lstStyle/>
-          <a:p>
-            <a:r>
-              <a:rPr lang="en-US" dirty="0" smtClean="0">
-                <a:solidFill>
-                  <a:schemeClr val="accent4">
-                    <a:lumMod val="60000"/>
-                    <a:lumOff val="40000"/>
-                  </a:schemeClr>
-                </a:solidFill>
-                <a:latin typeface="Berlin Sans FB" panose="020E0602020502020306" pitchFamily="34" charset="0"/>
-              </a:rPr>
-              <a:t>Thet </a:t>
-            </a:r>
-            <a:r>
-              <a:rPr lang="en-US" dirty="0" err="1" smtClean="0">
-                <a:solidFill>
-                  <a:schemeClr val="accent4">
-                    <a:lumMod val="60000"/>
-                    <a:lumOff val="40000"/>
-                  </a:schemeClr>
-                </a:solidFill>
-                <a:latin typeface="Berlin Sans FB" panose="020E0602020502020306" pitchFamily="34" charset="0"/>
-              </a:rPr>
-              <a:t>Lwin</a:t>
-            </a:r>
-            <a:r>
-              <a:rPr lang="en-US" dirty="0" smtClean="0">
-                <a:solidFill>
-                  <a:schemeClr val="accent4">
-                    <a:lumMod val="60000"/>
-                    <a:lumOff val="40000"/>
-                  </a:schemeClr>
-                </a:solidFill>
-                <a:latin typeface="Berlin Sans FB" panose="020E0602020502020306" pitchFamily="34" charset="0"/>
-              </a:rPr>
-              <a:t> </a:t>
-            </a:r>
-            <a:r>
-              <a:rPr lang="en-US" dirty="0" err="1" smtClean="0">
-                <a:solidFill>
-                  <a:schemeClr val="accent4">
-                    <a:lumMod val="60000"/>
-                    <a:lumOff val="40000"/>
-                  </a:schemeClr>
-                </a:solidFill>
-                <a:latin typeface="Berlin Sans FB" panose="020E0602020502020306" pitchFamily="34" charset="0"/>
-              </a:rPr>
-              <a:t>Oo</a:t>
-            </a:r>
-            <a:endParaRPr lang="en-US" dirty="0">
-              <a:solidFill>
-                <a:schemeClr val="accent4">
-                  <a:lumMod val="60000"/>
-                  <a:lumOff val="40000"/>
-                </a:schemeClr>
-              </a:solidFill>
-              <a:latin typeface="Berlin Sans FB" panose="020E0602020502020306" pitchFamily="34" charset="0"/>
-            </a:endParaRPr>
-          </a:p>
-        </p:txBody>
-      </p:sp>
-      <p:sp>
-        <p:nvSpPr>
-          <p:cNvPr id="5" name="TextBox 4"/>
-          <p:cNvSpPr txBox="1"/>
-          <p:nvPr/>
-        </p:nvSpPr>
-        <p:spPr>
-          <a:xfrm>
-            <a:off x="832258" y="3043643"/>
-            <a:ext cx="4876802" cy="2308324"/>
-          </a:xfrm>
-          <a:prstGeom prst="rect">
-            <a:avLst/>
-          </a:prstGeom>
-          <a:noFill/>
-          <a:ln>
-            <a:solidFill>
-              <a:schemeClr val="tx1"/>
-            </a:solidFill>
-          </a:ln>
-        </p:spPr>
-        <p:txBody>
-          <a:bodyPr wrap="square" rtlCol="0">
-            <a:spAutoFit/>
-          </a:bodyPr>
-          <a:lstStyle/>
-          <a:p>
-            <a:r>
-              <a:rPr lang="en-US" dirty="0" smtClean="0"/>
-              <a:t>function </a:t>
-            </a:r>
-            <a:r>
-              <a:rPr lang="en-US" dirty="0" err="1" smtClean="0"/>
-              <a:t>getVal</a:t>
-            </a:r>
-            <a:r>
-              <a:rPr lang="en-US" dirty="0" smtClean="0"/>
-              <a:t>&lt;T&gt;(</a:t>
-            </a:r>
-            <a:r>
-              <a:rPr lang="en-US" dirty="0" err="1" smtClean="0"/>
-              <a:t>arg</a:t>
-            </a:r>
-            <a:r>
-              <a:rPr lang="en-US" dirty="0" smtClean="0"/>
-              <a:t>: T) : T{</a:t>
-            </a:r>
-          </a:p>
-          <a:p>
-            <a:endParaRPr lang="en-US" dirty="0" smtClean="0"/>
-          </a:p>
-          <a:p>
-            <a:r>
-              <a:rPr lang="en-US" dirty="0" smtClean="0"/>
-              <a:t>	return </a:t>
-            </a:r>
-            <a:r>
-              <a:rPr lang="en-US" dirty="0" err="1" smtClean="0"/>
-              <a:t>arg</a:t>
-            </a:r>
-            <a:r>
-              <a:rPr lang="en-US" dirty="0" smtClean="0"/>
-              <a:t>;</a:t>
-            </a:r>
-            <a:endParaRPr lang="en-US" dirty="0"/>
-          </a:p>
-          <a:p>
-            <a:r>
-              <a:rPr lang="en-US" dirty="0" smtClean="0"/>
-              <a:t>}</a:t>
-            </a:r>
-          </a:p>
-          <a:p>
-            <a:endParaRPr lang="en-US" dirty="0" smtClean="0"/>
-          </a:p>
-          <a:p>
-            <a:r>
-              <a:rPr lang="en-US" dirty="0" err="1" smtClean="0"/>
-              <a:t>var</a:t>
-            </a:r>
-            <a:r>
-              <a:rPr lang="en-US" dirty="0" smtClean="0"/>
-              <a:t> </a:t>
-            </a:r>
-            <a:r>
-              <a:rPr lang="en-US" dirty="0" err="1" smtClean="0"/>
-              <a:t>str</a:t>
-            </a:r>
-            <a:r>
-              <a:rPr lang="en-US" dirty="0" smtClean="0"/>
-              <a:t> : string =</a:t>
-            </a:r>
-            <a:r>
-              <a:rPr lang="en-US" dirty="0" err="1" smtClean="0"/>
-              <a:t>getVal</a:t>
-            </a:r>
-            <a:r>
-              <a:rPr lang="en-US" dirty="0" smtClean="0"/>
-              <a:t>(“Hello”);</a:t>
-            </a:r>
-          </a:p>
-          <a:p>
-            <a:r>
-              <a:rPr lang="en-US" dirty="0" err="1" smtClean="0"/>
-              <a:t>var</a:t>
-            </a:r>
-            <a:r>
-              <a:rPr lang="en-US" dirty="0" smtClean="0"/>
-              <a:t> </a:t>
-            </a:r>
-            <a:r>
-              <a:rPr lang="en-US" dirty="0" err="1" smtClean="0"/>
-              <a:t>num</a:t>
-            </a:r>
-            <a:r>
-              <a:rPr lang="en-US" dirty="0" smtClean="0"/>
-              <a:t> : number =</a:t>
-            </a:r>
-            <a:r>
-              <a:rPr lang="en-US" dirty="0" err="1" smtClean="0"/>
-              <a:t>getVal</a:t>
-            </a:r>
-            <a:r>
-              <a:rPr lang="en-US" dirty="0" smtClean="0"/>
-              <a:t>(25);</a:t>
-            </a:r>
-          </a:p>
-          <a:p>
-            <a:endParaRPr lang="en-US" dirty="0"/>
-          </a:p>
-        </p:txBody>
-      </p:sp>
-      <p:sp>
-        <p:nvSpPr>
-          <p:cNvPr id="6" name="TextBox 5"/>
-          <p:cNvSpPr txBox="1"/>
-          <p:nvPr/>
-        </p:nvSpPr>
-        <p:spPr>
-          <a:xfrm>
-            <a:off x="5830979" y="3022424"/>
-            <a:ext cx="5607731" cy="3139321"/>
-          </a:xfrm>
-          <a:prstGeom prst="rect">
-            <a:avLst/>
-          </a:prstGeom>
-          <a:noFill/>
-          <a:ln>
-            <a:solidFill>
-              <a:schemeClr val="tx1"/>
-            </a:solidFill>
-          </a:ln>
-        </p:spPr>
-        <p:txBody>
-          <a:bodyPr wrap="square" rtlCol="0">
-            <a:spAutoFit/>
-          </a:bodyPr>
-          <a:lstStyle/>
-          <a:p>
-            <a:r>
-              <a:rPr lang="en-US" dirty="0" smtClean="0"/>
-              <a:t>function </a:t>
-            </a:r>
-            <a:r>
-              <a:rPr lang="en-US" dirty="0" err="1" smtClean="0"/>
-              <a:t>getVal</a:t>
-            </a:r>
-            <a:r>
-              <a:rPr lang="en-US" dirty="0" smtClean="0"/>
-              <a:t>&lt;T extends Person&gt;(</a:t>
-            </a:r>
-            <a:r>
-              <a:rPr lang="en-US" dirty="0" err="1" smtClean="0"/>
-              <a:t>arg</a:t>
-            </a:r>
-            <a:r>
-              <a:rPr lang="en-US" dirty="0" smtClean="0"/>
-              <a:t>: T) : T{</a:t>
-            </a:r>
-          </a:p>
-          <a:p>
-            <a:endParaRPr lang="en-US" dirty="0" smtClean="0"/>
-          </a:p>
-          <a:p>
-            <a:r>
-              <a:rPr lang="en-US" dirty="0" smtClean="0"/>
-              <a:t>	return </a:t>
-            </a:r>
-            <a:r>
-              <a:rPr lang="en-US" dirty="0" err="1" smtClean="0"/>
-              <a:t>arg</a:t>
-            </a:r>
-            <a:r>
-              <a:rPr lang="en-US" dirty="0" smtClean="0"/>
-              <a:t>;</a:t>
-            </a:r>
-            <a:endParaRPr lang="en-US" dirty="0"/>
-          </a:p>
-          <a:p>
-            <a:r>
-              <a:rPr lang="en-US" dirty="0" smtClean="0"/>
-              <a:t>}</a:t>
-            </a:r>
-          </a:p>
-          <a:p>
-            <a:endParaRPr lang="en-US" dirty="0" smtClean="0"/>
-          </a:p>
-          <a:p>
-            <a:r>
-              <a:rPr lang="en-US" dirty="0" err="1" smtClean="0"/>
-              <a:t>var</a:t>
-            </a:r>
-            <a:r>
-              <a:rPr lang="en-US" dirty="0" smtClean="0"/>
-              <a:t> </a:t>
-            </a:r>
-            <a:r>
-              <a:rPr lang="en-US" dirty="0" err="1" smtClean="0"/>
-              <a:t>enginer</a:t>
-            </a:r>
-            <a:r>
-              <a:rPr lang="en-US" dirty="0" smtClean="0"/>
-              <a:t>=new Engineer(); // extends from Person</a:t>
-            </a:r>
-          </a:p>
-          <a:p>
-            <a:r>
-              <a:rPr lang="en-US" dirty="0" err="1" smtClean="0"/>
-              <a:t>var</a:t>
-            </a:r>
-            <a:r>
-              <a:rPr lang="en-US" dirty="0" smtClean="0"/>
-              <a:t> engr2=</a:t>
-            </a:r>
-            <a:r>
-              <a:rPr lang="en-US" dirty="0" err="1" smtClean="0"/>
-              <a:t>getVal</a:t>
-            </a:r>
-            <a:r>
-              <a:rPr lang="en-US" dirty="0" smtClean="0"/>
-              <a:t>(engineer); //</a:t>
-            </a:r>
-          </a:p>
-          <a:p>
-            <a:endParaRPr lang="en-US" dirty="0"/>
-          </a:p>
-          <a:p>
-            <a:r>
-              <a:rPr lang="en-US" dirty="0" err="1" smtClean="0"/>
-              <a:t>var</a:t>
-            </a:r>
-            <a:r>
-              <a:rPr lang="en-US" dirty="0" smtClean="0"/>
-              <a:t> animal=new Animal(); // not extends from Person</a:t>
-            </a:r>
-          </a:p>
-          <a:p>
-            <a:r>
-              <a:rPr lang="en-US" dirty="0" err="1" smtClean="0"/>
-              <a:t>var</a:t>
-            </a:r>
-            <a:r>
-              <a:rPr lang="en-US" dirty="0" smtClean="0"/>
-              <a:t> ani2=</a:t>
-            </a:r>
-            <a:r>
-              <a:rPr lang="en-US" dirty="0" err="1" smtClean="0"/>
-              <a:t>getVal</a:t>
-            </a:r>
-            <a:r>
-              <a:rPr lang="en-US" dirty="0" smtClean="0"/>
-              <a:t>(animal);// not ok</a:t>
-            </a:r>
-          </a:p>
-          <a:p>
-            <a:endParaRPr lang="en-US" dirty="0"/>
-          </a:p>
-        </p:txBody>
-      </p:sp>
-    </p:spTree>
-    <p:extLst>
-      <p:ext uri="{BB962C8B-B14F-4D97-AF65-F5344CB8AC3E}">
-        <p14:creationId xmlns:p14="http://schemas.microsoft.com/office/powerpoint/2010/main" val="2581792777"/>
+        <p14:creationId xmlns:p14="http://schemas.microsoft.com/office/powerpoint/2010/main" val="1902613301"/>
       </p:ext>
     </p:extLst>
   </p:cSld>
@@ -17640,4020 +15244,6 @@
       </p:par>
     </p:tnLst>
   </p:timing>
-</p:sld>
-</file>
-
-<file path=ppt/slides/slide20.xml><?xml version="1.0" encoding="utf-8"?>
-<p:sld xmlns:a="http://schemas.openxmlformats.org/drawingml/2006/main" xmlns:r="http://schemas.openxmlformats.org/officeDocument/2006/relationships" xmlns:p="http://schemas.openxmlformats.org/presentationml/2006/main">
-  <p:cSld>
-    <p:spTree>
-      <p:nvGrpSpPr>
-        <p:cNvPr id="1" name=""/>
-        <p:cNvGrpSpPr/>
-        <p:nvPr/>
-      </p:nvGrpSpPr>
-      <p:grpSpPr>
-        <a:xfrm>
-          <a:off x="0" y="0"/>
-          <a:ext cx="0" cy="0"/>
-          <a:chOff x="0" y="0"/>
-          <a:chExt cx="0" cy="0"/>
-        </a:xfrm>
-      </p:grpSpPr>
-      <p:sp>
-        <p:nvSpPr>
-          <p:cNvPr id="2" name="Title 1">
-            <a:extLst>
-              <a:ext uri="{FF2B5EF4-FFF2-40B4-BE49-F238E27FC236}">
-                <a16:creationId xmlns:a16="http://schemas.microsoft.com/office/drawing/2014/main" xmlns="" id="{34DB6CE4-2B13-4715-B5B2-615A55922CA1}"/>
-              </a:ext>
-            </a:extLst>
-          </p:cNvPr>
-          <p:cNvSpPr>
-            <a:spLocks noGrp="1"/>
-          </p:cNvSpPr>
-          <p:nvPr>
-            <p:ph type="title"/>
-          </p:nvPr>
-        </p:nvSpPr>
-        <p:spPr>
-          <a:xfrm>
-            <a:off x="1141412" y="122129"/>
-            <a:ext cx="9905998" cy="1027402"/>
-          </a:xfrm>
-        </p:spPr>
-        <p:txBody>
-          <a:bodyPr>
-            <a:normAutofit/>
-          </a:bodyPr>
-          <a:lstStyle/>
-          <a:p>
-            <a:r>
-              <a:rPr lang="en-US" dirty="0" err="1" smtClean="0">
-                <a:latin typeface="Rockwell" panose="02060603020205020403" pitchFamily="18" charset="0"/>
-              </a:rPr>
-              <a:t>Tsconfig.json</a:t>
-            </a:r>
-            <a:endParaRPr lang="en-US" sz="4400" dirty="0">
-              <a:latin typeface="Rockwell" panose="02060603020205020403" pitchFamily="18" charset="0"/>
-            </a:endParaRPr>
-          </a:p>
-        </p:txBody>
-      </p:sp>
-      <p:sp>
-        <p:nvSpPr>
-          <p:cNvPr id="3" name="Content Placeholder 2">
-            <a:extLst>
-              <a:ext uri="{FF2B5EF4-FFF2-40B4-BE49-F238E27FC236}">
-                <a16:creationId xmlns:a16="http://schemas.microsoft.com/office/drawing/2014/main" xmlns="" id="{143F5361-68C0-4BF5-80C8-F1E7BF92B2DB}"/>
-              </a:ext>
-            </a:extLst>
-          </p:cNvPr>
-          <p:cNvSpPr>
-            <a:spLocks noGrp="1"/>
-          </p:cNvSpPr>
-          <p:nvPr>
-            <p:ph idx="1"/>
-          </p:nvPr>
-        </p:nvSpPr>
-        <p:spPr>
-          <a:xfrm>
-            <a:off x="1141412" y="1280160"/>
-            <a:ext cx="10419217" cy="4872446"/>
-          </a:xfrm>
-        </p:spPr>
-        <p:txBody>
-          <a:bodyPr>
-            <a:normAutofit lnSpcReduction="10000"/>
-          </a:bodyPr>
-          <a:lstStyle/>
-          <a:p>
-            <a:pPr>
-              <a:buFont typeface="Wingdings" panose="05000000000000000000" pitchFamily="2" charset="2"/>
-              <a:buChar char="ü"/>
-            </a:pPr>
-            <a:r>
-              <a:rPr lang="en-US" dirty="0" smtClean="0">
-                <a:latin typeface="Tahoma" panose="020B0604030504040204" pitchFamily="34" charset="0"/>
-                <a:ea typeface="Tahoma" panose="020B0604030504040204" pitchFamily="34" charset="0"/>
-                <a:cs typeface="Tahoma" panose="020B0604030504040204" pitchFamily="34" charset="0"/>
-              </a:rPr>
-              <a:t>Specify root files and compiler options required to compile the project</a:t>
-            </a:r>
-          </a:p>
-          <a:p>
-            <a:pPr>
-              <a:buFont typeface="Wingdings" panose="05000000000000000000" pitchFamily="2" charset="2"/>
-              <a:buChar char="ü"/>
-            </a:pPr>
-            <a:r>
-              <a:rPr lang="en-US" dirty="0" smtClean="0">
-                <a:latin typeface="Tahoma" panose="020B0604030504040204" pitchFamily="34" charset="0"/>
-                <a:ea typeface="Tahoma" panose="020B0604030504040204" pitchFamily="34" charset="0"/>
-                <a:cs typeface="Tahoma" panose="020B0604030504040204" pitchFamily="34" charset="0"/>
-              </a:rPr>
-              <a:t>To create </a:t>
-            </a:r>
-            <a:r>
-              <a:rPr lang="en-US" dirty="0" err="1" smtClean="0">
-                <a:latin typeface="Tahoma" panose="020B0604030504040204" pitchFamily="34" charset="0"/>
-                <a:ea typeface="Tahoma" panose="020B0604030504040204" pitchFamily="34" charset="0"/>
-                <a:cs typeface="Tahoma" panose="020B0604030504040204" pitchFamily="34" charset="0"/>
-              </a:rPr>
-              <a:t>tsconfig.json</a:t>
-            </a:r>
-            <a:r>
-              <a:rPr lang="en-US" dirty="0" smtClean="0">
-                <a:latin typeface="Tahoma" panose="020B0604030504040204" pitchFamily="34" charset="0"/>
-                <a:ea typeface="Tahoma" panose="020B0604030504040204" pitchFamily="34" charset="0"/>
-                <a:cs typeface="Tahoma" panose="020B0604030504040204" pitchFamily="34" charset="0"/>
-              </a:rPr>
-              <a:t> file</a:t>
-            </a:r>
-          </a:p>
-          <a:p>
-            <a:pPr marL="0" indent="0">
-              <a:buNone/>
-            </a:pPr>
-            <a:r>
-              <a:rPr lang="en-US" dirty="0">
-                <a:latin typeface="Tahoma" panose="020B0604030504040204" pitchFamily="34" charset="0"/>
-                <a:ea typeface="Tahoma" panose="020B0604030504040204" pitchFamily="34" charset="0"/>
-                <a:cs typeface="Tahoma" panose="020B0604030504040204" pitchFamily="34" charset="0"/>
-              </a:rPr>
-              <a:t>	</a:t>
-            </a:r>
-            <a:r>
-              <a:rPr lang="en-US" dirty="0" smtClean="0">
-                <a:latin typeface="Tahoma" panose="020B0604030504040204" pitchFamily="34" charset="0"/>
-                <a:ea typeface="Tahoma" panose="020B0604030504040204" pitchFamily="34" charset="0"/>
-                <a:cs typeface="Tahoma" panose="020B0604030504040204" pitchFamily="34" charset="0"/>
-              </a:rPr>
-              <a:t>- </a:t>
-            </a:r>
-            <a:r>
-              <a:rPr lang="en-US" dirty="0" err="1" smtClean="0">
-                <a:latin typeface="Tahoma" panose="020B0604030504040204" pitchFamily="34" charset="0"/>
-                <a:ea typeface="Tahoma" panose="020B0604030504040204" pitchFamily="34" charset="0"/>
-                <a:cs typeface="Tahoma" panose="020B0604030504040204" pitchFamily="34" charset="0"/>
-              </a:rPr>
-              <a:t>tsc</a:t>
-            </a:r>
-            <a:r>
-              <a:rPr lang="en-US" dirty="0" smtClean="0">
-                <a:latin typeface="Tahoma" panose="020B0604030504040204" pitchFamily="34" charset="0"/>
-                <a:ea typeface="Tahoma" panose="020B0604030504040204" pitchFamily="34" charset="0"/>
-                <a:cs typeface="Tahoma" panose="020B0604030504040204" pitchFamily="34" charset="0"/>
-              </a:rPr>
-              <a:t> --</a:t>
-            </a:r>
-            <a:r>
-              <a:rPr lang="en-US" dirty="0" err="1" smtClean="0">
-                <a:latin typeface="Tahoma" panose="020B0604030504040204" pitchFamily="34" charset="0"/>
-                <a:ea typeface="Tahoma" panose="020B0604030504040204" pitchFamily="34" charset="0"/>
-                <a:cs typeface="Tahoma" panose="020B0604030504040204" pitchFamily="34" charset="0"/>
-              </a:rPr>
-              <a:t>init</a:t>
-            </a:r>
-            <a:endParaRPr lang="en-US" dirty="0" smtClean="0">
-              <a:latin typeface="Tahoma" panose="020B0604030504040204" pitchFamily="34" charset="0"/>
-              <a:ea typeface="Tahoma" panose="020B0604030504040204" pitchFamily="34" charset="0"/>
-              <a:cs typeface="Tahoma" panose="020B0604030504040204" pitchFamily="34" charset="0"/>
-            </a:endParaRPr>
-          </a:p>
-          <a:p>
-            <a:pPr>
-              <a:buFont typeface="Wingdings" panose="05000000000000000000" pitchFamily="2" charset="2"/>
-              <a:buChar char="ü"/>
-            </a:pPr>
-            <a:r>
-              <a:rPr lang="en-US" dirty="0" smtClean="0">
-                <a:latin typeface="Tahoma" panose="020B0604030504040204" pitchFamily="34" charset="0"/>
-                <a:ea typeface="Tahoma" panose="020B0604030504040204" pitchFamily="34" charset="0"/>
-                <a:cs typeface="Tahoma" panose="020B0604030504040204" pitchFamily="34" charset="0"/>
-              </a:rPr>
-              <a:t>Useful </a:t>
-            </a:r>
-            <a:r>
-              <a:rPr lang="en-US" dirty="0" err="1" smtClean="0">
-                <a:latin typeface="Tahoma" panose="020B0604030504040204" pitchFamily="34" charset="0"/>
-                <a:ea typeface="Tahoma" panose="020B0604030504040204" pitchFamily="34" charset="0"/>
-                <a:cs typeface="Tahoma" panose="020B0604030504040204" pitchFamily="34" charset="0"/>
-              </a:rPr>
-              <a:t>config</a:t>
-            </a:r>
-            <a:endParaRPr lang="en-US" dirty="0" smtClean="0">
-              <a:latin typeface="Tahoma" panose="020B0604030504040204" pitchFamily="34" charset="0"/>
-              <a:ea typeface="Tahoma" panose="020B0604030504040204" pitchFamily="34" charset="0"/>
-              <a:cs typeface="Tahoma" panose="020B0604030504040204" pitchFamily="34" charset="0"/>
-            </a:endParaRPr>
-          </a:p>
-          <a:p>
-            <a:pPr marL="0" indent="0">
-              <a:buNone/>
-            </a:pPr>
-            <a:r>
-              <a:rPr lang="en-US" dirty="0">
-                <a:latin typeface="Tahoma" panose="020B0604030504040204" pitchFamily="34" charset="0"/>
-                <a:ea typeface="Tahoma" panose="020B0604030504040204" pitchFamily="34" charset="0"/>
-                <a:cs typeface="Tahoma" panose="020B0604030504040204" pitchFamily="34" charset="0"/>
-              </a:rPr>
-              <a:t> </a:t>
-            </a:r>
-            <a:r>
-              <a:rPr lang="en-US" dirty="0" smtClean="0">
-                <a:latin typeface="Tahoma" panose="020B0604030504040204" pitchFamily="34" charset="0"/>
-                <a:ea typeface="Tahoma" panose="020B0604030504040204" pitchFamily="34" charset="0"/>
-                <a:cs typeface="Tahoma" panose="020B0604030504040204" pitchFamily="34" charset="0"/>
-              </a:rPr>
-              <a:t>- “target” : “es5” // compile to es5 to compatible all browsers</a:t>
-            </a:r>
-          </a:p>
-          <a:p>
-            <a:pPr marL="0" indent="0">
-              <a:buNone/>
-            </a:pPr>
-            <a:r>
-              <a:rPr lang="en-US" dirty="0">
-                <a:latin typeface="Tahoma" panose="020B0604030504040204" pitchFamily="34" charset="0"/>
-                <a:ea typeface="Tahoma" panose="020B0604030504040204" pitchFamily="34" charset="0"/>
-                <a:cs typeface="Tahoma" panose="020B0604030504040204" pitchFamily="34" charset="0"/>
-              </a:rPr>
-              <a:t> </a:t>
-            </a:r>
-            <a:r>
-              <a:rPr lang="en-US" dirty="0" smtClean="0">
-                <a:latin typeface="Tahoma" panose="020B0604030504040204" pitchFamily="34" charset="0"/>
-                <a:ea typeface="Tahoma" panose="020B0604030504040204" pitchFamily="34" charset="0"/>
-                <a:cs typeface="Tahoma" panose="020B0604030504040204" pitchFamily="34" charset="0"/>
-              </a:rPr>
-              <a:t>- “module” : “</a:t>
-            </a:r>
-            <a:r>
-              <a:rPr lang="en-US" dirty="0" err="1" smtClean="0">
-                <a:latin typeface="Tahoma" panose="020B0604030504040204" pitchFamily="34" charset="0"/>
-                <a:ea typeface="Tahoma" panose="020B0604030504040204" pitchFamily="34" charset="0"/>
-                <a:cs typeface="Tahoma" panose="020B0604030504040204" pitchFamily="34" charset="0"/>
-              </a:rPr>
-              <a:t>commonjs</a:t>
-            </a:r>
-            <a:r>
-              <a:rPr lang="en-US" dirty="0" smtClean="0">
-                <a:latin typeface="Tahoma" panose="020B0604030504040204" pitchFamily="34" charset="0"/>
-                <a:ea typeface="Tahoma" panose="020B0604030504040204" pitchFamily="34" charset="0"/>
-                <a:cs typeface="Tahoma" panose="020B0604030504040204" pitchFamily="34" charset="0"/>
-              </a:rPr>
-              <a:t>” //module code generation</a:t>
-            </a:r>
-          </a:p>
-          <a:p>
-            <a:pPr marL="0" indent="0">
-              <a:buNone/>
-            </a:pPr>
-            <a:r>
-              <a:rPr lang="en-US" dirty="0">
-                <a:latin typeface="Tahoma" panose="020B0604030504040204" pitchFamily="34" charset="0"/>
-                <a:ea typeface="Tahoma" panose="020B0604030504040204" pitchFamily="34" charset="0"/>
-                <a:cs typeface="Tahoma" panose="020B0604030504040204" pitchFamily="34" charset="0"/>
-              </a:rPr>
-              <a:t> </a:t>
-            </a:r>
-            <a:r>
-              <a:rPr lang="en-US" dirty="0" smtClean="0">
-                <a:latin typeface="Tahoma" panose="020B0604030504040204" pitchFamily="34" charset="0"/>
-                <a:ea typeface="Tahoma" panose="020B0604030504040204" pitchFamily="34" charset="0"/>
-                <a:cs typeface="Tahoma" panose="020B0604030504040204" pitchFamily="34" charset="0"/>
-              </a:rPr>
-              <a:t>- “strict” : true // strict type checking</a:t>
-            </a:r>
-          </a:p>
-          <a:p>
-            <a:pPr marL="0" indent="0">
-              <a:buNone/>
-            </a:pPr>
-            <a:r>
-              <a:rPr lang="en-US" dirty="0">
-                <a:latin typeface="Tahoma" panose="020B0604030504040204" pitchFamily="34" charset="0"/>
-                <a:ea typeface="Tahoma" panose="020B0604030504040204" pitchFamily="34" charset="0"/>
-                <a:cs typeface="Tahoma" panose="020B0604030504040204" pitchFamily="34" charset="0"/>
-              </a:rPr>
-              <a:t> </a:t>
-            </a:r>
-            <a:r>
-              <a:rPr lang="en-US" dirty="0" smtClean="0">
-                <a:latin typeface="Tahoma" panose="020B0604030504040204" pitchFamily="34" charset="0"/>
-                <a:ea typeface="Tahoma" panose="020B0604030504040204" pitchFamily="34" charset="0"/>
-                <a:cs typeface="Tahoma" panose="020B0604030504040204" pitchFamily="34" charset="0"/>
-              </a:rPr>
-              <a:t>- “</a:t>
-            </a:r>
-            <a:r>
-              <a:rPr lang="en-US" dirty="0" err="1" smtClean="0">
-                <a:latin typeface="Tahoma" panose="020B0604030504040204" pitchFamily="34" charset="0"/>
-                <a:ea typeface="Tahoma" panose="020B0604030504040204" pitchFamily="34" charset="0"/>
-                <a:cs typeface="Tahoma" panose="020B0604030504040204" pitchFamily="34" charset="0"/>
-              </a:rPr>
-              <a:t>outDir</a:t>
-            </a:r>
-            <a:r>
-              <a:rPr lang="en-US" dirty="0" smtClean="0">
-                <a:latin typeface="Tahoma" panose="020B0604030504040204" pitchFamily="34" charset="0"/>
-                <a:ea typeface="Tahoma" panose="020B0604030504040204" pitchFamily="34" charset="0"/>
-                <a:cs typeface="Tahoma" panose="020B0604030504040204" pitchFamily="34" charset="0"/>
-              </a:rPr>
-              <a:t>” : “./</a:t>
-            </a:r>
-            <a:r>
-              <a:rPr lang="en-US" dirty="0" err="1" smtClean="0">
-                <a:latin typeface="Tahoma" panose="020B0604030504040204" pitchFamily="34" charset="0"/>
-                <a:ea typeface="Tahoma" panose="020B0604030504040204" pitchFamily="34" charset="0"/>
-                <a:cs typeface="Tahoma" panose="020B0604030504040204" pitchFamily="34" charset="0"/>
-              </a:rPr>
-              <a:t>outputJs</a:t>
-            </a:r>
-            <a:r>
-              <a:rPr lang="en-US" dirty="0" smtClean="0">
-                <a:latin typeface="Tahoma" panose="020B0604030504040204" pitchFamily="34" charset="0"/>
-                <a:ea typeface="Tahoma" panose="020B0604030504040204" pitchFamily="34" charset="0"/>
-                <a:cs typeface="Tahoma" panose="020B0604030504040204" pitchFamily="34" charset="0"/>
-              </a:rPr>
-              <a:t>” // </a:t>
-            </a:r>
-            <a:r>
-              <a:rPr lang="en-US" dirty="0" err="1" smtClean="0">
-                <a:latin typeface="Tahoma" panose="020B0604030504040204" pitchFamily="34" charset="0"/>
-                <a:ea typeface="Tahoma" panose="020B0604030504040204" pitchFamily="34" charset="0"/>
-                <a:cs typeface="Tahoma" panose="020B0604030504040204" pitchFamily="34" charset="0"/>
-              </a:rPr>
-              <a:t>Js</a:t>
-            </a:r>
-            <a:r>
-              <a:rPr lang="en-US" dirty="0" smtClean="0">
-                <a:latin typeface="Tahoma" panose="020B0604030504040204" pitchFamily="34" charset="0"/>
-                <a:ea typeface="Tahoma" panose="020B0604030504040204" pitchFamily="34" charset="0"/>
-                <a:cs typeface="Tahoma" panose="020B0604030504040204" pitchFamily="34" charset="0"/>
-              </a:rPr>
-              <a:t> files will be created under </a:t>
-            </a:r>
-            <a:r>
-              <a:rPr lang="en-US" dirty="0" err="1" smtClean="0">
-                <a:latin typeface="Tahoma" panose="020B0604030504040204" pitchFamily="34" charset="0"/>
-                <a:ea typeface="Tahoma" panose="020B0604030504040204" pitchFamily="34" charset="0"/>
-                <a:cs typeface="Tahoma" panose="020B0604030504040204" pitchFamily="34" charset="0"/>
-              </a:rPr>
-              <a:t>outputJs</a:t>
-            </a:r>
-            <a:r>
-              <a:rPr lang="en-US" dirty="0" smtClean="0">
-                <a:latin typeface="Tahoma" panose="020B0604030504040204" pitchFamily="34" charset="0"/>
-                <a:ea typeface="Tahoma" panose="020B0604030504040204" pitchFamily="34" charset="0"/>
-                <a:cs typeface="Tahoma" panose="020B0604030504040204" pitchFamily="34" charset="0"/>
-              </a:rPr>
-              <a:t> folder</a:t>
-            </a:r>
-          </a:p>
-          <a:p>
-            <a:pPr marL="0" indent="0">
-              <a:buNone/>
-            </a:pPr>
-            <a:r>
-              <a:rPr lang="en-US" dirty="0" smtClean="0">
-                <a:latin typeface="Tahoma" panose="020B0604030504040204" pitchFamily="34" charset="0"/>
-                <a:ea typeface="Tahoma" panose="020B0604030504040204" pitchFamily="34" charset="0"/>
-                <a:cs typeface="Tahoma" panose="020B0604030504040204" pitchFamily="34" charset="0"/>
-              </a:rPr>
-              <a:t> - “</a:t>
-            </a:r>
-            <a:r>
-              <a:rPr lang="en-US" dirty="0" err="1" smtClean="0">
-                <a:latin typeface="Tahoma" panose="020B0604030504040204" pitchFamily="34" charset="0"/>
-                <a:ea typeface="Tahoma" panose="020B0604030504040204" pitchFamily="34" charset="0"/>
-                <a:cs typeface="Tahoma" panose="020B0604030504040204" pitchFamily="34" charset="0"/>
-              </a:rPr>
-              <a:t>noEmitOnError</a:t>
-            </a:r>
-            <a:r>
-              <a:rPr lang="en-US" dirty="0" smtClean="0">
-                <a:latin typeface="Tahoma" panose="020B0604030504040204" pitchFamily="34" charset="0"/>
-                <a:ea typeface="Tahoma" panose="020B0604030504040204" pitchFamily="34" charset="0"/>
-                <a:cs typeface="Tahoma" panose="020B0604030504040204" pitchFamily="34" charset="0"/>
-              </a:rPr>
-              <a:t>” : true // </a:t>
-            </a:r>
-            <a:r>
-              <a:rPr lang="en-US" dirty="0" err="1" smtClean="0">
-                <a:latin typeface="Tahoma" panose="020B0604030504040204" pitchFamily="34" charset="0"/>
-                <a:ea typeface="Tahoma" panose="020B0604030504040204" pitchFamily="34" charset="0"/>
-                <a:cs typeface="Tahoma" panose="020B0604030504040204" pitchFamily="34" charset="0"/>
-              </a:rPr>
-              <a:t>Js</a:t>
-            </a:r>
-            <a:r>
-              <a:rPr lang="en-US" dirty="0" smtClean="0">
-                <a:latin typeface="Tahoma" panose="020B0604030504040204" pitchFamily="34" charset="0"/>
-                <a:ea typeface="Tahoma" panose="020B0604030504040204" pitchFamily="34" charset="0"/>
-                <a:cs typeface="Tahoma" panose="020B0604030504040204" pitchFamily="34" charset="0"/>
-              </a:rPr>
-              <a:t> file will not be generated if there is any error </a:t>
-            </a:r>
-          </a:p>
-          <a:p>
-            <a:pPr marL="0" indent="0">
-              <a:buNone/>
-            </a:pPr>
-            <a:endParaRPr lang="en-US" dirty="0" smtClean="0">
-              <a:ea typeface="Tahoma" panose="020B0604030504040204" pitchFamily="34" charset="0"/>
-              <a:cs typeface="Tahoma" panose="020B0604030504040204" pitchFamily="34" charset="0"/>
-            </a:endParaRPr>
-          </a:p>
-        </p:txBody>
-      </p:sp>
-      <p:sp>
-        <p:nvSpPr>
-          <p:cNvPr id="4" name="TextBox 3"/>
-          <p:cNvSpPr txBox="1"/>
-          <p:nvPr/>
-        </p:nvSpPr>
-        <p:spPr>
-          <a:xfrm>
-            <a:off x="10522588" y="122129"/>
-            <a:ext cx="1471878" cy="369332"/>
-          </a:xfrm>
-          <a:prstGeom prst="rect">
-            <a:avLst/>
-          </a:prstGeom>
-          <a:noFill/>
-        </p:spPr>
-        <p:txBody>
-          <a:bodyPr wrap="none" rtlCol="0">
-            <a:spAutoFit/>
-          </a:bodyPr>
-          <a:lstStyle/>
-          <a:p>
-            <a:r>
-              <a:rPr lang="en-US" dirty="0" smtClean="0">
-                <a:solidFill>
-                  <a:schemeClr val="accent4">
-                    <a:lumMod val="60000"/>
-                    <a:lumOff val="40000"/>
-                  </a:schemeClr>
-                </a:solidFill>
-                <a:latin typeface="Berlin Sans FB" panose="020E0602020502020306" pitchFamily="34" charset="0"/>
-              </a:rPr>
-              <a:t>Thet </a:t>
-            </a:r>
-            <a:r>
-              <a:rPr lang="en-US" dirty="0" err="1" smtClean="0">
-                <a:solidFill>
-                  <a:schemeClr val="accent4">
-                    <a:lumMod val="60000"/>
-                    <a:lumOff val="40000"/>
-                  </a:schemeClr>
-                </a:solidFill>
-                <a:latin typeface="Berlin Sans FB" panose="020E0602020502020306" pitchFamily="34" charset="0"/>
-              </a:rPr>
-              <a:t>Lwin</a:t>
-            </a:r>
-            <a:r>
-              <a:rPr lang="en-US" dirty="0" smtClean="0">
-                <a:solidFill>
-                  <a:schemeClr val="accent4">
-                    <a:lumMod val="60000"/>
-                    <a:lumOff val="40000"/>
-                  </a:schemeClr>
-                </a:solidFill>
-                <a:latin typeface="Berlin Sans FB" panose="020E0602020502020306" pitchFamily="34" charset="0"/>
-              </a:rPr>
-              <a:t> </a:t>
-            </a:r>
-            <a:r>
-              <a:rPr lang="en-US" dirty="0" err="1" smtClean="0">
-                <a:solidFill>
-                  <a:schemeClr val="accent4">
-                    <a:lumMod val="60000"/>
-                    <a:lumOff val="40000"/>
-                  </a:schemeClr>
-                </a:solidFill>
-                <a:latin typeface="Berlin Sans FB" panose="020E0602020502020306" pitchFamily="34" charset="0"/>
-              </a:rPr>
-              <a:t>Oo</a:t>
-            </a:r>
-            <a:endParaRPr lang="en-US" dirty="0">
-              <a:solidFill>
-                <a:schemeClr val="accent4">
-                  <a:lumMod val="60000"/>
-                  <a:lumOff val="40000"/>
-                </a:schemeClr>
-              </a:solidFill>
-              <a:latin typeface="Berlin Sans FB" panose="020E0602020502020306" pitchFamily="34" charset="0"/>
-            </a:endParaRPr>
-          </a:p>
-        </p:txBody>
-      </p:sp>
-    </p:spTree>
-    <p:extLst>
-      <p:ext uri="{BB962C8B-B14F-4D97-AF65-F5344CB8AC3E}">
-        <p14:creationId xmlns:p14="http://schemas.microsoft.com/office/powerpoint/2010/main" val="3551483027"/>
-      </p:ext>
-    </p:extLst>
-  </p:cSld>
-  <p:clrMapOvr>
-    <a:masterClrMapping/>
-  </p:clrMapOvr>
-  <p:timing>
-    <p:tnLst>
-      <p:par>
-        <p:cTn id="1" dur="indefinite" restart="never" nodeType="tmRoot"/>
-      </p:par>
-    </p:tnLst>
-  </p:timing>
-</p:sld>
-</file>
-
-<file path=ppt/slides/slide21.xml><?xml version="1.0" encoding="utf-8"?>
-<p:sld xmlns:a="http://schemas.openxmlformats.org/drawingml/2006/main" xmlns:r="http://schemas.openxmlformats.org/officeDocument/2006/relationships" xmlns:p="http://schemas.openxmlformats.org/presentationml/2006/main">
-  <p:cSld>
-    <p:spTree>
-      <p:nvGrpSpPr>
-        <p:cNvPr id="1" name=""/>
-        <p:cNvGrpSpPr/>
-        <p:nvPr/>
-      </p:nvGrpSpPr>
-      <p:grpSpPr>
-        <a:xfrm>
-          <a:off x="0" y="0"/>
-          <a:ext cx="0" cy="0"/>
-          <a:chOff x="0" y="0"/>
-          <a:chExt cx="0" cy="0"/>
-        </a:xfrm>
-      </p:grpSpPr>
-      <p:sp>
-        <p:nvSpPr>
-          <p:cNvPr id="2" name="Title 1">
-            <a:extLst>
-              <a:ext uri="{FF2B5EF4-FFF2-40B4-BE49-F238E27FC236}">
-                <a16:creationId xmlns:a16="http://schemas.microsoft.com/office/drawing/2014/main" xmlns="" id="{34DB6CE4-2B13-4715-B5B2-615A55922CA1}"/>
-              </a:ext>
-            </a:extLst>
-          </p:cNvPr>
-          <p:cNvSpPr>
-            <a:spLocks noGrp="1"/>
-          </p:cNvSpPr>
-          <p:nvPr>
-            <p:ph type="title"/>
-          </p:nvPr>
-        </p:nvSpPr>
-        <p:spPr>
-          <a:xfrm>
-            <a:off x="1141412" y="122129"/>
-            <a:ext cx="9905998" cy="1027402"/>
-          </a:xfrm>
-        </p:spPr>
-        <p:txBody>
-          <a:bodyPr>
-            <a:normAutofit/>
-          </a:bodyPr>
-          <a:lstStyle/>
-          <a:p>
-            <a:r>
-              <a:rPr lang="en-US" dirty="0" smtClean="0">
-                <a:latin typeface="Rockwell" panose="02060603020205020403" pitchFamily="18" charset="0"/>
-              </a:rPr>
-              <a:t>Using jQuery in typescript</a:t>
-            </a:r>
-            <a:endParaRPr lang="en-US" sz="4400" dirty="0">
-              <a:latin typeface="Rockwell" panose="02060603020205020403" pitchFamily="18" charset="0"/>
-            </a:endParaRPr>
-          </a:p>
-        </p:txBody>
-      </p:sp>
-      <p:sp>
-        <p:nvSpPr>
-          <p:cNvPr id="3" name="Content Placeholder 2">
-            <a:extLst>
-              <a:ext uri="{FF2B5EF4-FFF2-40B4-BE49-F238E27FC236}">
-                <a16:creationId xmlns:a16="http://schemas.microsoft.com/office/drawing/2014/main" xmlns="" id="{143F5361-68C0-4BF5-80C8-F1E7BF92B2DB}"/>
-              </a:ext>
-            </a:extLst>
-          </p:cNvPr>
-          <p:cNvSpPr>
-            <a:spLocks noGrp="1"/>
-          </p:cNvSpPr>
-          <p:nvPr>
-            <p:ph idx="1"/>
-          </p:nvPr>
-        </p:nvSpPr>
-        <p:spPr>
-          <a:xfrm>
-            <a:off x="1141412" y="1280160"/>
-            <a:ext cx="10419217" cy="4511041"/>
-          </a:xfrm>
-        </p:spPr>
-        <p:txBody>
-          <a:bodyPr/>
-          <a:lstStyle/>
-          <a:p>
-            <a:pPr>
-              <a:buFont typeface="Wingdings" panose="05000000000000000000" pitchFamily="2" charset="2"/>
-              <a:buChar char="ü"/>
-            </a:pPr>
-            <a:r>
-              <a:rPr lang="en-US" dirty="0" smtClean="0">
-                <a:latin typeface="Tahoma" panose="020B0604030504040204" pitchFamily="34" charset="0"/>
-                <a:ea typeface="Tahoma" panose="020B0604030504040204" pitchFamily="34" charset="0"/>
-                <a:cs typeface="Tahoma" panose="020B0604030504040204" pitchFamily="34" charset="0"/>
-              </a:rPr>
-              <a:t>Need to install @types/</a:t>
-            </a:r>
-            <a:r>
-              <a:rPr lang="en-US" dirty="0" err="1" smtClean="0">
-                <a:latin typeface="Tahoma" panose="020B0604030504040204" pitchFamily="34" charset="0"/>
-                <a:ea typeface="Tahoma" panose="020B0604030504040204" pitchFamily="34" charset="0"/>
-                <a:cs typeface="Tahoma" panose="020B0604030504040204" pitchFamily="34" charset="0"/>
-              </a:rPr>
-              <a:t>jquery</a:t>
-            </a:r>
-            <a:endParaRPr lang="en-US" dirty="0" smtClean="0">
-              <a:latin typeface="Tahoma" panose="020B0604030504040204" pitchFamily="34" charset="0"/>
-              <a:ea typeface="Tahoma" panose="020B0604030504040204" pitchFamily="34" charset="0"/>
-              <a:cs typeface="Tahoma" panose="020B0604030504040204" pitchFamily="34" charset="0"/>
-            </a:endParaRPr>
-          </a:p>
-          <a:p>
-            <a:pPr marL="0" indent="0">
-              <a:buNone/>
-            </a:pPr>
-            <a:r>
-              <a:rPr lang="en-US" dirty="0">
-                <a:latin typeface="Tahoma" panose="020B0604030504040204" pitchFamily="34" charset="0"/>
-                <a:ea typeface="Tahoma" panose="020B0604030504040204" pitchFamily="34" charset="0"/>
-                <a:cs typeface="Tahoma" panose="020B0604030504040204" pitchFamily="34" charset="0"/>
-              </a:rPr>
-              <a:t>	</a:t>
-            </a:r>
-            <a:r>
-              <a:rPr lang="en-US" dirty="0" smtClean="0">
-                <a:latin typeface="Tahoma" panose="020B0604030504040204" pitchFamily="34" charset="0"/>
-                <a:ea typeface="Tahoma" panose="020B0604030504040204" pitchFamily="34" charset="0"/>
-                <a:cs typeface="Tahoma" panose="020B0604030504040204" pitchFamily="34" charset="0"/>
-              </a:rPr>
-              <a:t>- </a:t>
-            </a:r>
-            <a:r>
-              <a:rPr lang="en-US" dirty="0" err="1" smtClean="0">
-                <a:latin typeface="Tahoma" panose="020B0604030504040204" pitchFamily="34" charset="0"/>
-                <a:ea typeface="Tahoma" panose="020B0604030504040204" pitchFamily="34" charset="0"/>
-                <a:cs typeface="Tahoma" panose="020B0604030504040204" pitchFamily="34" charset="0"/>
-              </a:rPr>
-              <a:t>npm</a:t>
-            </a:r>
-            <a:r>
-              <a:rPr lang="en-US" dirty="0" smtClean="0">
-                <a:latin typeface="Tahoma" panose="020B0604030504040204" pitchFamily="34" charset="0"/>
-                <a:ea typeface="Tahoma" panose="020B0604030504040204" pitchFamily="34" charset="0"/>
-                <a:cs typeface="Tahoma" panose="020B0604030504040204" pitchFamily="34" charset="0"/>
-              </a:rPr>
-              <a:t> install –save @type/</a:t>
-            </a:r>
-            <a:r>
-              <a:rPr lang="en-US" dirty="0" err="1" smtClean="0">
-                <a:latin typeface="Tahoma" panose="020B0604030504040204" pitchFamily="34" charset="0"/>
-                <a:ea typeface="Tahoma" panose="020B0604030504040204" pitchFamily="34" charset="0"/>
-                <a:cs typeface="Tahoma" panose="020B0604030504040204" pitchFamily="34" charset="0"/>
-              </a:rPr>
-              <a:t>jquery</a:t>
-            </a:r>
-            <a:endParaRPr lang="en-US" dirty="0" smtClean="0">
-              <a:latin typeface="Tahoma" panose="020B0604030504040204" pitchFamily="34" charset="0"/>
-              <a:ea typeface="Tahoma" panose="020B0604030504040204" pitchFamily="34" charset="0"/>
-              <a:cs typeface="Tahoma" panose="020B0604030504040204" pitchFamily="34" charset="0"/>
-            </a:endParaRPr>
-          </a:p>
-          <a:p>
-            <a:pPr>
-              <a:buFont typeface="Wingdings" panose="05000000000000000000" pitchFamily="2" charset="2"/>
-              <a:buChar char="ü"/>
-            </a:pPr>
-            <a:r>
-              <a:rPr lang="en-US" dirty="0" smtClean="0">
-                <a:latin typeface="Tahoma" panose="020B0604030504040204" pitchFamily="34" charset="0"/>
-                <a:ea typeface="Tahoma" panose="020B0604030504040204" pitchFamily="34" charset="0"/>
-                <a:cs typeface="Tahoma" panose="020B0604030504040204" pitchFamily="34" charset="0"/>
-              </a:rPr>
-              <a:t>Add reference in typescript file</a:t>
-            </a:r>
-          </a:p>
-          <a:p>
-            <a:pPr marL="0" indent="0">
-              <a:buNone/>
-            </a:pPr>
-            <a:r>
-              <a:rPr lang="en-US" dirty="0">
-                <a:latin typeface="Tahoma" panose="020B0604030504040204" pitchFamily="34" charset="0"/>
-                <a:ea typeface="Tahoma" panose="020B0604030504040204" pitchFamily="34" charset="0"/>
-                <a:cs typeface="Tahoma" panose="020B0604030504040204" pitchFamily="34" charset="0"/>
-              </a:rPr>
-              <a:t>	</a:t>
-            </a:r>
-            <a:r>
-              <a:rPr lang="en-US" dirty="0" smtClean="0">
-                <a:latin typeface="Tahoma" panose="020B0604030504040204" pitchFamily="34" charset="0"/>
-                <a:ea typeface="Tahoma" panose="020B0604030504040204" pitchFamily="34" charset="0"/>
-                <a:cs typeface="Tahoma" panose="020B0604030504040204" pitchFamily="34" charset="0"/>
-              </a:rPr>
-              <a:t>- /// &lt;reference path=“../</a:t>
-            </a:r>
-            <a:r>
-              <a:rPr lang="en-US" dirty="0" err="1" smtClean="0">
-                <a:latin typeface="Tahoma" panose="020B0604030504040204" pitchFamily="34" charset="0"/>
-                <a:ea typeface="Tahoma" panose="020B0604030504040204" pitchFamily="34" charset="0"/>
-                <a:cs typeface="Tahoma" panose="020B0604030504040204" pitchFamily="34" charset="0"/>
-              </a:rPr>
-              <a:t>node_modules</a:t>
-            </a:r>
-            <a:r>
-              <a:rPr lang="en-US" dirty="0" smtClean="0">
-                <a:latin typeface="Tahoma" panose="020B0604030504040204" pitchFamily="34" charset="0"/>
-                <a:ea typeface="Tahoma" panose="020B0604030504040204" pitchFamily="34" charset="0"/>
-                <a:cs typeface="Tahoma" panose="020B0604030504040204" pitchFamily="34" charset="0"/>
-              </a:rPr>
-              <a:t>/@types/</a:t>
-            </a:r>
-            <a:r>
-              <a:rPr lang="en-US" dirty="0" err="1" smtClean="0">
-                <a:latin typeface="Tahoma" panose="020B0604030504040204" pitchFamily="34" charset="0"/>
-                <a:ea typeface="Tahoma" panose="020B0604030504040204" pitchFamily="34" charset="0"/>
-                <a:cs typeface="Tahoma" panose="020B0604030504040204" pitchFamily="34" charset="0"/>
-              </a:rPr>
-              <a:t>jquery</a:t>
-            </a:r>
-            <a:r>
-              <a:rPr lang="en-US" dirty="0" smtClean="0">
-                <a:latin typeface="Tahoma" panose="020B0604030504040204" pitchFamily="34" charset="0"/>
-                <a:ea typeface="Tahoma" panose="020B0604030504040204" pitchFamily="34" charset="0"/>
-                <a:cs typeface="Tahoma" panose="020B0604030504040204" pitchFamily="34" charset="0"/>
-              </a:rPr>
-              <a:t>/</a:t>
-            </a:r>
-            <a:r>
-              <a:rPr lang="en-US" dirty="0" err="1" smtClean="0">
-                <a:latin typeface="Tahoma" panose="020B0604030504040204" pitchFamily="34" charset="0"/>
-                <a:ea typeface="Tahoma" panose="020B0604030504040204" pitchFamily="34" charset="0"/>
-                <a:cs typeface="Tahoma" panose="020B0604030504040204" pitchFamily="34" charset="0"/>
-              </a:rPr>
-              <a:t>index.d.ts</a:t>
-            </a:r>
-            <a:r>
-              <a:rPr lang="en-US" dirty="0" smtClean="0">
-                <a:latin typeface="Tahoma" panose="020B0604030504040204" pitchFamily="34" charset="0"/>
-                <a:ea typeface="Tahoma" panose="020B0604030504040204" pitchFamily="34" charset="0"/>
-                <a:cs typeface="Tahoma" panose="020B0604030504040204" pitchFamily="34" charset="0"/>
-              </a:rPr>
-              <a:t>”&gt;</a:t>
-            </a:r>
-            <a:endParaRPr lang="en-US" dirty="0" smtClean="0">
-              <a:ea typeface="Tahoma" panose="020B0604030504040204" pitchFamily="34" charset="0"/>
-              <a:cs typeface="Tahoma" panose="020B0604030504040204" pitchFamily="34" charset="0"/>
-            </a:endParaRPr>
-          </a:p>
-        </p:txBody>
-      </p:sp>
-      <p:sp>
-        <p:nvSpPr>
-          <p:cNvPr id="4" name="TextBox 3"/>
-          <p:cNvSpPr txBox="1"/>
-          <p:nvPr/>
-        </p:nvSpPr>
-        <p:spPr>
-          <a:xfrm>
-            <a:off x="10522588" y="122129"/>
-            <a:ext cx="1471878" cy="369332"/>
-          </a:xfrm>
-          <a:prstGeom prst="rect">
-            <a:avLst/>
-          </a:prstGeom>
-          <a:noFill/>
-        </p:spPr>
-        <p:txBody>
-          <a:bodyPr wrap="none" rtlCol="0">
-            <a:spAutoFit/>
-          </a:bodyPr>
-          <a:lstStyle/>
-          <a:p>
-            <a:r>
-              <a:rPr lang="en-US" dirty="0" smtClean="0">
-                <a:solidFill>
-                  <a:schemeClr val="accent4">
-                    <a:lumMod val="60000"/>
-                    <a:lumOff val="40000"/>
-                  </a:schemeClr>
-                </a:solidFill>
-                <a:latin typeface="Berlin Sans FB" panose="020E0602020502020306" pitchFamily="34" charset="0"/>
-              </a:rPr>
-              <a:t>Thet </a:t>
-            </a:r>
-            <a:r>
-              <a:rPr lang="en-US" dirty="0" err="1" smtClean="0">
-                <a:solidFill>
-                  <a:schemeClr val="accent4">
-                    <a:lumMod val="60000"/>
-                    <a:lumOff val="40000"/>
-                  </a:schemeClr>
-                </a:solidFill>
-                <a:latin typeface="Berlin Sans FB" panose="020E0602020502020306" pitchFamily="34" charset="0"/>
-              </a:rPr>
-              <a:t>Lwin</a:t>
-            </a:r>
-            <a:r>
-              <a:rPr lang="en-US" dirty="0" smtClean="0">
-                <a:solidFill>
-                  <a:schemeClr val="accent4">
-                    <a:lumMod val="60000"/>
-                    <a:lumOff val="40000"/>
-                  </a:schemeClr>
-                </a:solidFill>
-                <a:latin typeface="Berlin Sans FB" panose="020E0602020502020306" pitchFamily="34" charset="0"/>
-              </a:rPr>
-              <a:t> </a:t>
-            </a:r>
-            <a:r>
-              <a:rPr lang="en-US" dirty="0" err="1" smtClean="0">
-                <a:solidFill>
-                  <a:schemeClr val="accent4">
-                    <a:lumMod val="60000"/>
-                    <a:lumOff val="40000"/>
-                  </a:schemeClr>
-                </a:solidFill>
-                <a:latin typeface="Berlin Sans FB" panose="020E0602020502020306" pitchFamily="34" charset="0"/>
-              </a:rPr>
-              <a:t>Oo</a:t>
-            </a:r>
-            <a:endParaRPr lang="en-US" dirty="0">
-              <a:solidFill>
-                <a:schemeClr val="accent4">
-                  <a:lumMod val="60000"/>
-                  <a:lumOff val="40000"/>
-                </a:schemeClr>
-              </a:solidFill>
-              <a:latin typeface="Berlin Sans FB" panose="020E0602020502020306" pitchFamily="34" charset="0"/>
-            </a:endParaRPr>
-          </a:p>
-        </p:txBody>
-      </p:sp>
-    </p:spTree>
-    <p:extLst>
-      <p:ext uri="{BB962C8B-B14F-4D97-AF65-F5344CB8AC3E}">
-        <p14:creationId xmlns:p14="http://schemas.microsoft.com/office/powerpoint/2010/main" val="2526868367"/>
-      </p:ext>
-    </p:extLst>
-  </p:cSld>
-  <p:clrMapOvr>
-    <a:masterClrMapping/>
-  </p:clrMapOvr>
-  <p:timing>
-    <p:tnLst>
-      <p:par>
-        <p:cTn id="1" dur="indefinite" restart="never" nodeType="tmRoot"/>
-      </p:par>
-    </p:tnLst>
-  </p:timing>
-</p:sld>
-</file>
-
-<file path=ppt/slides/slide22.xml><?xml version="1.0" encoding="utf-8"?>
-<p:sld xmlns:a="http://schemas.openxmlformats.org/drawingml/2006/main" xmlns:r="http://schemas.openxmlformats.org/officeDocument/2006/relationships" xmlns:p="http://schemas.openxmlformats.org/presentationml/2006/main">
-  <p:cSld>
-    <p:spTree>
-      <p:nvGrpSpPr>
-        <p:cNvPr id="1" name=""/>
-        <p:cNvGrpSpPr/>
-        <p:nvPr/>
-      </p:nvGrpSpPr>
-      <p:grpSpPr>
-        <a:xfrm>
-          <a:off x="0" y="0"/>
-          <a:ext cx="0" cy="0"/>
-          <a:chOff x="0" y="0"/>
-          <a:chExt cx="0" cy="0"/>
-        </a:xfrm>
-      </p:grpSpPr>
-      <p:sp>
-        <p:nvSpPr>
-          <p:cNvPr id="2" name="Title 1">
-            <a:extLst>
-              <a:ext uri="{FF2B5EF4-FFF2-40B4-BE49-F238E27FC236}">
-                <a16:creationId xmlns:a16="http://schemas.microsoft.com/office/drawing/2014/main" xmlns="" id="{34DB6CE4-2B13-4715-B5B2-615A55922CA1}"/>
-              </a:ext>
-            </a:extLst>
-          </p:cNvPr>
-          <p:cNvSpPr>
-            <a:spLocks noGrp="1"/>
-          </p:cNvSpPr>
-          <p:nvPr>
-            <p:ph type="title"/>
-          </p:nvPr>
-        </p:nvSpPr>
-        <p:spPr>
-          <a:xfrm>
-            <a:off x="1141412" y="122129"/>
-            <a:ext cx="9905998" cy="1027402"/>
-          </a:xfrm>
-        </p:spPr>
-        <p:txBody>
-          <a:bodyPr>
-            <a:normAutofit/>
-          </a:bodyPr>
-          <a:lstStyle/>
-          <a:p>
-            <a:r>
-              <a:rPr lang="en-US" dirty="0" err="1" smtClean="0">
-                <a:latin typeface="Rockwell" panose="02060603020205020403" pitchFamily="18" charset="0"/>
-              </a:rPr>
-              <a:t>Package.json</a:t>
-            </a:r>
-            <a:endParaRPr lang="en-US" sz="4400" dirty="0">
-              <a:latin typeface="Rockwell" panose="02060603020205020403" pitchFamily="18" charset="0"/>
-            </a:endParaRPr>
-          </a:p>
-        </p:txBody>
-      </p:sp>
-      <p:sp>
-        <p:nvSpPr>
-          <p:cNvPr id="3" name="Content Placeholder 2">
-            <a:extLst>
-              <a:ext uri="{FF2B5EF4-FFF2-40B4-BE49-F238E27FC236}">
-                <a16:creationId xmlns:a16="http://schemas.microsoft.com/office/drawing/2014/main" xmlns="" id="{143F5361-68C0-4BF5-80C8-F1E7BF92B2DB}"/>
-              </a:ext>
-            </a:extLst>
-          </p:cNvPr>
-          <p:cNvSpPr>
-            <a:spLocks noGrp="1"/>
-          </p:cNvSpPr>
-          <p:nvPr>
-            <p:ph idx="1"/>
-          </p:nvPr>
-        </p:nvSpPr>
-        <p:spPr>
-          <a:xfrm>
-            <a:off x="1141412" y="1280160"/>
-            <a:ext cx="10419217" cy="4511041"/>
-          </a:xfrm>
-        </p:spPr>
-        <p:txBody>
-          <a:bodyPr>
-            <a:normAutofit fontScale="62500" lnSpcReduction="20000"/>
-          </a:bodyPr>
-          <a:lstStyle/>
-          <a:p>
-            <a:pPr>
-              <a:buFont typeface="Wingdings" panose="05000000000000000000" pitchFamily="2" charset="2"/>
-              <a:buChar char="ü"/>
-            </a:pPr>
-            <a:r>
-              <a:rPr lang="en-US" dirty="0" smtClean="0">
-                <a:latin typeface="Tahoma" panose="020B0604030504040204" pitchFamily="34" charset="0"/>
-                <a:ea typeface="Tahoma" panose="020B0604030504040204" pitchFamily="34" charset="0"/>
-                <a:cs typeface="Tahoma" panose="020B0604030504040204" pitchFamily="34" charset="0"/>
-              </a:rPr>
-              <a:t>To create </a:t>
-            </a:r>
-            <a:r>
-              <a:rPr lang="en-US" dirty="0" err="1" smtClean="0">
-                <a:latin typeface="Tahoma" panose="020B0604030504040204" pitchFamily="34" charset="0"/>
-                <a:ea typeface="Tahoma" panose="020B0604030504040204" pitchFamily="34" charset="0"/>
-                <a:cs typeface="Tahoma" panose="020B0604030504040204" pitchFamily="34" charset="0"/>
-              </a:rPr>
-              <a:t>package.json</a:t>
-            </a:r>
-            <a:r>
-              <a:rPr lang="en-US" dirty="0" smtClean="0">
-                <a:latin typeface="Tahoma" panose="020B0604030504040204" pitchFamily="34" charset="0"/>
-                <a:ea typeface="Tahoma" panose="020B0604030504040204" pitchFamily="34" charset="0"/>
-                <a:cs typeface="Tahoma" panose="020B0604030504040204" pitchFamily="34" charset="0"/>
-              </a:rPr>
-              <a:t>, type</a:t>
-            </a:r>
-          </a:p>
-          <a:p>
-            <a:pPr marL="0" indent="0">
-              <a:buNone/>
-            </a:pPr>
-            <a:r>
-              <a:rPr lang="en-US" dirty="0">
-                <a:latin typeface="Tahoma" panose="020B0604030504040204" pitchFamily="34" charset="0"/>
-                <a:ea typeface="Tahoma" panose="020B0604030504040204" pitchFamily="34" charset="0"/>
-                <a:cs typeface="Tahoma" panose="020B0604030504040204" pitchFamily="34" charset="0"/>
-              </a:rPr>
-              <a:t>	</a:t>
-            </a:r>
-            <a:r>
-              <a:rPr lang="en-US" dirty="0" smtClean="0">
-                <a:latin typeface="Tahoma" panose="020B0604030504040204" pitchFamily="34" charset="0"/>
-                <a:ea typeface="Tahoma" panose="020B0604030504040204" pitchFamily="34" charset="0"/>
-                <a:cs typeface="Tahoma" panose="020B0604030504040204" pitchFamily="34" charset="0"/>
-              </a:rPr>
-              <a:t>- </a:t>
-            </a:r>
-            <a:r>
-              <a:rPr lang="en-US" dirty="0" err="1" smtClean="0">
-                <a:latin typeface="Tahoma" panose="020B0604030504040204" pitchFamily="34" charset="0"/>
-                <a:ea typeface="Tahoma" panose="020B0604030504040204" pitchFamily="34" charset="0"/>
-                <a:cs typeface="Tahoma" panose="020B0604030504040204" pitchFamily="34" charset="0"/>
-              </a:rPr>
-              <a:t>npm</a:t>
-            </a:r>
-            <a:r>
-              <a:rPr lang="en-US" dirty="0" smtClean="0">
-                <a:latin typeface="Tahoma" panose="020B0604030504040204" pitchFamily="34" charset="0"/>
-                <a:ea typeface="Tahoma" panose="020B0604030504040204" pitchFamily="34" charset="0"/>
-                <a:cs typeface="Tahoma" panose="020B0604030504040204" pitchFamily="34" charset="0"/>
-              </a:rPr>
-              <a:t> </a:t>
-            </a:r>
-            <a:r>
-              <a:rPr lang="en-US" dirty="0" err="1" smtClean="0">
-                <a:latin typeface="Tahoma" panose="020B0604030504040204" pitchFamily="34" charset="0"/>
-                <a:ea typeface="Tahoma" panose="020B0604030504040204" pitchFamily="34" charset="0"/>
-                <a:cs typeface="Tahoma" panose="020B0604030504040204" pitchFamily="34" charset="0"/>
-              </a:rPr>
-              <a:t>init</a:t>
-            </a:r>
-            <a:endParaRPr lang="en-US" dirty="0" smtClean="0">
-              <a:latin typeface="Tahoma" panose="020B0604030504040204" pitchFamily="34" charset="0"/>
-              <a:ea typeface="Tahoma" panose="020B0604030504040204" pitchFamily="34" charset="0"/>
-              <a:cs typeface="Tahoma" panose="020B0604030504040204" pitchFamily="34" charset="0"/>
-            </a:endParaRPr>
-          </a:p>
-          <a:p>
-            <a:pPr marL="0" indent="0">
-              <a:buNone/>
-            </a:pPr>
-            <a:r>
-              <a:rPr lang="en-US" dirty="0" smtClean="0">
-                <a:latin typeface="Tahoma" panose="020B0604030504040204" pitchFamily="34" charset="0"/>
-                <a:ea typeface="Tahoma" panose="020B0604030504040204" pitchFamily="34" charset="0"/>
-                <a:cs typeface="Tahoma" panose="020B0604030504040204" pitchFamily="34" charset="0"/>
-              </a:rPr>
-              <a:t>Useful </a:t>
-            </a:r>
-            <a:r>
-              <a:rPr lang="en-US" dirty="0" err="1" smtClean="0">
-                <a:latin typeface="Tahoma" panose="020B0604030504040204" pitchFamily="34" charset="0"/>
-                <a:ea typeface="Tahoma" panose="020B0604030504040204" pitchFamily="34" charset="0"/>
-                <a:cs typeface="Tahoma" panose="020B0604030504040204" pitchFamily="34" charset="0"/>
-              </a:rPr>
-              <a:t>config</a:t>
-            </a:r>
-            <a:endParaRPr lang="en-US" dirty="0" smtClean="0">
-              <a:latin typeface="Tahoma" panose="020B0604030504040204" pitchFamily="34" charset="0"/>
-              <a:ea typeface="Tahoma" panose="020B0604030504040204" pitchFamily="34" charset="0"/>
-              <a:cs typeface="Tahoma" panose="020B0604030504040204" pitchFamily="34" charset="0"/>
-            </a:endParaRPr>
-          </a:p>
-          <a:p>
-            <a:pPr marL="0" indent="0">
-              <a:buNone/>
-            </a:pPr>
-            <a:r>
-              <a:rPr lang="en-US" dirty="0">
-                <a:latin typeface="Tahoma" panose="020B0604030504040204" pitchFamily="34" charset="0"/>
-                <a:ea typeface="Tahoma" panose="020B0604030504040204" pitchFamily="34" charset="0"/>
-                <a:cs typeface="Tahoma" panose="020B0604030504040204" pitchFamily="34" charset="0"/>
-              </a:rPr>
-              <a:t>	</a:t>
-            </a:r>
-            <a:r>
-              <a:rPr lang="en-US" dirty="0" smtClean="0">
-                <a:latin typeface="Tahoma" panose="020B0604030504040204" pitchFamily="34" charset="0"/>
-                <a:ea typeface="Tahoma" panose="020B0604030504040204" pitchFamily="34" charset="0"/>
-                <a:cs typeface="Tahoma" panose="020B0604030504040204" pitchFamily="34" charset="0"/>
-              </a:rPr>
-              <a:t>“name” : “project-name”,</a:t>
-            </a:r>
-          </a:p>
-          <a:p>
-            <a:pPr marL="0" indent="0">
-              <a:buNone/>
-            </a:pPr>
-            <a:r>
-              <a:rPr lang="en-US" dirty="0">
-                <a:latin typeface="Tahoma" panose="020B0604030504040204" pitchFamily="34" charset="0"/>
-                <a:ea typeface="Tahoma" panose="020B0604030504040204" pitchFamily="34" charset="0"/>
-                <a:cs typeface="Tahoma" panose="020B0604030504040204" pitchFamily="34" charset="0"/>
-              </a:rPr>
-              <a:t>	</a:t>
-            </a:r>
-            <a:r>
-              <a:rPr lang="en-US" dirty="0" smtClean="0">
-                <a:latin typeface="Tahoma" panose="020B0604030504040204" pitchFamily="34" charset="0"/>
-                <a:ea typeface="Tahoma" panose="020B0604030504040204" pitchFamily="34" charset="0"/>
-                <a:cs typeface="Tahoma" panose="020B0604030504040204" pitchFamily="34" charset="0"/>
-              </a:rPr>
-              <a:t>“version” : “1.0.0”,</a:t>
-            </a:r>
-          </a:p>
-          <a:p>
-            <a:pPr marL="0" indent="0">
-              <a:buNone/>
-            </a:pPr>
-            <a:r>
-              <a:rPr lang="en-US" dirty="0">
-                <a:latin typeface="Tahoma" panose="020B0604030504040204" pitchFamily="34" charset="0"/>
-                <a:ea typeface="Tahoma" panose="020B0604030504040204" pitchFamily="34" charset="0"/>
-                <a:cs typeface="Tahoma" panose="020B0604030504040204" pitchFamily="34" charset="0"/>
-              </a:rPr>
-              <a:t>	</a:t>
-            </a:r>
-            <a:r>
-              <a:rPr lang="en-US" dirty="0" smtClean="0">
-                <a:latin typeface="Tahoma" panose="020B0604030504040204" pitchFamily="34" charset="0"/>
-                <a:ea typeface="Tahoma" panose="020B0604030504040204" pitchFamily="34" charset="0"/>
-                <a:cs typeface="Tahoma" panose="020B0604030504040204" pitchFamily="34" charset="0"/>
-              </a:rPr>
-              <a:t>“description” : “”</a:t>
-            </a:r>
-          </a:p>
-          <a:p>
-            <a:pPr marL="0" indent="0">
-              <a:buNone/>
-            </a:pPr>
-            <a:r>
-              <a:rPr lang="en-US" dirty="0">
-                <a:latin typeface="Tahoma" panose="020B0604030504040204" pitchFamily="34" charset="0"/>
-                <a:ea typeface="Tahoma" panose="020B0604030504040204" pitchFamily="34" charset="0"/>
-                <a:cs typeface="Tahoma" panose="020B0604030504040204" pitchFamily="34" charset="0"/>
-              </a:rPr>
-              <a:t>	</a:t>
-            </a:r>
-            <a:r>
-              <a:rPr lang="en-US" dirty="0" smtClean="0">
-                <a:latin typeface="Tahoma" panose="020B0604030504040204" pitchFamily="34" charset="0"/>
-                <a:ea typeface="Tahoma" panose="020B0604030504040204" pitchFamily="34" charset="0"/>
-                <a:cs typeface="Tahoma" panose="020B0604030504040204" pitchFamily="34" charset="0"/>
-              </a:rPr>
-              <a:t>“main” : “index.js” // starting file</a:t>
-            </a:r>
-          </a:p>
-          <a:p>
-            <a:pPr marL="0" indent="0">
-              <a:buNone/>
-            </a:pPr>
-            <a:r>
-              <a:rPr lang="en-US" dirty="0">
-                <a:latin typeface="Tahoma" panose="020B0604030504040204" pitchFamily="34" charset="0"/>
-                <a:ea typeface="Tahoma" panose="020B0604030504040204" pitchFamily="34" charset="0"/>
-                <a:cs typeface="Tahoma" panose="020B0604030504040204" pitchFamily="34" charset="0"/>
-              </a:rPr>
-              <a:t>	</a:t>
-            </a:r>
-            <a:r>
-              <a:rPr lang="en-US" dirty="0" smtClean="0">
-                <a:latin typeface="Tahoma" panose="020B0604030504040204" pitchFamily="34" charset="0"/>
-                <a:ea typeface="Tahoma" panose="020B0604030504040204" pitchFamily="34" charset="0"/>
-                <a:cs typeface="Tahoma" panose="020B0604030504040204" pitchFamily="34" charset="0"/>
-              </a:rPr>
-              <a:t>“scripts” : {</a:t>
-            </a:r>
-          </a:p>
-          <a:p>
-            <a:pPr marL="0" indent="0">
-              <a:buNone/>
-            </a:pPr>
-            <a:r>
-              <a:rPr lang="en-US" dirty="0" smtClean="0">
-                <a:latin typeface="Tahoma" panose="020B0604030504040204" pitchFamily="34" charset="0"/>
-                <a:ea typeface="Tahoma" panose="020B0604030504040204" pitchFamily="34" charset="0"/>
-                <a:cs typeface="Tahoma" panose="020B0604030504040204" pitchFamily="34" charset="0"/>
-              </a:rPr>
-              <a:t>		“start” : “</a:t>
-            </a:r>
-            <a:r>
-              <a:rPr lang="en-US" dirty="0" err="1" smtClean="0">
-                <a:latin typeface="Tahoma" panose="020B0604030504040204" pitchFamily="34" charset="0"/>
-                <a:ea typeface="Tahoma" panose="020B0604030504040204" pitchFamily="34" charset="0"/>
-                <a:cs typeface="Tahoma" panose="020B0604030504040204" pitchFamily="34" charset="0"/>
-              </a:rPr>
-              <a:t>tsc</a:t>
-            </a:r>
-            <a:r>
-              <a:rPr lang="en-US" dirty="0" smtClean="0">
-                <a:latin typeface="Tahoma" panose="020B0604030504040204" pitchFamily="34" charset="0"/>
-                <a:ea typeface="Tahoma" panose="020B0604030504040204" pitchFamily="34" charset="0"/>
-                <a:cs typeface="Tahoma" panose="020B0604030504040204" pitchFamily="34" charset="0"/>
-              </a:rPr>
-              <a:t> &amp;&amp; node index.js” // start run index.js</a:t>
-            </a:r>
-            <a:endParaRPr lang="en-US" dirty="0">
-              <a:latin typeface="Tahoma" panose="020B0604030504040204" pitchFamily="34" charset="0"/>
-              <a:ea typeface="Tahoma" panose="020B0604030504040204" pitchFamily="34" charset="0"/>
-              <a:cs typeface="Tahoma" panose="020B0604030504040204" pitchFamily="34" charset="0"/>
-            </a:endParaRPr>
-          </a:p>
-          <a:p>
-            <a:pPr marL="0" indent="0">
-              <a:buNone/>
-            </a:pPr>
-            <a:r>
-              <a:rPr lang="en-US" dirty="0" smtClean="0">
-                <a:latin typeface="Tahoma" panose="020B0604030504040204" pitchFamily="34" charset="0"/>
-                <a:ea typeface="Tahoma" panose="020B0604030504040204" pitchFamily="34" charset="0"/>
-                <a:cs typeface="Tahoma" panose="020B0604030504040204" pitchFamily="34" charset="0"/>
-              </a:rPr>
-              <a:t>		}</a:t>
-            </a:r>
-          </a:p>
-          <a:p>
-            <a:pPr marL="0" indent="0">
-              <a:buNone/>
-            </a:pPr>
-            <a:r>
-              <a:rPr lang="en-US" dirty="0" smtClean="0">
-                <a:latin typeface="Tahoma" panose="020B0604030504040204" pitchFamily="34" charset="0"/>
-                <a:ea typeface="Tahoma" panose="020B0604030504040204" pitchFamily="34" charset="0"/>
-                <a:cs typeface="Tahoma" panose="020B0604030504040204" pitchFamily="34" charset="0"/>
-              </a:rPr>
-              <a:t>To run project, type</a:t>
-            </a:r>
-          </a:p>
-          <a:p>
-            <a:pPr marL="0" indent="0">
-              <a:buNone/>
-            </a:pPr>
-            <a:r>
-              <a:rPr lang="en-US" dirty="0">
-                <a:latin typeface="Tahoma" panose="020B0604030504040204" pitchFamily="34" charset="0"/>
-                <a:ea typeface="Tahoma" panose="020B0604030504040204" pitchFamily="34" charset="0"/>
-                <a:cs typeface="Tahoma" panose="020B0604030504040204" pitchFamily="34" charset="0"/>
-              </a:rPr>
-              <a:t>	</a:t>
-            </a:r>
-            <a:r>
-              <a:rPr lang="en-US" dirty="0" smtClean="0">
-                <a:latin typeface="Tahoma" panose="020B0604030504040204" pitchFamily="34" charset="0"/>
-                <a:ea typeface="Tahoma" panose="020B0604030504040204" pitchFamily="34" charset="0"/>
-                <a:cs typeface="Tahoma" panose="020B0604030504040204" pitchFamily="34" charset="0"/>
-              </a:rPr>
-              <a:t>- </a:t>
-            </a:r>
-            <a:r>
-              <a:rPr lang="en-US" dirty="0" err="1" smtClean="0">
-                <a:latin typeface="Tahoma" panose="020B0604030504040204" pitchFamily="34" charset="0"/>
-                <a:ea typeface="Tahoma" panose="020B0604030504040204" pitchFamily="34" charset="0"/>
-                <a:cs typeface="Tahoma" panose="020B0604030504040204" pitchFamily="34" charset="0"/>
-              </a:rPr>
-              <a:t>npm</a:t>
-            </a:r>
-            <a:r>
-              <a:rPr lang="en-US" dirty="0" smtClean="0">
-                <a:latin typeface="Tahoma" panose="020B0604030504040204" pitchFamily="34" charset="0"/>
-                <a:ea typeface="Tahoma" panose="020B0604030504040204" pitchFamily="34" charset="0"/>
-                <a:cs typeface="Tahoma" panose="020B0604030504040204" pitchFamily="34" charset="0"/>
-              </a:rPr>
-              <a:t> start</a:t>
-            </a:r>
-          </a:p>
-          <a:p>
-            <a:pPr marL="0" indent="0">
-              <a:buNone/>
-            </a:pPr>
-            <a:endParaRPr lang="en-US" dirty="0" smtClean="0">
-              <a:latin typeface="Tahoma" panose="020B0604030504040204" pitchFamily="34" charset="0"/>
-              <a:ea typeface="Tahoma" panose="020B0604030504040204" pitchFamily="34" charset="0"/>
-              <a:cs typeface="Tahoma" panose="020B0604030504040204" pitchFamily="34" charset="0"/>
-            </a:endParaRPr>
-          </a:p>
-        </p:txBody>
-      </p:sp>
-      <p:sp>
-        <p:nvSpPr>
-          <p:cNvPr id="4" name="TextBox 3"/>
-          <p:cNvSpPr txBox="1"/>
-          <p:nvPr/>
-        </p:nvSpPr>
-        <p:spPr>
-          <a:xfrm>
-            <a:off x="10522588" y="122129"/>
-            <a:ext cx="1471878" cy="369332"/>
-          </a:xfrm>
-          <a:prstGeom prst="rect">
-            <a:avLst/>
-          </a:prstGeom>
-          <a:noFill/>
-        </p:spPr>
-        <p:txBody>
-          <a:bodyPr wrap="none" rtlCol="0">
-            <a:spAutoFit/>
-          </a:bodyPr>
-          <a:lstStyle/>
-          <a:p>
-            <a:r>
-              <a:rPr lang="en-US" dirty="0" smtClean="0">
-                <a:solidFill>
-                  <a:schemeClr val="accent4">
-                    <a:lumMod val="60000"/>
-                    <a:lumOff val="40000"/>
-                  </a:schemeClr>
-                </a:solidFill>
-                <a:latin typeface="Berlin Sans FB" panose="020E0602020502020306" pitchFamily="34" charset="0"/>
-              </a:rPr>
-              <a:t>Thet </a:t>
-            </a:r>
-            <a:r>
-              <a:rPr lang="en-US" dirty="0" err="1" smtClean="0">
-                <a:solidFill>
-                  <a:schemeClr val="accent4">
-                    <a:lumMod val="60000"/>
-                    <a:lumOff val="40000"/>
-                  </a:schemeClr>
-                </a:solidFill>
-                <a:latin typeface="Berlin Sans FB" panose="020E0602020502020306" pitchFamily="34" charset="0"/>
-              </a:rPr>
-              <a:t>Lwin</a:t>
-            </a:r>
-            <a:r>
-              <a:rPr lang="en-US" dirty="0" smtClean="0">
-                <a:solidFill>
-                  <a:schemeClr val="accent4">
-                    <a:lumMod val="60000"/>
-                    <a:lumOff val="40000"/>
-                  </a:schemeClr>
-                </a:solidFill>
-                <a:latin typeface="Berlin Sans FB" panose="020E0602020502020306" pitchFamily="34" charset="0"/>
-              </a:rPr>
-              <a:t> </a:t>
-            </a:r>
-            <a:r>
-              <a:rPr lang="en-US" dirty="0" err="1" smtClean="0">
-                <a:solidFill>
-                  <a:schemeClr val="accent4">
-                    <a:lumMod val="60000"/>
-                    <a:lumOff val="40000"/>
-                  </a:schemeClr>
-                </a:solidFill>
-                <a:latin typeface="Berlin Sans FB" panose="020E0602020502020306" pitchFamily="34" charset="0"/>
-              </a:rPr>
-              <a:t>Oo</a:t>
-            </a:r>
-            <a:endParaRPr lang="en-US" dirty="0">
-              <a:solidFill>
-                <a:schemeClr val="accent4">
-                  <a:lumMod val="60000"/>
-                  <a:lumOff val="40000"/>
-                </a:schemeClr>
-              </a:solidFill>
-              <a:latin typeface="Berlin Sans FB" panose="020E0602020502020306" pitchFamily="34" charset="0"/>
-            </a:endParaRPr>
-          </a:p>
-        </p:txBody>
-      </p:sp>
-    </p:spTree>
-    <p:extLst>
-      <p:ext uri="{BB962C8B-B14F-4D97-AF65-F5344CB8AC3E}">
-        <p14:creationId xmlns:p14="http://schemas.microsoft.com/office/powerpoint/2010/main" val="2204026862"/>
-      </p:ext>
-    </p:extLst>
-  </p:cSld>
-  <p:clrMapOvr>
-    <a:masterClrMapping/>
-  </p:clrMapOvr>
-  <p:timing>
-    <p:tnLst>
-      <p:par>
-        <p:cTn id="1" dur="indefinite" restart="never" nodeType="tmRoot"/>
-      </p:par>
-    </p:tnLst>
-  </p:timing>
-</p:sld>
-</file>
-
-<file path=ppt/slides/slide23.xml><?xml version="1.0" encoding="utf-8"?>
-<p:sld xmlns:a="http://schemas.openxmlformats.org/drawingml/2006/main" xmlns:r="http://schemas.openxmlformats.org/officeDocument/2006/relationships" xmlns:p="http://schemas.openxmlformats.org/presentationml/2006/main">
-  <p:cSld>
-    <p:spTree>
-      <p:nvGrpSpPr>
-        <p:cNvPr id="1" name=""/>
-        <p:cNvGrpSpPr/>
-        <p:nvPr/>
-      </p:nvGrpSpPr>
-      <p:grpSpPr>
-        <a:xfrm>
-          <a:off x="0" y="0"/>
-          <a:ext cx="0" cy="0"/>
-          <a:chOff x="0" y="0"/>
-          <a:chExt cx="0" cy="0"/>
-        </a:xfrm>
-      </p:grpSpPr>
-      <p:sp>
-        <p:nvSpPr>
-          <p:cNvPr id="2" name="Title 1">
-            <a:extLst>
-              <a:ext uri="{FF2B5EF4-FFF2-40B4-BE49-F238E27FC236}">
-                <a16:creationId xmlns:a16="http://schemas.microsoft.com/office/drawing/2014/main" xmlns="" id="{34DB6CE4-2B13-4715-B5B2-615A55922CA1}"/>
-              </a:ext>
-            </a:extLst>
-          </p:cNvPr>
-          <p:cNvSpPr>
-            <a:spLocks noGrp="1"/>
-          </p:cNvSpPr>
-          <p:nvPr>
-            <p:ph type="title"/>
-          </p:nvPr>
-        </p:nvSpPr>
-        <p:spPr>
-          <a:xfrm>
-            <a:off x="1141412" y="122129"/>
-            <a:ext cx="9905998" cy="1027402"/>
-          </a:xfrm>
-        </p:spPr>
-        <p:txBody>
-          <a:bodyPr>
-            <a:normAutofit/>
-          </a:bodyPr>
-          <a:lstStyle/>
-          <a:p>
-            <a:r>
-              <a:rPr lang="en-US" dirty="0" smtClean="0">
-                <a:latin typeface="Rockwell" panose="02060603020205020403" pitchFamily="18" charset="0"/>
-              </a:rPr>
-              <a:t>Installing libs &amp; type definitions</a:t>
-            </a:r>
-            <a:endParaRPr lang="en-US" sz="4400" dirty="0">
-              <a:latin typeface="Rockwell" panose="02060603020205020403" pitchFamily="18" charset="0"/>
-            </a:endParaRPr>
-          </a:p>
-        </p:txBody>
-      </p:sp>
-      <p:sp>
-        <p:nvSpPr>
-          <p:cNvPr id="3" name="Content Placeholder 2">
-            <a:extLst>
-              <a:ext uri="{FF2B5EF4-FFF2-40B4-BE49-F238E27FC236}">
-                <a16:creationId xmlns:a16="http://schemas.microsoft.com/office/drawing/2014/main" xmlns="" id="{143F5361-68C0-4BF5-80C8-F1E7BF92B2DB}"/>
-              </a:ext>
-            </a:extLst>
-          </p:cNvPr>
-          <p:cNvSpPr>
-            <a:spLocks noGrp="1"/>
-          </p:cNvSpPr>
-          <p:nvPr>
-            <p:ph idx="1"/>
-          </p:nvPr>
-        </p:nvSpPr>
-        <p:spPr>
-          <a:xfrm>
-            <a:off x="1141412" y="1280160"/>
-            <a:ext cx="10419217" cy="4511041"/>
-          </a:xfrm>
-        </p:spPr>
-        <p:txBody>
-          <a:bodyPr>
-            <a:normAutofit/>
-          </a:bodyPr>
-          <a:lstStyle/>
-          <a:p>
-            <a:pPr>
-              <a:buFont typeface="Wingdings" panose="05000000000000000000" pitchFamily="2" charset="2"/>
-              <a:buChar char="ü"/>
-            </a:pPr>
-            <a:r>
-              <a:rPr lang="en-US" dirty="0" smtClean="0">
-                <a:latin typeface="Tahoma" panose="020B0604030504040204" pitchFamily="34" charset="0"/>
-                <a:ea typeface="Tahoma" panose="020B0604030504040204" pitchFamily="34" charset="0"/>
-                <a:cs typeface="Tahoma" panose="020B0604030504040204" pitchFamily="34" charset="0"/>
-              </a:rPr>
-              <a:t>To install library</a:t>
-            </a:r>
-          </a:p>
-          <a:p>
-            <a:pPr marL="0" indent="0">
-              <a:buNone/>
-            </a:pPr>
-            <a:r>
-              <a:rPr lang="en-US" dirty="0">
-                <a:latin typeface="Tahoma" panose="020B0604030504040204" pitchFamily="34" charset="0"/>
-                <a:ea typeface="Tahoma" panose="020B0604030504040204" pitchFamily="34" charset="0"/>
-                <a:cs typeface="Tahoma" panose="020B0604030504040204" pitchFamily="34" charset="0"/>
-              </a:rPr>
-              <a:t>	</a:t>
-            </a:r>
-            <a:r>
-              <a:rPr lang="en-US" dirty="0" smtClean="0">
-                <a:latin typeface="Tahoma" panose="020B0604030504040204" pitchFamily="34" charset="0"/>
-                <a:ea typeface="Tahoma" panose="020B0604030504040204" pitchFamily="34" charset="0"/>
-                <a:cs typeface="Tahoma" panose="020B0604030504040204" pitchFamily="34" charset="0"/>
-              </a:rPr>
-              <a:t>- </a:t>
-            </a:r>
-            <a:r>
-              <a:rPr lang="en-US" dirty="0" err="1" smtClean="0">
-                <a:latin typeface="Tahoma" panose="020B0604030504040204" pitchFamily="34" charset="0"/>
-                <a:ea typeface="Tahoma" panose="020B0604030504040204" pitchFamily="34" charset="0"/>
-                <a:cs typeface="Tahoma" panose="020B0604030504040204" pitchFamily="34" charset="0"/>
-              </a:rPr>
-              <a:t>npm</a:t>
-            </a:r>
-            <a:r>
-              <a:rPr lang="en-US" dirty="0" smtClean="0">
-                <a:latin typeface="Tahoma" panose="020B0604030504040204" pitchFamily="34" charset="0"/>
-                <a:ea typeface="Tahoma" panose="020B0604030504040204" pitchFamily="34" charset="0"/>
-                <a:cs typeface="Tahoma" panose="020B0604030504040204" pitchFamily="34" charset="0"/>
-              </a:rPr>
-              <a:t> install </a:t>
-            </a:r>
-            <a:r>
-              <a:rPr lang="en-US" dirty="0" err="1" smtClean="0">
-                <a:latin typeface="Tahoma" panose="020B0604030504040204" pitchFamily="34" charset="0"/>
-                <a:ea typeface="Tahoma" panose="020B0604030504040204" pitchFamily="34" charset="0"/>
-                <a:cs typeface="Tahoma" panose="020B0604030504040204" pitchFamily="34" charset="0"/>
-              </a:rPr>
-              <a:t>packageName</a:t>
-            </a:r>
-            <a:r>
-              <a:rPr lang="en-US" dirty="0" smtClean="0">
-                <a:latin typeface="Tahoma" panose="020B0604030504040204" pitchFamily="34" charset="0"/>
-                <a:ea typeface="Tahoma" panose="020B0604030504040204" pitchFamily="34" charset="0"/>
-                <a:cs typeface="Tahoma" panose="020B0604030504040204" pitchFamily="34" charset="0"/>
-              </a:rPr>
-              <a:t> –save</a:t>
-            </a:r>
-          </a:p>
-          <a:p>
-            <a:pPr marL="0" indent="0">
-              <a:buNone/>
-            </a:pPr>
-            <a:r>
-              <a:rPr lang="en-US" dirty="0" smtClean="0">
-                <a:latin typeface="Tahoma" panose="020B0604030504040204" pitchFamily="34" charset="0"/>
-                <a:ea typeface="Tahoma" panose="020B0604030504040204" pitchFamily="34" charset="0"/>
-                <a:cs typeface="Tahoma" panose="020B0604030504040204" pitchFamily="34" charset="0"/>
-              </a:rPr>
-              <a:t>Importing package</a:t>
-            </a:r>
-          </a:p>
-          <a:p>
-            <a:pPr marL="0" indent="0">
-              <a:buNone/>
-            </a:pPr>
-            <a:r>
-              <a:rPr lang="en-US" dirty="0">
-                <a:latin typeface="Tahoma" panose="020B0604030504040204" pitchFamily="34" charset="0"/>
-                <a:ea typeface="Tahoma" panose="020B0604030504040204" pitchFamily="34" charset="0"/>
-                <a:cs typeface="Tahoma" panose="020B0604030504040204" pitchFamily="34" charset="0"/>
-              </a:rPr>
-              <a:t>	</a:t>
-            </a:r>
-            <a:r>
-              <a:rPr lang="en-US" dirty="0" smtClean="0">
-                <a:latin typeface="Tahoma" panose="020B0604030504040204" pitchFamily="34" charset="0"/>
-                <a:ea typeface="Tahoma" panose="020B0604030504040204" pitchFamily="34" charset="0"/>
-                <a:cs typeface="Tahoma" panose="020B0604030504040204" pitchFamily="34" charset="0"/>
-              </a:rPr>
-              <a:t>- import * as _ from ‘</a:t>
-            </a:r>
-            <a:r>
-              <a:rPr lang="en-US" dirty="0" err="1" smtClean="0">
-                <a:latin typeface="Tahoma" panose="020B0604030504040204" pitchFamily="34" charset="0"/>
-                <a:ea typeface="Tahoma" panose="020B0604030504040204" pitchFamily="34" charset="0"/>
-                <a:cs typeface="Tahoma" panose="020B0604030504040204" pitchFamily="34" charset="0"/>
-              </a:rPr>
-              <a:t>lodash</a:t>
-            </a:r>
-            <a:r>
-              <a:rPr lang="en-US" dirty="0" smtClean="0">
-                <a:latin typeface="Tahoma" panose="020B0604030504040204" pitchFamily="34" charset="0"/>
-                <a:ea typeface="Tahoma" panose="020B0604030504040204" pitchFamily="34" charset="0"/>
-                <a:cs typeface="Tahoma" panose="020B0604030504040204" pitchFamily="34" charset="0"/>
-              </a:rPr>
-              <a:t>’</a:t>
-            </a:r>
-          </a:p>
-          <a:p>
-            <a:pPr marL="0" indent="0">
-              <a:buNone/>
-            </a:pPr>
-            <a:endParaRPr lang="en-US" dirty="0" smtClean="0">
-              <a:latin typeface="Tahoma" panose="020B0604030504040204" pitchFamily="34" charset="0"/>
-              <a:ea typeface="Tahoma" panose="020B0604030504040204" pitchFamily="34" charset="0"/>
-              <a:cs typeface="Tahoma" panose="020B0604030504040204" pitchFamily="34" charset="0"/>
-            </a:endParaRPr>
-          </a:p>
-        </p:txBody>
-      </p:sp>
-      <p:sp>
-        <p:nvSpPr>
-          <p:cNvPr id="4" name="TextBox 3"/>
-          <p:cNvSpPr txBox="1"/>
-          <p:nvPr/>
-        </p:nvSpPr>
-        <p:spPr>
-          <a:xfrm>
-            <a:off x="10522588" y="122129"/>
-            <a:ext cx="1471878" cy="369332"/>
-          </a:xfrm>
-          <a:prstGeom prst="rect">
-            <a:avLst/>
-          </a:prstGeom>
-          <a:noFill/>
-        </p:spPr>
-        <p:txBody>
-          <a:bodyPr wrap="none" rtlCol="0">
-            <a:spAutoFit/>
-          </a:bodyPr>
-          <a:lstStyle/>
-          <a:p>
-            <a:r>
-              <a:rPr lang="en-US" dirty="0" smtClean="0">
-                <a:solidFill>
-                  <a:schemeClr val="accent4">
-                    <a:lumMod val="60000"/>
-                    <a:lumOff val="40000"/>
-                  </a:schemeClr>
-                </a:solidFill>
-                <a:latin typeface="Berlin Sans FB" panose="020E0602020502020306" pitchFamily="34" charset="0"/>
-              </a:rPr>
-              <a:t>Thet </a:t>
-            </a:r>
-            <a:r>
-              <a:rPr lang="en-US" dirty="0" err="1" smtClean="0">
-                <a:solidFill>
-                  <a:schemeClr val="accent4">
-                    <a:lumMod val="60000"/>
-                    <a:lumOff val="40000"/>
-                  </a:schemeClr>
-                </a:solidFill>
-                <a:latin typeface="Berlin Sans FB" panose="020E0602020502020306" pitchFamily="34" charset="0"/>
-              </a:rPr>
-              <a:t>Lwin</a:t>
-            </a:r>
-            <a:r>
-              <a:rPr lang="en-US" dirty="0" smtClean="0">
-                <a:solidFill>
-                  <a:schemeClr val="accent4">
-                    <a:lumMod val="60000"/>
-                    <a:lumOff val="40000"/>
-                  </a:schemeClr>
-                </a:solidFill>
-                <a:latin typeface="Berlin Sans FB" panose="020E0602020502020306" pitchFamily="34" charset="0"/>
-              </a:rPr>
-              <a:t> </a:t>
-            </a:r>
-            <a:r>
-              <a:rPr lang="en-US" dirty="0" err="1" smtClean="0">
-                <a:solidFill>
-                  <a:schemeClr val="accent4">
-                    <a:lumMod val="60000"/>
-                    <a:lumOff val="40000"/>
-                  </a:schemeClr>
-                </a:solidFill>
-                <a:latin typeface="Berlin Sans FB" panose="020E0602020502020306" pitchFamily="34" charset="0"/>
-              </a:rPr>
-              <a:t>Oo</a:t>
-            </a:r>
-            <a:endParaRPr lang="en-US" dirty="0">
-              <a:solidFill>
-                <a:schemeClr val="accent4">
-                  <a:lumMod val="60000"/>
-                  <a:lumOff val="40000"/>
-                </a:schemeClr>
-              </a:solidFill>
-              <a:latin typeface="Berlin Sans FB" panose="020E0602020502020306" pitchFamily="34" charset="0"/>
-            </a:endParaRPr>
-          </a:p>
-        </p:txBody>
-      </p:sp>
-      <p:sp>
-        <p:nvSpPr>
-          <p:cNvPr id="5" name="TextBox 4"/>
-          <p:cNvSpPr txBox="1"/>
-          <p:nvPr/>
-        </p:nvSpPr>
-        <p:spPr>
-          <a:xfrm>
-            <a:off x="2207622" y="4470067"/>
-            <a:ext cx="7759337" cy="646331"/>
-          </a:xfrm>
-          <a:prstGeom prst="rect">
-            <a:avLst/>
-          </a:prstGeom>
-          <a:noFill/>
-          <a:ln>
-            <a:solidFill>
-              <a:schemeClr val="tx1"/>
-            </a:solidFill>
-          </a:ln>
-        </p:spPr>
-        <p:txBody>
-          <a:bodyPr wrap="square" rtlCol="0">
-            <a:spAutoFit/>
-          </a:bodyPr>
-          <a:lstStyle/>
-          <a:p>
-            <a:r>
-              <a:rPr lang="en-US" dirty="0" err="1" smtClean="0"/>
-              <a:t>npm</a:t>
-            </a:r>
-            <a:r>
-              <a:rPr lang="en-US" dirty="0" smtClean="0"/>
-              <a:t> install </a:t>
-            </a:r>
-            <a:r>
-              <a:rPr lang="en-US" dirty="0" err="1" smtClean="0"/>
-              <a:t>lodash</a:t>
-            </a:r>
-            <a:r>
-              <a:rPr lang="en-US" dirty="0" smtClean="0"/>
-              <a:t> --save // adding </a:t>
-            </a:r>
-            <a:r>
-              <a:rPr lang="en-US" dirty="0" err="1" smtClean="0"/>
-              <a:t>lodash</a:t>
-            </a:r>
-            <a:r>
-              <a:rPr lang="en-US" dirty="0" smtClean="0"/>
-              <a:t> package</a:t>
-            </a:r>
-          </a:p>
-          <a:p>
-            <a:r>
-              <a:rPr lang="en-US" dirty="0" err="1" smtClean="0"/>
-              <a:t>npm</a:t>
-            </a:r>
-            <a:r>
-              <a:rPr lang="en-US" dirty="0" smtClean="0"/>
-              <a:t> install @types/</a:t>
-            </a:r>
-            <a:r>
-              <a:rPr lang="en-US" dirty="0" err="1" smtClean="0"/>
-              <a:t>lodash</a:t>
-            </a:r>
-            <a:r>
-              <a:rPr lang="en-US" dirty="0" smtClean="0"/>
-              <a:t> --save -dev // adding </a:t>
-            </a:r>
-            <a:r>
-              <a:rPr lang="en-US" dirty="0" err="1" smtClean="0"/>
-              <a:t>lodash</a:t>
-            </a:r>
-            <a:r>
-              <a:rPr lang="en-US" dirty="0" smtClean="0"/>
-              <a:t> type definitions</a:t>
-            </a:r>
-            <a:endParaRPr lang="en-US" dirty="0"/>
-          </a:p>
-        </p:txBody>
-      </p:sp>
-      <p:pic>
-        <p:nvPicPr>
-          <p:cNvPr id="7" name="Picture 6"/>
-          <p:cNvPicPr>
-            <a:picLocks noChangeAspect="1"/>
-          </p:cNvPicPr>
-          <p:nvPr/>
-        </p:nvPicPr>
-        <p:blipFill>
-          <a:blip r:embed="rId2"/>
-          <a:stretch>
-            <a:fillRect/>
-          </a:stretch>
-        </p:blipFill>
-        <p:spPr>
-          <a:xfrm>
-            <a:off x="6891201" y="1129513"/>
-            <a:ext cx="4914900" cy="3209925"/>
-          </a:xfrm>
-          <a:prstGeom prst="rect">
-            <a:avLst/>
-          </a:prstGeom>
-        </p:spPr>
-      </p:pic>
-    </p:spTree>
-    <p:extLst>
-      <p:ext uri="{BB962C8B-B14F-4D97-AF65-F5344CB8AC3E}">
-        <p14:creationId xmlns:p14="http://schemas.microsoft.com/office/powerpoint/2010/main" val="1287997983"/>
-      </p:ext>
-    </p:extLst>
-  </p:cSld>
-  <p:clrMapOvr>
-    <a:masterClrMapping/>
-  </p:clrMapOvr>
-  <p:timing>
-    <p:tnLst>
-      <p:par>
-        <p:cTn id="1" dur="indefinite" restart="never" nodeType="tmRoot"/>
-      </p:par>
-    </p:tnLst>
-  </p:timing>
-</p:sld>
-</file>
-
-<file path=ppt/slides/slide24.xml><?xml version="1.0" encoding="utf-8"?>
-<p:sld xmlns:a="http://schemas.openxmlformats.org/drawingml/2006/main" xmlns:r="http://schemas.openxmlformats.org/officeDocument/2006/relationships" xmlns:p="http://schemas.openxmlformats.org/presentationml/2006/main">
-  <p:cSld>
-    <p:spTree>
-      <p:nvGrpSpPr>
-        <p:cNvPr id="1" name=""/>
-        <p:cNvGrpSpPr/>
-        <p:nvPr/>
-      </p:nvGrpSpPr>
-      <p:grpSpPr>
-        <a:xfrm>
-          <a:off x="0" y="0"/>
-          <a:ext cx="0" cy="0"/>
-          <a:chOff x="0" y="0"/>
-          <a:chExt cx="0" cy="0"/>
-        </a:xfrm>
-      </p:grpSpPr>
-      <p:sp>
-        <p:nvSpPr>
-          <p:cNvPr id="2" name="Title 1">
-            <a:extLst>
-              <a:ext uri="{FF2B5EF4-FFF2-40B4-BE49-F238E27FC236}">
-                <a16:creationId xmlns:a16="http://schemas.microsoft.com/office/drawing/2014/main" xmlns="" id="{34DB6CE4-2B13-4715-B5B2-615A55922CA1}"/>
-              </a:ext>
-            </a:extLst>
-          </p:cNvPr>
-          <p:cNvSpPr>
-            <a:spLocks noGrp="1"/>
-          </p:cNvSpPr>
-          <p:nvPr>
-            <p:ph type="title"/>
-          </p:nvPr>
-        </p:nvSpPr>
-        <p:spPr>
-          <a:xfrm>
-            <a:off x="1141412" y="122129"/>
-            <a:ext cx="9905998" cy="1027402"/>
-          </a:xfrm>
-        </p:spPr>
-        <p:txBody>
-          <a:bodyPr>
-            <a:normAutofit/>
-          </a:bodyPr>
-          <a:lstStyle/>
-          <a:p>
-            <a:r>
-              <a:rPr lang="en-US" dirty="0" smtClean="0">
-                <a:latin typeface="Rockwell" panose="02060603020205020403" pitchFamily="18" charset="0"/>
-              </a:rPr>
-              <a:t>New Project setup</a:t>
-            </a:r>
-            <a:endParaRPr lang="en-US" sz="4400" dirty="0">
-              <a:latin typeface="Rockwell" panose="02060603020205020403" pitchFamily="18" charset="0"/>
-            </a:endParaRPr>
-          </a:p>
-        </p:txBody>
-      </p:sp>
-      <p:sp>
-        <p:nvSpPr>
-          <p:cNvPr id="3" name="Content Placeholder 2">
-            <a:extLst>
-              <a:ext uri="{FF2B5EF4-FFF2-40B4-BE49-F238E27FC236}">
-                <a16:creationId xmlns:a16="http://schemas.microsoft.com/office/drawing/2014/main" xmlns="" id="{143F5361-68C0-4BF5-80C8-F1E7BF92B2DB}"/>
-              </a:ext>
-            </a:extLst>
-          </p:cNvPr>
-          <p:cNvSpPr>
-            <a:spLocks noGrp="1"/>
-          </p:cNvSpPr>
-          <p:nvPr>
-            <p:ph idx="1"/>
-          </p:nvPr>
-        </p:nvSpPr>
-        <p:spPr>
-          <a:xfrm>
-            <a:off x="1141412" y="1280160"/>
-            <a:ext cx="10419217" cy="4898571"/>
-          </a:xfrm>
-        </p:spPr>
-        <p:txBody>
-          <a:bodyPr>
-            <a:normAutofit fontScale="85000" lnSpcReduction="20000"/>
-          </a:bodyPr>
-          <a:lstStyle/>
-          <a:p>
-            <a:pPr>
-              <a:buFont typeface="Wingdings" panose="05000000000000000000" pitchFamily="2" charset="2"/>
-              <a:buChar char="ü"/>
-            </a:pPr>
-            <a:r>
-              <a:rPr lang="en-US" dirty="0" err="1">
-                <a:latin typeface="Tahoma" panose="020B0604030504040204" pitchFamily="34" charset="0"/>
-                <a:ea typeface="Tahoma" panose="020B0604030504040204" pitchFamily="34" charset="0"/>
-                <a:cs typeface="Tahoma" panose="020B0604030504040204" pitchFamily="34" charset="0"/>
-              </a:rPr>
-              <a:t>n</a:t>
-            </a:r>
-            <a:r>
-              <a:rPr lang="en-US" dirty="0" err="1" smtClean="0">
-                <a:latin typeface="Tahoma" panose="020B0604030504040204" pitchFamily="34" charset="0"/>
-                <a:ea typeface="Tahoma" panose="020B0604030504040204" pitchFamily="34" charset="0"/>
-                <a:cs typeface="Tahoma" panose="020B0604030504040204" pitchFamily="34" charset="0"/>
-              </a:rPr>
-              <a:t>pm</a:t>
-            </a:r>
-            <a:r>
-              <a:rPr lang="en-US" dirty="0" smtClean="0">
-                <a:latin typeface="Tahoma" panose="020B0604030504040204" pitchFamily="34" charset="0"/>
-                <a:ea typeface="Tahoma" panose="020B0604030504040204" pitchFamily="34" charset="0"/>
-                <a:cs typeface="Tahoma" panose="020B0604030504040204" pitchFamily="34" charset="0"/>
-              </a:rPr>
-              <a:t> </a:t>
-            </a:r>
-            <a:r>
-              <a:rPr lang="en-US" dirty="0" err="1" smtClean="0">
-                <a:latin typeface="Tahoma" panose="020B0604030504040204" pitchFamily="34" charset="0"/>
-                <a:ea typeface="Tahoma" panose="020B0604030504040204" pitchFamily="34" charset="0"/>
-                <a:cs typeface="Tahoma" panose="020B0604030504040204" pitchFamily="34" charset="0"/>
-              </a:rPr>
-              <a:t>init</a:t>
-            </a:r>
-            <a:endParaRPr lang="en-US" dirty="0" smtClean="0">
-              <a:latin typeface="Tahoma" panose="020B0604030504040204" pitchFamily="34" charset="0"/>
-              <a:ea typeface="Tahoma" panose="020B0604030504040204" pitchFamily="34" charset="0"/>
-              <a:cs typeface="Tahoma" panose="020B0604030504040204" pitchFamily="34" charset="0"/>
-            </a:endParaRPr>
-          </a:p>
-          <a:p>
-            <a:pPr>
-              <a:buFont typeface="Wingdings" panose="05000000000000000000" pitchFamily="2" charset="2"/>
-              <a:buChar char="ü"/>
-            </a:pPr>
-            <a:r>
-              <a:rPr lang="en-US" dirty="0" err="1">
-                <a:latin typeface="Tahoma" panose="020B0604030504040204" pitchFamily="34" charset="0"/>
-                <a:ea typeface="Tahoma" panose="020B0604030504040204" pitchFamily="34" charset="0"/>
-                <a:cs typeface="Tahoma" panose="020B0604030504040204" pitchFamily="34" charset="0"/>
-              </a:rPr>
-              <a:t>t</a:t>
-            </a:r>
-            <a:r>
-              <a:rPr lang="en-US" dirty="0" err="1" smtClean="0">
-                <a:latin typeface="Tahoma" panose="020B0604030504040204" pitchFamily="34" charset="0"/>
-                <a:ea typeface="Tahoma" panose="020B0604030504040204" pitchFamily="34" charset="0"/>
-                <a:cs typeface="Tahoma" panose="020B0604030504040204" pitchFamily="34" charset="0"/>
-              </a:rPr>
-              <a:t>sc</a:t>
-            </a:r>
-            <a:r>
-              <a:rPr lang="en-US" dirty="0" smtClean="0">
-                <a:latin typeface="Tahoma" panose="020B0604030504040204" pitchFamily="34" charset="0"/>
-                <a:ea typeface="Tahoma" panose="020B0604030504040204" pitchFamily="34" charset="0"/>
-                <a:cs typeface="Tahoma" panose="020B0604030504040204" pitchFamily="34" charset="0"/>
-              </a:rPr>
-              <a:t> --</a:t>
-            </a:r>
-            <a:r>
-              <a:rPr lang="en-US" dirty="0" err="1" smtClean="0">
-                <a:latin typeface="Tahoma" panose="020B0604030504040204" pitchFamily="34" charset="0"/>
-                <a:ea typeface="Tahoma" panose="020B0604030504040204" pitchFamily="34" charset="0"/>
-                <a:cs typeface="Tahoma" panose="020B0604030504040204" pitchFamily="34" charset="0"/>
-              </a:rPr>
-              <a:t>init</a:t>
-            </a:r>
-            <a:endParaRPr lang="en-US" dirty="0" smtClean="0">
-              <a:latin typeface="Tahoma" panose="020B0604030504040204" pitchFamily="34" charset="0"/>
-              <a:ea typeface="Tahoma" panose="020B0604030504040204" pitchFamily="34" charset="0"/>
-              <a:cs typeface="Tahoma" panose="020B0604030504040204" pitchFamily="34" charset="0"/>
-            </a:endParaRPr>
-          </a:p>
-          <a:p>
-            <a:pPr>
-              <a:buFont typeface="Wingdings" panose="05000000000000000000" pitchFamily="2" charset="2"/>
-              <a:buChar char="ü"/>
-            </a:pPr>
-            <a:r>
-              <a:rPr lang="en-US" dirty="0" smtClean="0">
-                <a:latin typeface="Tahoma" panose="020B0604030504040204" pitchFamily="34" charset="0"/>
-                <a:ea typeface="Tahoma" panose="020B0604030504040204" pitchFamily="34" charset="0"/>
-                <a:cs typeface="Tahoma" panose="020B0604030504040204" pitchFamily="34" charset="0"/>
-              </a:rPr>
-              <a:t>Create </a:t>
-            </a:r>
-            <a:r>
-              <a:rPr lang="en-US" dirty="0" err="1" smtClean="0">
-                <a:latin typeface="Tahoma" panose="020B0604030504040204" pitchFamily="34" charset="0"/>
-                <a:ea typeface="Tahoma" panose="020B0604030504040204" pitchFamily="34" charset="0"/>
-                <a:cs typeface="Tahoma" panose="020B0604030504040204" pitchFamily="34" charset="0"/>
-              </a:rPr>
-              <a:t>src</a:t>
-            </a:r>
-            <a:r>
-              <a:rPr lang="en-US" dirty="0" smtClean="0">
-                <a:latin typeface="Tahoma" panose="020B0604030504040204" pitchFamily="34" charset="0"/>
-                <a:ea typeface="Tahoma" panose="020B0604030504040204" pitchFamily="34" charset="0"/>
-                <a:cs typeface="Tahoma" panose="020B0604030504040204" pitchFamily="34" charset="0"/>
-              </a:rPr>
-              <a:t> folder</a:t>
-            </a:r>
-          </a:p>
-          <a:p>
-            <a:pPr>
-              <a:buFont typeface="Wingdings" panose="05000000000000000000" pitchFamily="2" charset="2"/>
-              <a:buChar char="ü"/>
-            </a:pPr>
-            <a:r>
-              <a:rPr lang="en-US" dirty="0">
-                <a:latin typeface="Tahoma" panose="020B0604030504040204" pitchFamily="34" charset="0"/>
-                <a:ea typeface="Tahoma" panose="020B0604030504040204" pitchFamily="34" charset="0"/>
-                <a:cs typeface="Tahoma" panose="020B0604030504040204" pitchFamily="34" charset="0"/>
-              </a:rPr>
-              <a:t>Create output </a:t>
-            </a:r>
-            <a:r>
-              <a:rPr lang="en-US" dirty="0" smtClean="0">
-                <a:latin typeface="Tahoma" panose="020B0604030504040204" pitchFamily="34" charset="0"/>
-                <a:ea typeface="Tahoma" panose="020B0604030504040204" pitchFamily="34" charset="0"/>
-                <a:cs typeface="Tahoma" panose="020B0604030504040204" pitchFamily="34" charset="0"/>
-              </a:rPr>
-              <a:t>folder</a:t>
-            </a:r>
-          </a:p>
-          <a:p>
-            <a:pPr>
-              <a:buFont typeface="Wingdings" panose="05000000000000000000" pitchFamily="2" charset="2"/>
-              <a:buChar char="ü"/>
-            </a:pPr>
-            <a:r>
-              <a:rPr lang="en-US" dirty="0" smtClean="0">
-                <a:latin typeface="Tahoma" panose="020B0604030504040204" pitchFamily="34" charset="0"/>
-                <a:ea typeface="Tahoma" panose="020B0604030504040204" pitchFamily="34" charset="0"/>
-                <a:cs typeface="Tahoma" panose="020B0604030504040204" pitchFamily="34" charset="0"/>
-              </a:rPr>
-              <a:t>Modify in </a:t>
-            </a:r>
-            <a:r>
-              <a:rPr lang="en-US" dirty="0" err="1" smtClean="0">
-                <a:latin typeface="Tahoma" panose="020B0604030504040204" pitchFamily="34" charset="0"/>
-                <a:ea typeface="Tahoma" panose="020B0604030504040204" pitchFamily="34" charset="0"/>
-                <a:cs typeface="Tahoma" panose="020B0604030504040204" pitchFamily="34" charset="0"/>
-              </a:rPr>
-              <a:t>tsconfig.json</a:t>
-            </a:r>
-            <a:r>
-              <a:rPr lang="en-US" dirty="0" smtClean="0">
-                <a:latin typeface="Tahoma" panose="020B0604030504040204" pitchFamily="34" charset="0"/>
-                <a:ea typeface="Tahoma" panose="020B0604030504040204" pitchFamily="34" charset="0"/>
-                <a:cs typeface="Tahoma" panose="020B0604030504040204" pitchFamily="34" charset="0"/>
-              </a:rPr>
-              <a:t> file</a:t>
-            </a:r>
-          </a:p>
-          <a:p>
-            <a:pPr marL="0" indent="0">
-              <a:buNone/>
-            </a:pPr>
-            <a:r>
-              <a:rPr lang="en-US" dirty="0">
-                <a:latin typeface="Tahoma" panose="020B0604030504040204" pitchFamily="34" charset="0"/>
-                <a:ea typeface="Tahoma" panose="020B0604030504040204" pitchFamily="34" charset="0"/>
-                <a:cs typeface="Tahoma" panose="020B0604030504040204" pitchFamily="34" charset="0"/>
-              </a:rPr>
-              <a:t>	</a:t>
-            </a:r>
-            <a:r>
-              <a:rPr lang="en-US" dirty="0" smtClean="0">
-                <a:latin typeface="Tahoma" panose="020B0604030504040204" pitchFamily="34" charset="0"/>
-                <a:ea typeface="Tahoma" panose="020B0604030504040204" pitchFamily="34" charset="0"/>
-                <a:cs typeface="Tahoma" panose="020B0604030504040204" pitchFamily="34" charset="0"/>
-              </a:rPr>
-              <a:t>“</a:t>
-            </a:r>
-            <a:r>
-              <a:rPr lang="en-US" dirty="0" err="1" smtClean="0">
-                <a:latin typeface="Tahoma" panose="020B0604030504040204" pitchFamily="34" charset="0"/>
-                <a:ea typeface="Tahoma" panose="020B0604030504040204" pitchFamily="34" charset="0"/>
-                <a:cs typeface="Tahoma" panose="020B0604030504040204" pitchFamily="34" charset="0"/>
-              </a:rPr>
-              <a:t>outDir</a:t>
-            </a:r>
-            <a:r>
-              <a:rPr lang="en-US" dirty="0" smtClean="0">
-                <a:latin typeface="Tahoma" panose="020B0604030504040204" pitchFamily="34" charset="0"/>
-                <a:ea typeface="Tahoma" panose="020B0604030504040204" pitchFamily="34" charset="0"/>
-                <a:cs typeface="Tahoma" panose="020B0604030504040204" pitchFamily="34" charset="0"/>
-              </a:rPr>
-              <a:t>” : “./output”</a:t>
-            </a:r>
-          </a:p>
-          <a:p>
-            <a:pPr marL="0" indent="0">
-              <a:buNone/>
-            </a:pPr>
-            <a:r>
-              <a:rPr lang="en-US" dirty="0">
-                <a:latin typeface="Tahoma" panose="020B0604030504040204" pitchFamily="34" charset="0"/>
-                <a:ea typeface="Tahoma" panose="020B0604030504040204" pitchFamily="34" charset="0"/>
-                <a:cs typeface="Tahoma" panose="020B0604030504040204" pitchFamily="34" charset="0"/>
-              </a:rPr>
-              <a:t>	</a:t>
-            </a:r>
-            <a:r>
-              <a:rPr lang="en-US" dirty="0" smtClean="0">
-                <a:latin typeface="Tahoma" panose="020B0604030504040204" pitchFamily="34" charset="0"/>
-                <a:ea typeface="Tahoma" panose="020B0604030504040204" pitchFamily="34" charset="0"/>
-                <a:cs typeface="Tahoma" panose="020B0604030504040204" pitchFamily="34" charset="0"/>
-              </a:rPr>
-              <a:t>“</a:t>
-            </a:r>
-            <a:r>
-              <a:rPr lang="en-US" dirty="0" err="1" smtClean="0">
-                <a:latin typeface="Tahoma" panose="020B0604030504040204" pitchFamily="34" charset="0"/>
-                <a:ea typeface="Tahoma" panose="020B0604030504040204" pitchFamily="34" charset="0"/>
-                <a:cs typeface="Tahoma" panose="020B0604030504040204" pitchFamily="34" charset="0"/>
-              </a:rPr>
-              <a:t>rootDir</a:t>
-            </a:r>
-            <a:r>
-              <a:rPr lang="en-US" dirty="0" smtClean="0">
-                <a:latin typeface="Tahoma" panose="020B0604030504040204" pitchFamily="34" charset="0"/>
-                <a:ea typeface="Tahoma" panose="020B0604030504040204" pitchFamily="34" charset="0"/>
-                <a:cs typeface="Tahoma" panose="020B0604030504040204" pitchFamily="34" charset="0"/>
-              </a:rPr>
-              <a:t>” : “./</a:t>
-            </a:r>
-            <a:r>
-              <a:rPr lang="en-US" dirty="0" err="1" smtClean="0">
-                <a:latin typeface="Tahoma" panose="020B0604030504040204" pitchFamily="34" charset="0"/>
-                <a:ea typeface="Tahoma" panose="020B0604030504040204" pitchFamily="34" charset="0"/>
-                <a:cs typeface="Tahoma" panose="020B0604030504040204" pitchFamily="34" charset="0"/>
-              </a:rPr>
-              <a:t>src</a:t>
-            </a:r>
-            <a:r>
-              <a:rPr lang="en-US" dirty="0" smtClean="0">
-                <a:latin typeface="Tahoma" panose="020B0604030504040204" pitchFamily="34" charset="0"/>
-                <a:ea typeface="Tahoma" panose="020B0604030504040204" pitchFamily="34" charset="0"/>
-                <a:cs typeface="Tahoma" panose="020B0604030504040204" pitchFamily="34" charset="0"/>
-              </a:rPr>
-              <a:t>”</a:t>
-            </a:r>
-          </a:p>
-          <a:p>
-            <a:pPr>
-              <a:buFont typeface="Wingdings" panose="05000000000000000000" pitchFamily="2" charset="2"/>
-              <a:buChar char="ü"/>
-            </a:pPr>
-            <a:r>
-              <a:rPr lang="en-US" dirty="0" smtClean="0">
-                <a:latin typeface="Tahoma" panose="020B0604030504040204" pitchFamily="34" charset="0"/>
-                <a:ea typeface="Tahoma" panose="020B0604030504040204" pitchFamily="34" charset="0"/>
-                <a:cs typeface="Tahoma" panose="020B0604030504040204" pitchFamily="34" charset="0"/>
-              </a:rPr>
-              <a:t>Create index.js file under </a:t>
-            </a:r>
-            <a:r>
-              <a:rPr lang="en-US" dirty="0" err="1" smtClean="0">
-                <a:latin typeface="Tahoma" panose="020B0604030504040204" pitchFamily="34" charset="0"/>
-                <a:ea typeface="Tahoma" panose="020B0604030504040204" pitchFamily="34" charset="0"/>
-                <a:cs typeface="Tahoma" panose="020B0604030504040204" pitchFamily="34" charset="0"/>
-              </a:rPr>
-              <a:t>src</a:t>
-            </a:r>
-            <a:r>
-              <a:rPr lang="en-US" dirty="0" smtClean="0">
-                <a:latin typeface="Tahoma" panose="020B0604030504040204" pitchFamily="34" charset="0"/>
-                <a:ea typeface="Tahoma" panose="020B0604030504040204" pitchFamily="34" charset="0"/>
-                <a:cs typeface="Tahoma" panose="020B0604030504040204" pitchFamily="34" charset="0"/>
-              </a:rPr>
-              <a:t> folder</a:t>
-            </a:r>
-          </a:p>
-          <a:p>
-            <a:pPr>
-              <a:buFont typeface="Wingdings" panose="05000000000000000000" pitchFamily="2" charset="2"/>
-              <a:buChar char="ü"/>
-            </a:pPr>
-            <a:r>
-              <a:rPr lang="en-US" dirty="0" smtClean="0">
-                <a:latin typeface="Tahoma" panose="020B0604030504040204" pitchFamily="34" charset="0"/>
-                <a:ea typeface="Tahoma" panose="020B0604030504040204" pitchFamily="34" charset="0"/>
-                <a:cs typeface="Tahoma" panose="020B0604030504040204" pitchFamily="34" charset="0"/>
-              </a:rPr>
-              <a:t>Add below line in scripts section of </a:t>
-            </a:r>
-            <a:r>
-              <a:rPr lang="en-US" dirty="0" err="1" smtClean="0">
-                <a:latin typeface="Tahoma" panose="020B0604030504040204" pitchFamily="34" charset="0"/>
-                <a:ea typeface="Tahoma" panose="020B0604030504040204" pitchFamily="34" charset="0"/>
-                <a:cs typeface="Tahoma" panose="020B0604030504040204" pitchFamily="34" charset="0"/>
-              </a:rPr>
-              <a:t>package.json</a:t>
-            </a:r>
-            <a:endParaRPr lang="en-US" dirty="0" smtClean="0">
-              <a:latin typeface="Tahoma" panose="020B0604030504040204" pitchFamily="34" charset="0"/>
-              <a:ea typeface="Tahoma" panose="020B0604030504040204" pitchFamily="34" charset="0"/>
-              <a:cs typeface="Tahoma" panose="020B0604030504040204" pitchFamily="34" charset="0"/>
-            </a:endParaRPr>
-          </a:p>
-          <a:p>
-            <a:pPr marL="0" indent="0">
-              <a:buNone/>
-            </a:pPr>
-            <a:r>
-              <a:rPr lang="en-US" dirty="0">
-                <a:latin typeface="Tahoma" panose="020B0604030504040204" pitchFamily="34" charset="0"/>
-                <a:ea typeface="Tahoma" panose="020B0604030504040204" pitchFamily="34" charset="0"/>
-                <a:cs typeface="Tahoma" panose="020B0604030504040204" pitchFamily="34" charset="0"/>
-              </a:rPr>
-              <a:t>	</a:t>
-            </a:r>
-            <a:r>
-              <a:rPr lang="en-US" dirty="0" smtClean="0">
-                <a:latin typeface="Tahoma" panose="020B0604030504040204" pitchFamily="34" charset="0"/>
-                <a:ea typeface="Tahoma" panose="020B0604030504040204" pitchFamily="34" charset="0"/>
-                <a:cs typeface="Tahoma" panose="020B0604030504040204" pitchFamily="34" charset="0"/>
-              </a:rPr>
-              <a:t>“start” : “</a:t>
-            </a:r>
-            <a:r>
-              <a:rPr lang="en-US" dirty="0" err="1" smtClean="0">
-                <a:latin typeface="Tahoma" panose="020B0604030504040204" pitchFamily="34" charset="0"/>
-                <a:ea typeface="Tahoma" panose="020B0604030504040204" pitchFamily="34" charset="0"/>
-                <a:cs typeface="Tahoma" panose="020B0604030504040204" pitchFamily="34" charset="0"/>
-              </a:rPr>
-              <a:t>tsc</a:t>
-            </a:r>
-            <a:r>
-              <a:rPr lang="en-US" dirty="0" smtClean="0">
-                <a:latin typeface="Tahoma" panose="020B0604030504040204" pitchFamily="34" charset="0"/>
-                <a:ea typeface="Tahoma" panose="020B0604030504040204" pitchFamily="34" charset="0"/>
-                <a:cs typeface="Tahoma" panose="020B0604030504040204" pitchFamily="34" charset="0"/>
-              </a:rPr>
-              <a:t> &amp;&amp; node output/index.js”</a:t>
-            </a:r>
-          </a:p>
-          <a:p>
-            <a:pPr marL="0" indent="0">
-              <a:buNone/>
-            </a:pPr>
-            <a:r>
-              <a:rPr lang="en-US" dirty="0" smtClean="0">
-                <a:latin typeface="Tahoma" panose="020B0604030504040204" pitchFamily="34" charset="0"/>
-                <a:ea typeface="Tahoma" panose="020B0604030504040204" pitchFamily="34" charset="0"/>
-                <a:cs typeface="Tahoma" panose="020B0604030504040204" pitchFamily="34" charset="0"/>
-              </a:rPr>
-              <a:t>Type </a:t>
-            </a:r>
-            <a:r>
-              <a:rPr lang="en-US" dirty="0" err="1" smtClean="0">
-                <a:latin typeface="Tahoma" panose="020B0604030504040204" pitchFamily="34" charset="0"/>
-                <a:ea typeface="Tahoma" panose="020B0604030504040204" pitchFamily="34" charset="0"/>
-                <a:cs typeface="Tahoma" panose="020B0604030504040204" pitchFamily="34" charset="0"/>
-              </a:rPr>
-              <a:t>npm</a:t>
-            </a:r>
-            <a:r>
-              <a:rPr lang="en-US" dirty="0" smtClean="0">
-                <a:latin typeface="Tahoma" panose="020B0604030504040204" pitchFamily="34" charset="0"/>
-                <a:ea typeface="Tahoma" panose="020B0604030504040204" pitchFamily="34" charset="0"/>
-                <a:cs typeface="Tahoma" panose="020B0604030504040204" pitchFamily="34" charset="0"/>
-              </a:rPr>
-              <a:t> start</a:t>
-            </a:r>
-          </a:p>
-        </p:txBody>
-      </p:sp>
-      <p:sp>
-        <p:nvSpPr>
-          <p:cNvPr id="4" name="TextBox 3"/>
-          <p:cNvSpPr txBox="1"/>
-          <p:nvPr/>
-        </p:nvSpPr>
-        <p:spPr>
-          <a:xfrm>
-            <a:off x="10522588" y="122129"/>
-            <a:ext cx="1471878" cy="369332"/>
-          </a:xfrm>
-          <a:prstGeom prst="rect">
-            <a:avLst/>
-          </a:prstGeom>
-          <a:noFill/>
-        </p:spPr>
-        <p:txBody>
-          <a:bodyPr wrap="none" rtlCol="0">
-            <a:spAutoFit/>
-          </a:bodyPr>
-          <a:lstStyle/>
-          <a:p>
-            <a:r>
-              <a:rPr lang="en-US" dirty="0" smtClean="0">
-                <a:solidFill>
-                  <a:schemeClr val="accent4">
-                    <a:lumMod val="60000"/>
-                    <a:lumOff val="40000"/>
-                  </a:schemeClr>
-                </a:solidFill>
-                <a:latin typeface="Berlin Sans FB" panose="020E0602020502020306" pitchFamily="34" charset="0"/>
-              </a:rPr>
-              <a:t>Thet </a:t>
-            </a:r>
-            <a:r>
-              <a:rPr lang="en-US" dirty="0" err="1" smtClean="0">
-                <a:solidFill>
-                  <a:schemeClr val="accent4">
-                    <a:lumMod val="60000"/>
-                    <a:lumOff val="40000"/>
-                  </a:schemeClr>
-                </a:solidFill>
-                <a:latin typeface="Berlin Sans FB" panose="020E0602020502020306" pitchFamily="34" charset="0"/>
-              </a:rPr>
-              <a:t>Lwin</a:t>
-            </a:r>
-            <a:r>
-              <a:rPr lang="en-US" dirty="0" smtClean="0">
-                <a:solidFill>
-                  <a:schemeClr val="accent4">
-                    <a:lumMod val="60000"/>
-                    <a:lumOff val="40000"/>
-                  </a:schemeClr>
-                </a:solidFill>
-                <a:latin typeface="Berlin Sans FB" panose="020E0602020502020306" pitchFamily="34" charset="0"/>
-              </a:rPr>
-              <a:t> </a:t>
-            </a:r>
-            <a:r>
-              <a:rPr lang="en-US" dirty="0" err="1" smtClean="0">
-                <a:solidFill>
-                  <a:schemeClr val="accent4">
-                    <a:lumMod val="60000"/>
-                    <a:lumOff val="40000"/>
-                  </a:schemeClr>
-                </a:solidFill>
-                <a:latin typeface="Berlin Sans FB" panose="020E0602020502020306" pitchFamily="34" charset="0"/>
-              </a:rPr>
-              <a:t>Oo</a:t>
-            </a:r>
-            <a:endParaRPr lang="en-US" dirty="0">
-              <a:solidFill>
-                <a:schemeClr val="accent4">
-                  <a:lumMod val="60000"/>
-                  <a:lumOff val="40000"/>
-                </a:schemeClr>
-              </a:solidFill>
-              <a:latin typeface="Berlin Sans FB" panose="020E0602020502020306" pitchFamily="34" charset="0"/>
-            </a:endParaRPr>
-          </a:p>
-        </p:txBody>
-      </p:sp>
-    </p:spTree>
-    <p:extLst>
-      <p:ext uri="{BB962C8B-B14F-4D97-AF65-F5344CB8AC3E}">
-        <p14:creationId xmlns:p14="http://schemas.microsoft.com/office/powerpoint/2010/main" val="720770223"/>
-      </p:ext>
-    </p:extLst>
-  </p:cSld>
-  <p:clrMapOvr>
-    <a:masterClrMapping/>
-  </p:clrMapOvr>
-  <p:timing>
-    <p:tnLst>
-      <p:par>
-        <p:cTn id="1" dur="indefinite" restart="never" nodeType="tmRoot"/>
-      </p:par>
-    </p:tnLst>
-  </p:timing>
-</p:sld>
-</file>
-
-<file path=ppt/slides/slide25.xml><?xml version="1.0" encoding="utf-8"?>
-<p:sld xmlns:a="http://schemas.openxmlformats.org/drawingml/2006/main" xmlns:r="http://schemas.openxmlformats.org/officeDocument/2006/relationships" xmlns:p="http://schemas.openxmlformats.org/presentationml/2006/main">
-  <p:cSld>
-    <p:spTree>
-      <p:nvGrpSpPr>
-        <p:cNvPr id="1" name=""/>
-        <p:cNvGrpSpPr/>
-        <p:nvPr/>
-      </p:nvGrpSpPr>
-      <p:grpSpPr>
-        <a:xfrm>
-          <a:off x="0" y="0"/>
-          <a:ext cx="0" cy="0"/>
-          <a:chOff x="0" y="0"/>
-          <a:chExt cx="0" cy="0"/>
-        </a:xfrm>
-      </p:grpSpPr>
-      <p:sp>
-        <p:nvSpPr>
-          <p:cNvPr id="2" name="Title 1">
-            <a:extLst>
-              <a:ext uri="{FF2B5EF4-FFF2-40B4-BE49-F238E27FC236}">
-                <a16:creationId xmlns:a16="http://schemas.microsoft.com/office/drawing/2014/main" xmlns="" id="{34DB6CE4-2B13-4715-B5B2-615A55922CA1}"/>
-              </a:ext>
-            </a:extLst>
-          </p:cNvPr>
-          <p:cNvSpPr>
-            <a:spLocks noGrp="1"/>
-          </p:cNvSpPr>
-          <p:nvPr>
-            <p:ph type="title"/>
-          </p:nvPr>
-        </p:nvSpPr>
-        <p:spPr>
-          <a:xfrm>
-            <a:off x="1141412" y="122129"/>
-            <a:ext cx="9905998" cy="1027402"/>
-          </a:xfrm>
-        </p:spPr>
-        <p:txBody>
-          <a:bodyPr>
-            <a:normAutofit/>
-          </a:bodyPr>
-          <a:lstStyle/>
-          <a:p>
-            <a:r>
-              <a:rPr lang="en-US" dirty="0" smtClean="0">
-                <a:latin typeface="Rockwell" panose="02060603020205020403" pitchFamily="18" charset="0"/>
-              </a:rPr>
-              <a:t>Installing </a:t>
-            </a:r>
-            <a:r>
-              <a:rPr lang="en-US" dirty="0" err="1" smtClean="0">
-                <a:latin typeface="Rockwell" panose="02060603020205020403" pitchFamily="18" charset="0"/>
-              </a:rPr>
-              <a:t>dependecies</a:t>
-            </a:r>
-            <a:endParaRPr lang="en-US" sz="4400" dirty="0">
-              <a:latin typeface="Rockwell" panose="02060603020205020403" pitchFamily="18" charset="0"/>
-            </a:endParaRPr>
-          </a:p>
-        </p:txBody>
-      </p:sp>
-      <p:sp>
-        <p:nvSpPr>
-          <p:cNvPr id="3" name="Content Placeholder 2">
-            <a:extLst>
-              <a:ext uri="{FF2B5EF4-FFF2-40B4-BE49-F238E27FC236}">
-                <a16:creationId xmlns:a16="http://schemas.microsoft.com/office/drawing/2014/main" xmlns="" id="{143F5361-68C0-4BF5-80C8-F1E7BF92B2DB}"/>
-              </a:ext>
-            </a:extLst>
-          </p:cNvPr>
-          <p:cNvSpPr>
-            <a:spLocks noGrp="1"/>
-          </p:cNvSpPr>
-          <p:nvPr>
-            <p:ph idx="1"/>
-          </p:nvPr>
-        </p:nvSpPr>
-        <p:spPr>
-          <a:xfrm>
-            <a:off x="1141412" y="1280160"/>
-            <a:ext cx="10419217" cy="4898571"/>
-          </a:xfrm>
-        </p:spPr>
-        <p:txBody>
-          <a:bodyPr>
-            <a:normAutofit/>
-          </a:bodyPr>
-          <a:lstStyle/>
-          <a:p>
-            <a:pPr>
-              <a:buFont typeface="Wingdings" panose="05000000000000000000" pitchFamily="2" charset="2"/>
-              <a:buChar char="ü"/>
-            </a:pPr>
-            <a:r>
-              <a:rPr lang="en-US" dirty="0" smtClean="0">
-                <a:latin typeface="Tahoma" panose="020B0604030504040204" pitchFamily="34" charset="0"/>
-                <a:ea typeface="Tahoma" panose="020B0604030504040204" pitchFamily="34" charset="0"/>
-                <a:cs typeface="Tahoma" panose="020B0604030504040204" pitchFamily="34" charset="0"/>
-              </a:rPr>
-              <a:t>To install request &amp; </a:t>
-            </a:r>
-            <a:r>
-              <a:rPr lang="en-US" dirty="0" err="1" smtClean="0">
-                <a:latin typeface="Tahoma" panose="020B0604030504040204" pitchFamily="34" charset="0"/>
-                <a:ea typeface="Tahoma" panose="020B0604030504040204" pitchFamily="34" charset="0"/>
-                <a:cs typeface="Tahoma" panose="020B0604030504040204" pitchFamily="34" charset="0"/>
-              </a:rPr>
-              <a:t>lodash</a:t>
-            </a:r>
-            <a:r>
-              <a:rPr lang="en-US" dirty="0" smtClean="0">
-                <a:latin typeface="Tahoma" panose="020B0604030504040204" pitchFamily="34" charset="0"/>
-                <a:ea typeface="Tahoma" panose="020B0604030504040204" pitchFamily="34" charset="0"/>
-                <a:cs typeface="Tahoma" panose="020B0604030504040204" pitchFamily="34" charset="0"/>
-              </a:rPr>
-              <a:t> libraries</a:t>
-            </a:r>
-          </a:p>
-          <a:p>
-            <a:pPr marL="0" indent="0">
-              <a:buNone/>
-            </a:pPr>
-            <a:r>
-              <a:rPr lang="en-US" dirty="0" smtClean="0">
-                <a:latin typeface="Tahoma" panose="020B0604030504040204" pitchFamily="34" charset="0"/>
-                <a:ea typeface="Tahoma" panose="020B0604030504040204" pitchFamily="34" charset="0"/>
-                <a:cs typeface="Tahoma" panose="020B0604030504040204" pitchFamily="34" charset="0"/>
-              </a:rPr>
-              <a:t>	- </a:t>
-            </a:r>
-            <a:r>
-              <a:rPr lang="en-US" dirty="0" err="1" smtClean="0">
-                <a:latin typeface="Tahoma" panose="020B0604030504040204" pitchFamily="34" charset="0"/>
-                <a:ea typeface="Tahoma" panose="020B0604030504040204" pitchFamily="34" charset="0"/>
-                <a:cs typeface="Tahoma" panose="020B0604030504040204" pitchFamily="34" charset="0"/>
-              </a:rPr>
-              <a:t>npm</a:t>
-            </a:r>
-            <a:r>
-              <a:rPr lang="en-US" dirty="0" smtClean="0">
-                <a:latin typeface="Tahoma" panose="020B0604030504040204" pitchFamily="34" charset="0"/>
-                <a:ea typeface="Tahoma" panose="020B0604030504040204" pitchFamily="34" charset="0"/>
-                <a:cs typeface="Tahoma" panose="020B0604030504040204" pitchFamily="34" charset="0"/>
-              </a:rPr>
-              <a:t> install request </a:t>
-            </a:r>
-            <a:r>
-              <a:rPr lang="en-US" dirty="0" err="1" smtClean="0">
-                <a:latin typeface="Tahoma" panose="020B0604030504040204" pitchFamily="34" charset="0"/>
-                <a:ea typeface="Tahoma" panose="020B0604030504040204" pitchFamily="34" charset="0"/>
-                <a:cs typeface="Tahoma" panose="020B0604030504040204" pitchFamily="34" charset="0"/>
-              </a:rPr>
-              <a:t>lodash</a:t>
-            </a:r>
-            <a:r>
-              <a:rPr lang="en-US" dirty="0" smtClean="0">
-                <a:latin typeface="Tahoma" panose="020B0604030504040204" pitchFamily="34" charset="0"/>
-                <a:ea typeface="Tahoma" panose="020B0604030504040204" pitchFamily="34" charset="0"/>
-                <a:cs typeface="Tahoma" panose="020B0604030504040204" pitchFamily="34" charset="0"/>
-              </a:rPr>
-              <a:t> --save</a:t>
-            </a:r>
-          </a:p>
-          <a:p>
-            <a:pPr>
-              <a:buFont typeface="Wingdings" panose="05000000000000000000" pitchFamily="2" charset="2"/>
-              <a:buChar char="ü"/>
-            </a:pPr>
-            <a:r>
-              <a:rPr lang="en-US" dirty="0" smtClean="0">
-                <a:latin typeface="Tahoma" panose="020B0604030504040204" pitchFamily="34" charset="0"/>
-                <a:ea typeface="Tahoma" panose="020B0604030504040204" pitchFamily="34" charset="0"/>
-                <a:cs typeface="Tahoma" panose="020B0604030504040204" pitchFamily="34" charset="0"/>
-              </a:rPr>
-              <a:t>To install request &amp; </a:t>
-            </a:r>
-            <a:r>
-              <a:rPr lang="en-US" dirty="0" err="1" smtClean="0">
-                <a:latin typeface="Tahoma" panose="020B0604030504040204" pitchFamily="34" charset="0"/>
-                <a:ea typeface="Tahoma" panose="020B0604030504040204" pitchFamily="34" charset="0"/>
-                <a:cs typeface="Tahoma" panose="020B0604030504040204" pitchFamily="34" charset="0"/>
-              </a:rPr>
-              <a:t>lodash</a:t>
-            </a:r>
-            <a:r>
-              <a:rPr lang="en-US" dirty="0" smtClean="0">
-                <a:latin typeface="Tahoma" panose="020B0604030504040204" pitchFamily="34" charset="0"/>
-                <a:ea typeface="Tahoma" panose="020B0604030504040204" pitchFamily="34" charset="0"/>
-                <a:cs typeface="Tahoma" panose="020B0604030504040204" pitchFamily="34" charset="0"/>
-              </a:rPr>
-              <a:t> type definitions</a:t>
-            </a:r>
-          </a:p>
-          <a:p>
-            <a:pPr marL="0" indent="0">
-              <a:buNone/>
-            </a:pPr>
-            <a:r>
-              <a:rPr lang="en-US" dirty="0">
-                <a:latin typeface="Tahoma" panose="020B0604030504040204" pitchFamily="34" charset="0"/>
-                <a:ea typeface="Tahoma" panose="020B0604030504040204" pitchFamily="34" charset="0"/>
-                <a:cs typeface="Tahoma" panose="020B0604030504040204" pitchFamily="34" charset="0"/>
-              </a:rPr>
-              <a:t>	</a:t>
-            </a:r>
-            <a:r>
-              <a:rPr lang="en-US" dirty="0" smtClean="0">
-                <a:latin typeface="Tahoma" panose="020B0604030504040204" pitchFamily="34" charset="0"/>
-                <a:ea typeface="Tahoma" panose="020B0604030504040204" pitchFamily="34" charset="0"/>
-                <a:cs typeface="Tahoma" panose="020B0604030504040204" pitchFamily="34" charset="0"/>
-              </a:rPr>
-              <a:t>- </a:t>
-            </a:r>
-            <a:r>
-              <a:rPr lang="en-US" dirty="0" err="1" smtClean="0">
-                <a:latin typeface="Tahoma" panose="020B0604030504040204" pitchFamily="34" charset="0"/>
-                <a:ea typeface="Tahoma" panose="020B0604030504040204" pitchFamily="34" charset="0"/>
-                <a:cs typeface="Tahoma" panose="020B0604030504040204" pitchFamily="34" charset="0"/>
-              </a:rPr>
-              <a:t>npm</a:t>
-            </a:r>
-            <a:r>
-              <a:rPr lang="en-US" dirty="0" smtClean="0">
-                <a:latin typeface="Tahoma" panose="020B0604030504040204" pitchFamily="34" charset="0"/>
-                <a:ea typeface="Tahoma" panose="020B0604030504040204" pitchFamily="34" charset="0"/>
-                <a:cs typeface="Tahoma" panose="020B0604030504040204" pitchFamily="34" charset="0"/>
-              </a:rPr>
-              <a:t> install @types/</a:t>
-            </a:r>
-            <a:r>
-              <a:rPr lang="en-US" dirty="0" err="1" smtClean="0">
-                <a:latin typeface="Tahoma" panose="020B0604030504040204" pitchFamily="34" charset="0"/>
-                <a:ea typeface="Tahoma" panose="020B0604030504040204" pitchFamily="34" charset="0"/>
-                <a:cs typeface="Tahoma" panose="020B0604030504040204" pitchFamily="34" charset="0"/>
-              </a:rPr>
-              <a:t>lodash</a:t>
-            </a:r>
-            <a:r>
-              <a:rPr lang="en-US" dirty="0" smtClean="0">
-                <a:latin typeface="Tahoma" panose="020B0604030504040204" pitchFamily="34" charset="0"/>
-                <a:ea typeface="Tahoma" panose="020B0604030504040204" pitchFamily="34" charset="0"/>
-                <a:cs typeface="Tahoma" panose="020B0604030504040204" pitchFamily="34" charset="0"/>
-              </a:rPr>
-              <a:t> @types/request --save –dev</a:t>
-            </a:r>
-          </a:p>
-          <a:p>
-            <a:pPr>
-              <a:buFont typeface="Wingdings" panose="05000000000000000000" pitchFamily="2" charset="2"/>
-              <a:buChar char="ü"/>
-            </a:pPr>
-            <a:r>
-              <a:rPr lang="en-US" dirty="0" smtClean="0">
-                <a:latin typeface="Tahoma" panose="020B0604030504040204" pitchFamily="34" charset="0"/>
-                <a:ea typeface="Tahoma" panose="020B0604030504040204" pitchFamily="34" charset="0"/>
-                <a:cs typeface="Tahoma" panose="020B0604030504040204" pitchFamily="34" charset="0"/>
-              </a:rPr>
-              <a:t>request library supports for calling </a:t>
-            </a:r>
-            <a:r>
-              <a:rPr lang="en-US" dirty="0" err="1" smtClean="0">
-                <a:latin typeface="Tahoma" panose="020B0604030504040204" pitchFamily="34" charset="0"/>
-                <a:ea typeface="Tahoma" panose="020B0604030504040204" pitchFamily="34" charset="0"/>
-                <a:cs typeface="Tahoma" panose="020B0604030504040204" pitchFamily="34" charset="0"/>
-              </a:rPr>
-              <a:t>api</a:t>
-            </a:r>
-            <a:r>
-              <a:rPr lang="en-US" dirty="0" smtClean="0">
-                <a:latin typeface="Tahoma" panose="020B0604030504040204" pitchFamily="34" charset="0"/>
-                <a:ea typeface="Tahoma" panose="020B0604030504040204" pitchFamily="34" charset="0"/>
-                <a:cs typeface="Tahoma" panose="020B0604030504040204" pitchFamily="34" charset="0"/>
-              </a:rPr>
-              <a:t> by HTTP request</a:t>
-            </a:r>
-          </a:p>
-          <a:p>
-            <a:pPr marL="0" indent="0">
-              <a:buNone/>
-            </a:pPr>
-            <a:endParaRPr lang="en-US" dirty="0" smtClean="0">
-              <a:latin typeface="Tahoma" panose="020B0604030504040204" pitchFamily="34" charset="0"/>
-              <a:ea typeface="Tahoma" panose="020B0604030504040204" pitchFamily="34" charset="0"/>
-              <a:cs typeface="Tahoma" panose="020B0604030504040204" pitchFamily="34" charset="0"/>
-            </a:endParaRPr>
-          </a:p>
-        </p:txBody>
-      </p:sp>
-      <p:sp>
-        <p:nvSpPr>
-          <p:cNvPr id="4" name="TextBox 3"/>
-          <p:cNvSpPr txBox="1"/>
-          <p:nvPr/>
-        </p:nvSpPr>
-        <p:spPr>
-          <a:xfrm>
-            <a:off x="10522588" y="122129"/>
-            <a:ext cx="1471878" cy="369332"/>
-          </a:xfrm>
-          <a:prstGeom prst="rect">
-            <a:avLst/>
-          </a:prstGeom>
-          <a:noFill/>
-        </p:spPr>
-        <p:txBody>
-          <a:bodyPr wrap="none" rtlCol="0">
-            <a:spAutoFit/>
-          </a:bodyPr>
-          <a:lstStyle/>
-          <a:p>
-            <a:r>
-              <a:rPr lang="en-US" dirty="0" smtClean="0">
-                <a:solidFill>
-                  <a:schemeClr val="accent4">
-                    <a:lumMod val="60000"/>
-                    <a:lumOff val="40000"/>
-                  </a:schemeClr>
-                </a:solidFill>
-                <a:latin typeface="Berlin Sans FB" panose="020E0602020502020306" pitchFamily="34" charset="0"/>
-              </a:rPr>
-              <a:t>Thet </a:t>
-            </a:r>
-            <a:r>
-              <a:rPr lang="en-US" dirty="0" err="1" smtClean="0">
-                <a:solidFill>
-                  <a:schemeClr val="accent4">
-                    <a:lumMod val="60000"/>
-                    <a:lumOff val="40000"/>
-                  </a:schemeClr>
-                </a:solidFill>
-                <a:latin typeface="Berlin Sans FB" panose="020E0602020502020306" pitchFamily="34" charset="0"/>
-              </a:rPr>
-              <a:t>Lwin</a:t>
-            </a:r>
-            <a:r>
-              <a:rPr lang="en-US" dirty="0" smtClean="0">
-                <a:solidFill>
-                  <a:schemeClr val="accent4">
-                    <a:lumMod val="60000"/>
-                    <a:lumOff val="40000"/>
-                  </a:schemeClr>
-                </a:solidFill>
-                <a:latin typeface="Berlin Sans FB" panose="020E0602020502020306" pitchFamily="34" charset="0"/>
-              </a:rPr>
-              <a:t> </a:t>
-            </a:r>
-            <a:r>
-              <a:rPr lang="en-US" dirty="0" err="1" smtClean="0">
-                <a:solidFill>
-                  <a:schemeClr val="accent4">
-                    <a:lumMod val="60000"/>
-                    <a:lumOff val="40000"/>
-                  </a:schemeClr>
-                </a:solidFill>
-                <a:latin typeface="Berlin Sans FB" panose="020E0602020502020306" pitchFamily="34" charset="0"/>
-              </a:rPr>
-              <a:t>Oo</a:t>
-            </a:r>
-            <a:endParaRPr lang="en-US" dirty="0">
-              <a:solidFill>
-                <a:schemeClr val="accent4">
-                  <a:lumMod val="60000"/>
-                  <a:lumOff val="40000"/>
-                </a:schemeClr>
-              </a:solidFill>
-              <a:latin typeface="Berlin Sans FB" panose="020E0602020502020306" pitchFamily="34" charset="0"/>
-            </a:endParaRPr>
-          </a:p>
-        </p:txBody>
-      </p:sp>
-    </p:spTree>
-    <p:extLst>
-      <p:ext uri="{BB962C8B-B14F-4D97-AF65-F5344CB8AC3E}">
-        <p14:creationId xmlns:p14="http://schemas.microsoft.com/office/powerpoint/2010/main" val="1057513935"/>
-      </p:ext>
-    </p:extLst>
-  </p:cSld>
-  <p:clrMapOvr>
-    <a:masterClrMapping/>
-  </p:clrMapOvr>
-  <p:timing>
-    <p:tnLst>
-      <p:par>
-        <p:cTn id="1" dur="indefinite" restart="never" nodeType="tmRoot"/>
-      </p:par>
-    </p:tnLst>
-  </p:timing>
-</p:sld>
-</file>
-
-<file path=ppt/slides/slide26.xml><?xml version="1.0" encoding="utf-8"?>
-<p:sld xmlns:a="http://schemas.openxmlformats.org/drawingml/2006/main" xmlns:r="http://schemas.openxmlformats.org/officeDocument/2006/relationships" xmlns:p="http://schemas.openxmlformats.org/presentationml/2006/main">
-  <p:cSld>
-    <p:spTree>
-      <p:nvGrpSpPr>
-        <p:cNvPr id="1" name=""/>
-        <p:cNvGrpSpPr/>
-        <p:nvPr/>
-      </p:nvGrpSpPr>
-      <p:grpSpPr>
-        <a:xfrm>
-          <a:off x="0" y="0"/>
-          <a:ext cx="0" cy="0"/>
-          <a:chOff x="0" y="0"/>
-          <a:chExt cx="0" cy="0"/>
-        </a:xfrm>
-      </p:grpSpPr>
-      <p:sp>
-        <p:nvSpPr>
-          <p:cNvPr id="2" name="Title 1">
-            <a:extLst>
-              <a:ext uri="{FF2B5EF4-FFF2-40B4-BE49-F238E27FC236}">
-                <a16:creationId xmlns:a16="http://schemas.microsoft.com/office/drawing/2014/main" xmlns="" id="{34DB6CE4-2B13-4715-B5B2-615A55922CA1}"/>
-              </a:ext>
-            </a:extLst>
-          </p:cNvPr>
-          <p:cNvSpPr>
-            <a:spLocks noGrp="1"/>
-          </p:cNvSpPr>
-          <p:nvPr>
-            <p:ph type="title"/>
-          </p:nvPr>
-        </p:nvSpPr>
-        <p:spPr>
-          <a:xfrm>
-            <a:off x="1141412" y="122129"/>
-            <a:ext cx="9905998" cy="1027402"/>
-          </a:xfrm>
-        </p:spPr>
-        <p:txBody>
-          <a:bodyPr>
-            <a:normAutofit/>
-          </a:bodyPr>
-          <a:lstStyle/>
-          <a:p>
-            <a:r>
-              <a:rPr lang="en-US" dirty="0" smtClean="0">
-                <a:latin typeface="Rockwell" panose="02060603020205020403" pitchFamily="18" charset="0"/>
-              </a:rPr>
-              <a:t>Calling </a:t>
-            </a:r>
-            <a:r>
-              <a:rPr lang="en-US" dirty="0" err="1" smtClean="0">
-                <a:latin typeface="Rockwell" panose="02060603020205020403" pitchFamily="18" charset="0"/>
-              </a:rPr>
-              <a:t>Api</a:t>
-            </a:r>
-            <a:r>
-              <a:rPr lang="en-US" dirty="0" smtClean="0">
-                <a:latin typeface="Rockwell" panose="02060603020205020403" pitchFamily="18" charset="0"/>
-              </a:rPr>
-              <a:t> using request lib</a:t>
-            </a:r>
-            <a:endParaRPr lang="en-US" sz="4400" dirty="0">
-              <a:latin typeface="Rockwell" panose="02060603020205020403" pitchFamily="18" charset="0"/>
-            </a:endParaRPr>
-          </a:p>
-        </p:txBody>
-      </p:sp>
-      <p:sp>
-        <p:nvSpPr>
-          <p:cNvPr id="4" name="TextBox 3"/>
-          <p:cNvSpPr txBox="1"/>
-          <p:nvPr/>
-        </p:nvSpPr>
-        <p:spPr>
-          <a:xfrm>
-            <a:off x="10522588" y="122129"/>
-            <a:ext cx="1471878" cy="369332"/>
-          </a:xfrm>
-          <a:prstGeom prst="rect">
-            <a:avLst/>
-          </a:prstGeom>
-          <a:noFill/>
-        </p:spPr>
-        <p:txBody>
-          <a:bodyPr wrap="none" rtlCol="0">
-            <a:spAutoFit/>
-          </a:bodyPr>
-          <a:lstStyle/>
-          <a:p>
-            <a:r>
-              <a:rPr lang="en-US" dirty="0" smtClean="0">
-                <a:solidFill>
-                  <a:schemeClr val="accent4">
-                    <a:lumMod val="60000"/>
-                    <a:lumOff val="40000"/>
-                  </a:schemeClr>
-                </a:solidFill>
-                <a:latin typeface="Berlin Sans FB" panose="020E0602020502020306" pitchFamily="34" charset="0"/>
-              </a:rPr>
-              <a:t>Thet </a:t>
-            </a:r>
-            <a:r>
-              <a:rPr lang="en-US" dirty="0" err="1" smtClean="0">
-                <a:solidFill>
-                  <a:schemeClr val="accent4">
-                    <a:lumMod val="60000"/>
-                    <a:lumOff val="40000"/>
-                  </a:schemeClr>
-                </a:solidFill>
-                <a:latin typeface="Berlin Sans FB" panose="020E0602020502020306" pitchFamily="34" charset="0"/>
-              </a:rPr>
-              <a:t>Lwin</a:t>
-            </a:r>
-            <a:r>
-              <a:rPr lang="en-US" dirty="0" smtClean="0">
-                <a:solidFill>
-                  <a:schemeClr val="accent4">
-                    <a:lumMod val="60000"/>
-                    <a:lumOff val="40000"/>
-                  </a:schemeClr>
-                </a:solidFill>
-                <a:latin typeface="Berlin Sans FB" panose="020E0602020502020306" pitchFamily="34" charset="0"/>
-              </a:rPr>
-              <a:t> </a:t>
-            </a:r>
-            <a:r>
-              <a:rPr lang="en-US" dirty="0" err="1" smtClean="0">
-                <a:solidFill>
-                  <a:schemeClr val="accent4">
-                    <a:lumMod val="60000"/>
-                    <a:lumOff val="40000"/>
-                  </a:schemeClr>
-                </a:solidFill>
-                <a:latin typeface="Berlin Sans FB" panose="020E0602020502020306" pitchFamily="34" charset="0"/>
-              </a:rPr>
-              <a:t>Oo</a:t>
-            </a:r>
-            <a:endParaRPr lang="en-US" dirty="0">
-              <a:solidFill>
-                <a:schemeClr val="accent4">
-                  <a:lumMod val="60000"/>
-                  <a:lumOff val="40000"/>
-                </a:schemeClr>
-              </a:solidFill>
-              <a:latin typeface="Berlin Sans FB" panose="020E0602020502020306" pitchFamily="34" charset="0"/>
-            </a:endParaRPr>
-          </a:p>
-        </p:txBody>
-      </p:sp>
-      <p:sp>
-        <p:nvSpPr>
-          <p:cNvPr id="6" name="TextBox 5"/>
-          <p:cNvSpPr txBox="1"/>
-          <p:nvPr/>
-        </p:nvSpPr>
-        <p:spPr>
-          <a:xfrm>
-            <a:off x="1141412" y="2129246"/>
-            <a:ext cx="8877799" cy="4524315"/>
-          </a:xfrm>
-          <a:prstGeom prst="rect">
-            <a:avLst/>
-          </a:prstGeom>
-          <a:noFill/>
-        </p:spPr>
-        <p:txBody>
-          <a:bodyPr wrap="square" rtlCol="0">
-            <a:spAutoFit/>
-          </a:bodyPr>
-          <a:lstStyle/>
-          <a:p>
-            <a:r>
-              <a:rPr lang="en-US" dirty="0"/>
-              <a:t>i</a:t>
-            </a:r>
-            <a:r>
-              <a:rPr lang="en-US" dirty="0" smtClean="0"/>
-              <a:t>mport * as request from ‘request’;</a:t>
-            </a:r>
-          </a:p>
-          <a:p>
-            <a:r>
-              <a:rPr lang="en-US" dirty="0" smtClean="0"/>
-              <a:t>class </a:t>
-            </a:r>
-            <a:r>
-              <a:rPr lang="en-US" dirty="0" err="1" smtClean="0"/>
-              <a:t>MyApiService</a:t>
-            </a:r>
-            <a:r>
-              <a:rPr lang="en-US" dirty="0" smtClean="0"/>
-              <a:t>{</a:t>
-            </a:r>
-          </a:p>
-          <a:p>
-            <a:r>
-              <a:rPr lang="en-US" dirty="0"/>
-              <a:t> </a:t>
-            </a:r>
-            <a:r>
-              <a:rPr lang="en-US" dirty="0" err="1" smtClean="0"/>
-              <a:t>getInfo</a:t>
-            </a:r>
-            <a:r>
-              <a:rPr lang="en-US" dirty="0" smtClean="0"/>
-              <a:t>()</a:t>
-            </a:r>
-          </a:p>
-          <a:p>
-            <a:r>
-              <a:rPr lang="en-US" dirty="0" smtClean="0"/>
-              <a:t> {</a:t>
-            </a:r>
-          </a:p>
-          <a:p>
-            <a:r>
-              <a:rPr lang="en-US" dirty="0" smtClean="0"/>
-              <a:t>	let options : any ={ headers : { ‘User-Agent’ : ‘request’}</a:t>
-            </a:r>
-          </a:p>
-          <a:p>
-            <a:r>
-              <a:rPr lang="en-US" dirty="0"/>
-              <a:t>	</a:t>
-            </a:r>
-            <a:r>
-              <a:rPr lang="en-US" dirty="0" smtClean="0"/>
-              <a:t>}</a:t>
-            </a:r>
-          </a:p>
-          <a:p>
-            <a:r>
-              <a:rPr lang="en-US" dirty="0"/>
-              <a:t>	</a:t>
-            </a:r>
-            <a:r>
-              <a:rPr lang="en-US" dirty="0" err="1" smtClean="0"/>
-              <a:t>request.get</a:t>
-            </a:r>
-            <a:r>
-              <a:rPr lang="en-US" dirty="0" smtClean="0"/>
-              <a:t>(‘https://yourapi.com/</a:t>
-            </a:r>
-            <a:r>
-              <a:rPr lang="en-US" dirty="0" err="1" smtClean="0"/>
-              <a:t>api_method’,options</a:t>
-            </a:r>
-            <a:r>
-              <a:rPr lang="en-US" dirty="0" smtClean="0"/>
-              <a:t>,</a:t>
-            </a:r>
-          </a:p>
-          <a:p>
-            <a:r>
-              <a:rPr lang="en-US" dirty="0" smtClean="0"/>
-              <a:t>		(error : any, response : any, body : any)=&gt;</a:t>
-            </a:r>
-          </a:p>
-          <a:p>
-            <a:r>
-              <a:rPr lang="en-US" dirty="0"/>
-              <a:t>	</a:t>
-            </a:r>
-            <a:r>
-              <a:rPr lang="en-US" dirty="0" smtClean="0"/>
-              <a:t>	{</a:t>
-            </a:r>
-          </a:p>
-          <a:p>
-            <a:r>
-              <a:rPr lang="en-US" dirty="0"/>
-              <a:t>	</a:t>
-            </a:r>
-            <a:r>
-              <a:rPr lang="en-US" dirty="0" smtClean="0"/>
-              <a:t>		console.log(error);</a:t>
-            </a:r>
-          </a:p>
-          <a:p>
-            <a:r>
-              <a:rPr lang="en-US" dirty="0" smtClean="0"/>
-              <a:t>			console.log(response);</a:t>
-            </a:r>
-          </a:p>
-          <a:p>
-            <a:r>
-              <a:rPr lang="en-US" dirty="0"/>
-              <a:t>	</a:t>
-            </a:r>
-            <a:r>
-              <a:rPr lang="en-US" dirty="0" smtClean="0"/>
-              <a:t>		console.log(body);</a:t>
-            </a:r>
-            <a:endParaRPr lang="en-US" dirty="0"/>
-          </a:p>
-          <a:p>
-            <a:r>
-              <a:rPr lang="en-US" dirty="0" smtClean="0"/>
-              <a:t>		}</a:t>
-            </a:r>
-            <a:endParaRPr lang="en-US" dirty="0"/>
-          </a:p>
-          <a:p>
-            <a:r>
-              <a:rPr lang="en-US" dirty="0" smtClean="0"/>
-              <a:t>	);</a:t>
-            </a:r>
-            <a:endParaRPr lang="en-US" dirty="0"/>
-          </a:p>
-          <a:p>
-            <a:r>
-              <a:rPr lang="en-US" dirty="0" smtClean="0"/>
-              <a:t> }</a:t>
-            </a:r>
-          </a:p>
-          <a:p>
-            <a:r>
-              <a:rPr lang="en-US" dirty="0"/>
-              <a:t>}</a:t>
-            </a:r>
-          </a:p>
-        </p:txBody>
-      </p:sp>
-    </p:spTree>
-    <p:extLst>
-      <p:ext uri="{BB962C8B-B14F-4D97-AF65-F5344CB8AC3E}">
-        <p14:creationId xmlns:p14="http://schemas.microsoft.com/office/powerpoint/2010/main" val="1900563924"/>
-      </p:ext>
-    </p:extLst>
-  </p:cSld>
-  <p:clrMapOvr>
-    <a:masterClrMapping/>
-  </p:clrMapOvr>
-  <p:timing>
-    <p:tnLst>
-      <p:par>
-        <p:cTn id="1" dur="indefinite" restart="never" nodeType="tmRoot"/>
-      </p:par>
-    </p:tnLst>
-  </p:timing>
-</p:sld>
-</file>
-
-<file path=ppt/slides/slide27.xml><?xml version="1.0" encoding="utf-8"?>
-<p:sld xmlns:a="http://schemas.openxmlformats.org/drawingml/2006/main" xmlns:r="http://schemas.openxmlformats.org/officeDocument/2006/relationships" xmlns:p="http://schemas.openxmlformats.org/presentationml/2006/main">
-  <p:cSld>
-    <p:spTree>
-      <p:nvGrpSpPr>
-        <p:cNvPr id="1" name=""/>
-        <p:cNvGrpSpPr/>
-        <p:nvPr/>
-      </p:nvGrpSpPr>
-      <p:grpSpPr>
-        <a:xfrm>
-          <a:off x="0" y="0"/>
-          <a:ext cx="0" cy="0"/>
-          <a:chOff x="0" y="0"/>
-          <a:chExt cx="0" cy="0"/>
-        </a:xfrm>
-      </p:grpSpPr>
-      <p:sp>
-        <p:nvSpPr>
-          <p:cNvPr id="2" name="Title 1">
-            <a:extLst>
-              <a:ext uri="{FF2B5EF4-FFF2-40B4-BE49-F238E27FC236}">
-                <a16:creationId xmlns:a16="http://schemas.microsoft.com/office/drawing/2014/main" xmlns="" id="{34DB6CE4-2B13-4715-B5B2-615A55922CA1}"/>
-              </a:ext>
-            </a:extLst>
-          </p:cNvPr>
-          <p:cNvSpPr>
-            <a:spLocks noGrp="1"/>
-          </p:cNvSpPr>
-          <p:nvPr>
-            <p:ph type="title"/>
-          </p:nvPr>
-        </p:nvSpPr>
-        <p:spPr>
-          <a:xfrm>
-            <a:off x="1141412" y="122129"/>
-            <a:ext cx="9905998" cy="1027402"/>
-          </a:xfrm>
-        </p:spPr>
-        <p:txBody>
-          <a:bodyPr>
-            <a:normAutofit/>
-          </a:bodyPr>
-          <a:lstStyle/>
-          <a:p>
-            <a:r>
-              <a:rPr lang="en-US" dirty="0" smtClean="0">
-                <a:latin typeface="Rockwell" panose="02060603020205020403" pitchFamily="18" charset="0"/>
-              </a:rPr>
-              <a:t>Using callback to handle response</a:t>
-            </a:r>
-            <a:endParaRPr lang="en-US" sz="4400" dirty="0">
-              <a:latin typeface="Rockwell" panose="02060603020205020403" pitchFamily="18" charset="0"/>
-            </a:endParaRPr>
-          </a:p>
-        </p:txBody>
-      </p:sp>
-      <p:sp>
-        <p:nvSpPr>
-          <p:cNvPr id="4" name="TextBox 3"/>
-          <p:cNvSpPr txBox="1"/>
-          <p:nvPr/>
-        </p:nvSpPr>
-        <p:spPr>
-          <a:xfrm>
-            <a:off x="10522588" y="122129"/>
-            <a:ext cx="1471878" cy="369332"/>
-          </a:xfrm>
-          <a:prstGeom prst="rect">
-            <a:avLst/>
-          </a:prstGeom>
-          <a:noFill/>
-        </p:spPr>
-        <p:txBody>
-          <a:bodyPr wrap="none" rtlCol="0">
-            <a:spAutoFit/>
-          </a:bodyPr>
-          <a:lstStyle/>
-          <a:p>
-            <a:r>
-              <a:rPr lang="en-US" dirty="0" smtClean="0">
-                <a:solidFill>
-                  <a:schemeClr val="accent4">
-                    <a:lumMod val="60000"/>
-                    <a:lumOff val="40000"/>
-                  </a:schemeClr>
-                </a:solidFill>
-                <a:latin typeface="Berlin Sans FB" panose="020E0602020502020306" pitchFamily="34" charset="0"/>
-              </a:rPr>
-              <a:t>Thet </a:t>
-            </a:r>
-            <a:r>
-              <a:rPr lang="en-US" dirty="0" err="1" smtClean="0">
-                <a:solidFill>
-                  <a:schemeClr val="accent4">
-                    <a:lumMod val="60000"/>
-                    <a:lumOff val="40000"/>
-                  </a:schemeClr>
-                </a:solidFill>
-                <a:latin typeface="Berlin Sans FB" panose="020E0602020502020306" pitchFamily="34" charset="0"/>
-              </a:rPr>
-              <a:t>Lwin</a:t>
-            </a:r>
-            <a:r>
-              <a:rPr lang="en-US" dirty="0" smtClean="0">
-                <a:solidFill>
-                  <a:schemeClr val="accent4">
-                    <a:lumMod val="60000"/>
-                    <a:lumOff val="40000"/>
-                  </a:schemeClr>
-                </a:solidFill>
-                <a:latin typeface="Berlin Sans FB" panose="020E0602020502020306" pitchFamily="34" charset="0"/>
-              </a:rPr>
-              <a:t> </a:t>
-            </a:r>
-            <a:r>
-              <a:rPr lang="en-US" dirty="0" err="1" smtClean="0">
-                <a:solidFill>
-                  <a:schemeClr val="accent4">
-                    <a:lumMod val="60000"/>
-                    <a:lumOff val="40000"/>
-                  </a:schemeClr>
-                </a:solidFill>
-                <a:latin typeface="Berlin Sans FB" panose="020E0602020502020306" pitchFamily="34" charset="0"/>
-              </a:rPr>
-              <a:t>Oo</a:t>
-            </a:r>
-            <a:endParaRPr lang="en-US" dirty="0">
-              <a:solidFill>
-                <a:schemeClr val="accent4">
-                  <a:lumMod val="60000"/>
-                  <a:lumOff val="40000"/>
-                </a:schemeClr>
-              </a:solidFill>
-              <a:latin typeface="Berlin Sans FB" panose="020E0602020502020306" pitchFamily="34" charset="0"/>
-            </a:endParaRPr>
-          </a:p>
-        </p:txBody>
-      </p:sp>
-      <p:sp>
-        <p:nvSpPr>
-          <p:cNvPr id="6" name="TextBox 5"/>
-          <p:cNvSpPr txBox="1"/>
-          <p:nvPr/>
-        </p:nvSpPr>
-        <p:spPr>
-          <a:xfrm>
-            <a:off x="1141412" y="1371600"/>
-            <a:ext cx="5677399" cy="4801314"/>
-          </a:xfrm>
-          <a:prstGeom prst="rect">
-            <a:avLst/>
-          </a:prstGeom>
-          <a:noFill/>
-          <a:ln>
-            <a:solidFill>
-              <a:schemeClr val="tx1"/>
-            </a:solidFill>
-          </a:ln>
-        </p:spPr>
-        <p:txBody>
-          <a:bodyPr wrap="square" rtlCol="0">
-            <a:spAutoFit/>
-          </a:bodyPr>
-          <a:lstStyle/>
-          <a:p>
-            <a:r>
-              <a:rPr lang="en-US" dirty="0"/>
-              <a:t>i</a:t>
-            </a:r>
-            <a:r>
-              <a:rPr lang="en-US" dirty="0" smtClean="0"/>
-              <a:t>mport * as request from ‘request’;</a:t>
-            </a:r>
-          </a:p>
-          <a:p>
-            <a:r>
-              <a:rPr lang="en-US" dirty="0" smtClean="0"/>
-              <a:t>class </a:t>
-            </a:r>
-            <a:r>
-              <a:rPr lang="en-US" dirty="0" err="1" smtClean="0"/>
-              <a:t>MyApiService</a:t>
-            </a:r>
-            <a:r>
-              <a:rPr lang="en-US" dirty="0" smtClean="0"/>
-              <a:t>{</a:t>
-            </a:r>
-          </a:p>
-          <a:p>
-            <a:r>
-              <a:rPr lang="en-US" dirty="0"/>
-              <a:t> </a:t>
-            </a:r>
-            <a:r>
-              <a:rPr lang="en-US" dirty="0" err="1" smtClean="0"/>
-              <a:t>getInfo</a:t>
-            </a:r>
-            <a:r>
-              <a:rPr lang="en-US" dirty="0" smtClean="0"/>
-              <a:t>(para1 : dataType1, </a:t>
-            </a:r>
-          </a:p>
-          <a:p>
-            <a:r>
-              <a:rPr lang="en-US" dirty="0"/>
-              <a:t>	</a:t>
-            </a:r>
-            <a:r>
-              <a:rPr lang="en-US" dirty="0" err="1" smtClean="0"/>
-              <a:t>cb</a:t>
-            </a:r>
-            <a:r>
-              <a:rPr lang="en-US" dirty="0" smtClean="0"/>
-              <a:t> : (</a:t>
-            </a:r>
-            <a:r>
-              <a:rPr lang="en-US" dirty="0" err="1" smtClean="0"/>
-              <a:t>retVal</a:t>
-            </a:r>
-            <a:r>
-              <a:rPr lang="en-US" dirty="0" smtClean="0"/>
-              <a:t> : dataType2) =&gt; any)</a:t>
-            </a:r>
-          </a:p>
-          <a:p>
-            <a:r>
-              <a:rPr lang="en-US" dirty="0"/>
-              <a:t> </a:t>
-            </a:r>
-            <a:r>
-              <a:rPr lang="en-US" dirty="0" smtClean="0"/>
-              <a:t>{</a:t>
-            </a:r>
-          </a:p>
-          <a:p>
-            <a:r>
-              <a:rPr lang="en-US" dirty="0" smtClean="0"/>
-              <a:t>	let options : any ={ headers : { ‘User-Agent’ : ‘request’}</a:t>
-            </a:r>
-          </a:p>
-          <a:p>
-            <a:r>
-              <a:rPr lang="en-US" dirty="0"/>
-              <a:t>	</a:t>
-            </a:r>
-            <a:r>
-              <a:rPr lang="en-US" dirty="0" smtClean="0"/>
-              <a:t>	, </a:t>
-            </a:r>
-            <a:r>
-              <a:rPr lang="en-US" dirty="0" err="1" smtClean="0"/>
-              <a:t>json</a:t>
-            </a:r>
-            <a:r>
-              <a:rPr lang="en-US" dirty="0" smtClean="0"/>
-              <a:t> : true</a:t>
-            </a:r>
-          </a:p>
-          <a:p>
-            <a:r>
-              <a:rPr lang="en-US" dirty="0"/>
-              <a:t>	</a:t>
-            </a:r>
-            <a:r>
-              <a:rPr lang="en-US" dirty="0" smtClean="0"/>
-              <a:t>}</a:t>
-            </a:r>
-          </a:p>
-          <a:p>
-            <a:r>
-              <a:rPr lang="en-US" dirty="0"/>
-              <a:t>	</a:t>
-            </a:r>
-            <a:r>
-              <a:rPr lang="en-US" dirty="0" err="1" smtClean="0"/>
-              <a:t>request.get</a:t>
-            </a:r>
-            <a:r>
-              <a:rPr lang="en-US" dirty="0" smtClean="0"/>
-              <a:t>(‘https://yourapi.com/</a:t>
-            </a:r>
-            <a:r>
-              <a:rPr lang="en-US" dirty="0" err="1" smtClean="0"/>
-              <a:t>api_method’,options</a:t>
-            </a:r>
-            <a:r>
-              <a:rPr lang="en-US" dirty="0" smtClean="0"/>
-              <a:t>,</a:t>
-            </a:r>
-          </a:p>
-          <a:p>
-            <a:r>
-              <a:rPr lang="en-US" dirty="0" smtClean="0"/>
-              <a:t>		(error : any, response : any, body : any)=&gt;</a:t>
-            </a:r>
-          </a:p>
-          <a:p>
-            <a:r>
-              <a:rPr lang="en-US" dirty="0"/>
-              <a:t>	</a:t>
-            </a:r>
-            <a:r>
-              <a:rPr lang="en-US" dirty="0" smtClean="0"/>
-              <a:t>	{</a:t>
-            </a:r>
-          </a:p>
-          <a:p>
-            <a:r>
-              <a:rPr lang="en-US" dirty="0"/>
-              <a:t>	</a:t>
-            </a:r>
-            <a:r>
-              <a:rPr lang="en-US" dirty="0" smtClean="0"/>
-              <a:t>		let </a:t>
-            </a:r>
-            <a:r>
-              <a:rPr lang="en-US" dirty="0" err="1" smtClean="0"/>
-              <a:t>myVal</a:t>
-            </a:r>
-            <a:r>
-              <a:rPr lang="en-US" dirty="0" smtClean="0"/>
-              <a:t>=Value from body;</a:t>
-            </a:r>
-          </a:p>
-          <a:p>
-            <a:r>
-              <a:rPr lang="en-US" dirty="0"/>
-              <a:t>	</a:t>
-            </a:r>
-            <a:r>
-              <a:rPr lang="en-US" dirty="0" smtClean="0"/>
-              <a:t>		</a:t>
-            </a:r>
-            <a:r>
-              <a:rPr lang="en-US" dirty="0" err="1" smtClean="0"/>
-              <a:t>cb</a:t>
-            </a:r>
-            <a:r>
-              <a:rPr lang="en-US" dirty="0" smtClean="0"/>
-              <a:t>(</a:t>
-            </a:r>
-            <a:r>
-              <a:rPr lang="en-US" dirty="0" err="1" smtClean="0"/>
-              <a:t>myVal</a:t>
-            </a:r>
-            <a:r>
-              <a:rPr lang="en-US" dirty="0" smtClean="0"/>
-              <a:t>);</a:t>
-            </a:r>
-            <a:endParaRPr lang="en-US" dirty="0"/>
-          </a:p>
-          <a:p>
-            <a:r>
-              <a:rPr lang="en-US" dirty="0" smtClean="0"/>
-              <a:t>		}</a:t>
-            </a:r>
-            <a:endParaRPr lang="en-US" dirty="0"/>
-          </a:p>
-          <a:p>
-            <a:r>
-              <a:rPr lang="en-US" dirty="0" smtClean="0"/>
-              <a:t>	);</a:t>
-            </a:r>
-          </a:p>
-          <a:p>
-            <a:r>
-              <a:rPr lang="en-US" dirty="0" smtClean="0"/>
-              <a:t> }</a:t>
-            </a:r>
-            <a:endParaRPr lang="en-US" dirty="0"/>
-          </a:p>
-          <a:p>
-            <a:r>
-              <a:rPr lang="en-US" dirty="0" smtClean="0"/>
-              <a:t>}</a:t>
-            </a:r>
-            <a:endParaRPr lang="en-US" dirty="0"/>
-          </a:p>
-        </p:txBody>
-      </p:sp>
-      <p:sp>
-        <p:nvSpPr>
-          <p:cNvPr id="5" name="TextBox 4"/>
-          <p:cNvSpPr txBox="1"/>
-          <p:nvPr/>
-        </p:nvSpPr>
-        <p:spPr>
-          <a:xfrm>
-            <a:off x="7053944" y="1371599"/>
-            <a:ext cx="4571999" cy="2585323"/>
-          </a:xfrm>
-          <a:prstGeom prst="rect">
-            <a:avLst/>
-          </a:prstGeom>
-          <a:noFill/>
-          <a:ln>
-            <a:solidFill>
-              <a:schemeClr val="tx1"/>
-            </a:solidFill>
-          </a:ln>
-        </p:spPr>
-        <p:txBody>
-          <a:bodyPr wrap="square" rtlCol="0">
-            <a:spAutoFit/>
-          </a:bodyPr>
-          <a:lstStyle/>
-          <a:p>
-            <a:r>
-              <a:rPr lang="en-US" dirty="0"/>
-              <a:t>i</a:t>
-            </a:r>
-            <a:r>
-              <a:rPr lang="en-US" dirty="0" smtClean="0"/>
-              <a:t>mport {</a:t>
-            </a:r>
-            <a:r>
-              <a:rPr lang="en-US" dirty="0" err="1" smtClean="0"/>
-              <a:t>MyApiService</a:t>
-            </a:r>
-            <a:r>
-              <a:rPr lang="en-US" dirty="0" smtClean="0"/>
-              <a:t>} from ‘./</a:t>
-            </a:r>
-            <a:r>
-              <a:rPr lang="en-US" dirty="0" err="1" smtClean="0"/>
-              <a:t>MyApiService</a:t>
-            </a:r>
-            <a:r>
-              <a:rPr lang="en-US" dirty="0" smtClean="0"/>
-              <a:t>’;</a:t>
-            </a:r>
-          </a:p>
-          <a:p>
-            <a:endParaRPr lang="en-US" dirty="0"/>
-          </a:p>
-          <a:p>
-            <a:r>
-              <a:rPr lang="en-US" dirty="0" smtClean="0"/>
-              <a:t>let svc=new </a:t>
-            </a:r>
-            <a:r>
-              <a:rPr lang="en-US" dirty="0" err="1" smtClean="0"/>
-              <a:t>MyApiService</a:t>
-            </a:r>
-            <a:r>
-              <a:rPr lang="en-US" dirty="0" smtClean="0"/>
-              <a:t>();</a:t>
-            </a:r>
-          </a:p>
-          <a:p>
-            <a:r>
-              <a:rPr lang="en-US" dirty="0" err="1" smtClean="0"/>
-              <a:t>svc.getInfo</a:t>
-            </a:r>
-            <a:r>
-              <a:rPr lang="en-US" dirty="0" smtClean="0"/>
-              <a:t>(</a:t>
-            </a:r>
-          </a:p>
-          <a:p>
-            <a:r>
-              <a:rPr lang="en-US" dirty="0" smtClean="0"/>
-              <a:t>	‘</a:t>
-            </a:r>
-            <a:r>
-              <a:rPr lang="en-US" dirty="0" err="1" smtClean="0"/>
-              <a:t>passedValue</a:t>
-            </a:r>
-            <a:r>
-              <a:rPr lang="en-US" dirty="0" smtClean="0"/>
-              <a:t>’,</a:t>
-            </a:r>
-          </a:p>
-          <a:p>
-            <a:r>
-              <a:rPr lang="en-US" dirty="0"/>
-              <a:t>	</a:t>
-            </a:r>
-            <a:r>
-              <a:rPr lang="en-US" dirty="0" smtClean="0"/>
-              <a:t>(</a:t>
-            </a:r>
-            <a:r>
-              <a:rPr lang="en-US" dirty="0" err="1" smtClean="0"/>
-              <a:t>retVal</a:t>
-            </a:r>
-            <a:r>
-              <a:rPr lang="en-US" dirty="0" smtClean="0"/>
-              <a:t>: dataType2)=&gt;{</a:t>
-            </a:r>
-          </a:p>
-          <a:p>
-            <a:r>
-              <a:rPr lang="en-US" dirty="0" smtClean="0"/>
-              <a:t>		console.log(</a:t>
-            </a:r>
-            <a:r>
-              <a:rPr lang="en-US" dirty="0" err="1" smtClean="0"/>
-              <a:t>retVal</a:t>
-            </a:r>
-            <a:r>
-              <a:rPr lang="en-US" dirty="0" smtClean="0"/>
-              <a:t>);</a:t>
-            </a:r>
-            <a:endParaRPr lang="en-US" dirty="0"/>
-          </a:p>
-          <a:p>
-            <a:r>
-              <a:rPr lang="en-US" dirty="0" smtClean="0"/>
-              <a:t>	}</a:t>
-            </a:r>
-            <a:endParaRPr lang="en-US" dirty="0"/>
-          </a:p>
-          <a:p>
-            <a:r>
-              <a:rPr lang="en-US" dirty="0" smtClean="0"/>
-              <a:t>);</a:t>
-            </a:r>
-            <a:endParaRPr lang="en-US" dirty="0"/>
-          </a:p>
-        </p:txBody>
-      </p:sp>
-    </p:spTree>
-    <p:extLst>
-      <p:ext uri="{BB962C8B-B14F-4D97-AF65-F5344CB8AC3E}">
-        <p14:creationId xmlns:p14="http://schemas.microsoft.com/office/powerpoint/2010/main" val="657935858"/>
-      </p:ext>
-    </p:extLst>
-  </p:cSld>
-  <p:clrMapOvr>
-    <a:masterClrMapping/>
-  </p:clrMapOvr>
-  <p:timing>
-    <p:tnLst>
-      <p:par>
-        <p:cTn id="1" dur="indefinite" restart="never" nodeType="tmRoot"/>
-      </p:par>
-    </p:tnLst>
-  </p:timing>
-</p:sld>
-</file>
-
-<file path=ppt/slides/slide28.xml><?xml version="1.0" encoding="utf-8"?>
-<p:sld xmlns:a="http://schemas.openxmlformats.org/drawingml/2006/main" xmlns:r="http://schemas.openxmlformats.org/officeDocument/2006/relationships" xmlns:p="http://schemas.openxmlformats.org/presentationml/2006/main">
-  <p:cSld>
-    <p:spTree>
-      <p:nvGrpSpPr>
-        <p:cNvPr id="1" name=""/>
-        <p:cNvGrpSpPr/>
-        <p:nvPr/>
-      </p:nvGrpSpPr>
-      <p:grpSpPr>
-        <a:xfrm>
-          <a:off x="0" y="0"/>
-          <a:ext cx="0" cy="0"/>
-          <a:chOff x="0" y="0"/>
-          <a:chExt cx="0" cy="0"/>
-        </a:xfrm>
-      </p:grpSpPr>
-      <p:sp>
-        <p:nvSpPr>
-          <p:cNvPr id="2" name="Title 1">
-            <a:extLst>
-              <a:ext uri="{FF2B5EF4-FFF2-40B4-BE49-F238E27FC236}">
-                <a16:creationId xmlns:a16="http://schemas.microsoft.com/office/drawing/2014/main" xmlns="" id="{34DB6CE4-2B13-4715-B5B2-615A55922CA1}"/>
-              </a:ext>
-            </a:extLst>
-          </p:cNvPr>
-          <p:cNvSpPr>
-            <a:spLocks noGrp="1"/>
-          </p:cNvSpPr>
-          <p:nvPr>
-            <p:ph type="title"/>
-          </p:nvPr>
-        </p:nvSpPr>
-        <p:spPr>
-          <a:xfrm>
-            <a:off x="1141412" y="122129"/>
-            <a:ext cx="9905998" cy="1027402"/>
-          </a:xfrm>
-        </p:spPr>
-        <p:txBody>
-          <a:bodyPr>
-            <a:normAutofit/>
-          </a:bodyPr>
-          <a:lstStyle/>
-          <a:p>
-            <a:r>
-              <a:rPr lang="en-US" dirty="0">
-                <a:latin typeface="Rockwell" panose="02060603020205020403" pitchFamily="18" charset="0"/>
-              </a:rPr>
-              <a:t>Command line arguments</a:t>
-            </a:r>
-            <a:endParaRPr lang="en-US" sz="4400" dirty="0">
-              <a:latin typeface="Rockwell" panose="02060603020205020403" pitchFamily="18" charset="0"/>
-            </a:endParaRPr>
-          </a:p>
-        </p:txBody>
-      </p:sp>
-      <p:sp>
-        <p:nvSpPr>
-          <p:cNvPr id="3" name="Content Placeholder 2">
-            <a:extLst>
-              <a:ext uri="{FF2B5EF4-FFF2-40B4-BE49-F238E27FC236}">
-                <a16:creationId xmlns:a16="http://schemas.microsoft.com/office/drawing/2014/main" xmlns="" id="{143F5361-68C0-4BF5-80C8-F1E7BF92B2DB}"/>
-              </a:ext>
-            </a:extLst>
-          </p:cNvPr>
-          <p:cNvSpPr>
-            <a:spLocks noGrp="1"/>
-          </p:cNvSpPr>
-          <p:nvPr>
-            <p:ph idx="1"/>
-          </p:nvPr>
-        </p:nvSpPr>
-        <p:spPr>
-          <a:xfrm>
-            <a:off x="1141412" y="1280160"/>
-            <a:ext cx="10419217" cy="4898571"/>
-          </a:xfrm>
-        </p:spPr>
-        <p:txBody>
-          <a:bodyPr>
-            <a:normAutofit/>
-          </a:bodyPr>
-          <a:lstStyle/>
-          <a:p>
-            <a:pPr>
-              <a:buFont typeface="Wingdings" panose="05000000000000000000" pitchFamily="2" charset="2"/>
-              <a:buChar char="ü"/>
-            </a:pPr>
-            <a:r>
-              <a:rPr lang="en-US" dirty="0" smtClean="0">
-                <a:latin typeface="Tahoma" panose="020B0604030504040204" pitchFamily="34" charset="0"/>
-                <a:ea typeface="Tahoma" panose="020B0604030504040204" pitchFamily="34" charset="0"/>
-                <a:cs typeface="Tahoma" panose="020B0604030504040204" pitchFamily="34" charset="0"/>
-              </a:rPr>
-              <a:t>Contained in </a:t>
-            </a:r>
-            <a:r>
-              <a:rPr lang="en-US" dirty="0" err="1" smtClean="0">
-                <a:latin typeface="Tahoma" panose="020B0604030504040204" pitchFamily="34" charset="0"/>
-                <a:ea typeface="Tahoma" panose="020B0604030504040204" pitchFamily="34" charset="0"/>
-                <a:cs typeface="Tahoma" panose="020B0604030504040204" pitchFamily="34" charset="0"/>
-              </a:rPr>
-              <a:t>process.argv</a:t>
-            </a:r>
-            <a:r>
-              <a:rPr lang="en-US" dirty="0" smtClean="0">
-                <a:latin typeface="Tahoma" panose="020B0604030504040204" pitchFamily="34" charset="0"/>
-                <a:ea typeface="Tahoma" panose="020B0604030504040204" pitchFamily="34" charset="0"/>
-                <a:cs typeface="Tahoma" panose="020B0604030504040204" pitchFamily="34" charset="0"/>
-              </a:rPr>
-              <a:t> array</a:t>
-            </a:r>
-          </a:p>
-          <a:p>
-            <a:pPr marL="0" indent="0">
-              <a:buNone/>
-            </a:pPr>
-            <a:r>
-              <a:rPr lang="en-US" dirty="0" smtClean="0">
-                <a:latin typeface="Tahoma" panose="020B0604030504040204" pitchFamily="34" charset="0"/>
-                <a:ea typeface="Tahoma" panose="020B0604030504040204" pitchFamily="34" charset="0"/>
-                <a:cs typeface="Tahoma" panose="020B0604030504040204" pitchFamily="34" charset="0"/>
-              </a:rPr>
-              <a:t>	</a:t>
-            </a:r>
-          </a:p>
-        </p:txBody>
-      </p:sp>
-      <p:sp>
-        <p:nvSpPr>
-          <p:cNvPr id="4" name="TextBox 3"/>
-          <p:cNvSpPr txBox="1"/>
-          <p:nvPr/>
-        </p:nvSpPr>
-        <p:spPr>
-          <a:xfrm>
-            <a:off x="10522588" y="122129"/>
-            <a:ext cx="1471878" cy="369332"/>
-          </a:xfrm>
-          <a:prstGeom prst="rect">
-            <a:avLst/>
-          </a:prstGeom>
-          <a:noFill/>
-        </p:spPr>
-        <p:txBody>
-          <a:bodyPr wrap="none" rtlCol="0">
-            <a:spAutoFit/>
-          </a:bodyPr>
-          <a:lstStyle/>
-          <a:p>
-            <a:r>
-              <a:rPr lang="en-US" dirty="0" smtClean="0">
-                <a:solidFill>
-                  <a:schemeClr val="accent4">
-                    <a:lumMod val="60000"/>
-                    <a:lumOff val="40000"/>
-                  </a:schemeClr>
-                </a:solidFill>
-                <a:latin typeface="Berlin Sans FB" panose="020E0602020502020306" pitchFamily="34" charset="0"/>
-              </a:rPr>
-              <a:t>Thet </a:t>
-            </a:r>
-            <a:r>
-              <a:rPr lang="en-US" dirty="0" err="1" smtClean="0">
-                <a:solidFill>
-                  <a:schemeClr val="accent4">
-                    <a:lumMod val="60000"/>
-                    <a:lumOff val="40000"/>
-                  </a:schemeClr>
-                </a:solidFill>
-                <a:latin typeface="Berlin Sans FB" panose="020E0602020502020306" pitchFamily="34" charset="0"/>
-              </a:rPr>
-              <a:t>Lwin</a:t>
-            </a:r>
-            <a:r>
-              <a:rPr lang="en-US" dirty="0" smtClean="0">
-                <a:solidFill>
-                  <a:schemeClr val="accent4">
-                    <a:lumMod val="60000"/>
-                    <a:lumOff val="40000"/>
-                  </a:schemeClr>
-                </a:solidFill>
-                <a:latin typeface="Berlin Sans FB" panose="020E0602020502020306" pitchFamily="34" charset="0"/>
-              </a:rPr>
-              <a:t> </a:t>
-            </a:r>
-            <a:r>
-              <a:rPr lang="en-US" dirty="0" err="1" smtClean="0">
-                <a:solidFill>
-                  <a:schemeClr val="accent4">
-                    <a:lumMod val="60000"/>
-                    <a:lumOff val="40000"/>
-                  </a:schemeClr>
-                </a:solidFill>
-                <a:latin typeface="Berlin Sans FB" panose="020E0602020502020306" pitchFamily="34" charset="0"/>
-              </a:rPr>
-              <a:t>Oo</a:t>
-            </a:r>
-            <a:endParaRPr lang="en-US" dirty="0">
-              <a:solidFill>
-                <a:schemeClr val="accent4">
-                  <a:lumMod val="60000"/>
-                  <a:lumOff val="40000"/>
-                </a:schemeClr>
-              </a:solidFill>
-              <a:latin typeface="Berlin Sans FB" panose="020E0602020502020306" pitchFamily="34" charset="0"/>
-            </a:endParaRPr>
-          </a:p>
-        </p:txBody>
-      </p:sp>
-      <p:pic>
-        <p:nvPicPr>
-          <p:cNvPr id="5" name="Picture 4"/>
-          <p:cNvPicPr>
-            <a:picLocks noChangeAspect="1"/>
-          </p:cNvPicPr>
-          <p:nvPr/>
-        </p:nvPicPr>
-        <p:blipFill>
-          <a:blip r:embed="rId2"/>
-          <a:stretch>
-            <a:fillRect/>
-          </a:stretch>
-        </p:blipFill>
-        <p:spPr>
-          <a:xfrm>
-            <a:off x="5970678" y="2537868"/>
-            <a:ext cx="5417957" cy="1681435"/>
-          </a:xfrm>
-          <a:prstGeom prst="rect">
-            <a:avLst/>
-          </a:prstGeom>
-        </p:spPr>
-      </p:pic>
-    </p:spTree>
-    <p:extLst>
-      <p:ext uri="{BB962C8B-B14F-4D97-AF65-F5344CB8AC3E}">
-        <p14:creationId xmlns:p14="http://schemas.microsoft.com/office/powerpoint/2010/main" val="3757427306"/>
-      </p:ext>
-    </p:extLst>
-  </p:cSld>
-  <p:clrMapOvr>
-    <a:masterClrMapping/>
-  </p:clrMapOvr>
-  <p:timing>
-    <p:tnLst>
-      <p:par>
-        <p:cTn id="1" dur="indefinite" restart="never" nodeType="tmRoot"/>
-      </p:par>
-    </p:tnLst>
-  </p:timing>
-</p:sld>
-</file>
-
-<file path=ppt/slides/slide29.xml><?xml version="1.0" encoding="utf-8"?>
-<p:sld xmlns:a="http://schemas.openxmlformats.org/drawingml/2006/main" xmlns:r="http://schemas.openxmlformats.org/officeDocument/2006/relationships" xmlns:p="http://schemas.openxmlformats.org/presentationml/2006/main">
-  <p:cSld>
-    <p:spTree>
-      <p:nvGrpSpPr>
-        <p:cNvPr id="1" name=""/>
-        <p:cNvGrpSpPr/>
-        <p:nvPr/>
-      </p:nvGrpSpPr>
-      <p:grpSpPr>
-        <a:xfrm>
-          <a:off x="0" y="0"/>
-          <a:ext cx="0" cy="0"/>
-          <a:chOff x="0" y="0"/>
-          <a:chExt cx="0" cy="0"/>
-        </a:xfrm>
-      </p:grpSpPr>
-      <p:sp>
-        <p:nvSpPr>
-          <p:cNvPr id="2" name="Title 1">
-            <a:extLst>
-              <a:ext uri="{FF2B5EF4-FFF2-40B4-BE49-F238E27FC236}">
-                <a16:creationId xmlns:a16="http://schemas.microsoft.com/office/drawing/2014/main" xmlns="" id="{34DB6CE4-2B13-4715-B5B2-615A55922CA1}"/>
-              </a:ext>
-            </a:extLst>
-          </p:cNvPr>
-          <p:cNvSpPr>
-            <a:spLocks noGrp="1"/>
-          </p:cNvSpPr>
-          <p:nvPr>
-            <p:ph type="title"/>
-          </p:nvPr>
-        </p:nvSpPr>
-        <p:spPr/>
-        <p:txBody>
-          <a:bodyPr>
-            <a:normAutofit/>
-          </a:bodyPr>
-          <a:lstStyle/>
-          <a:p>
-            <a:r>
-              <a:rPr lang="en-US" sz="4400" dirty="0" smtClean="0">
-                <a:latin typeface="Rockwell" panose="02060603020205020403" pitchFamily="18" charset="0"/>
-              </a:rPr>
-              <a:t>Any questions</a:t>
-            </a:r>
-            <a:endParaRPr lang="en-US" sz="4400" dirty="0">
-              <a:latin typeface="Rockwell" panose="02060603020205020403" pitchFamily="18" charset="0"/>
-            </a:endParaRPr>
-          </a:p>
-        </p:txBody>
-      </p:sp>
-      <p:sp>
-        <p:nvSpPr>
-          <p:cNvPr id="3" name="Content Placeholder 2">
-            <a:extLst>
-              <a:ext uri="{FF2B5EF4-FFF2-40B4-BE49-F238E27FC236}">
-                <a16:creationId xmlns:a16="http://schemas.microsoft.com/office/drawing/2014/main" xmlns="" id="{143F5361-68C0-4BF5-80C8-F1E7BF92B2DB}"/>
-              </a:ext>
-            </a:extLst>
-          </p:cNvPr>
-          <p:cNvSpPr>
-            <a:spLocks noGrp="1"/>
-          </p:cNvSpPr>
-          <p:nvPr>
-            <p:ph idx="1"/>
-          </p:nvPr>
-        </p:nvSpPr>
-        <p:spPr/>
-        <p:txBody>
-          <a:bodyPr vert="horz" lIns="91440" tIns="45720" rIns="91440" bIns="45720" rtlCol="0" anchor="t">
-            <a:normAutofit/>
-          </a:bodyPr>
-          <a:lstStyle/>
-          <a:p>
-            <a:pPr marL="0" lvl="0" indent="0">
-              <a:buNone/>
-            </a:pPr>
-            <a:r>
-              <a:rPr lang="en-US" dirty="0" smtClean="0">
-                <a:latin typeface="Tahoma" panose="020B0604030504040204" pitchFamily="34" charset="0"/>
-                <a:ea typeface="Tahoma" panose="020B0604030504040204" pitchFamily="34" charset="0"/>
-                <a:cs typeface="Tahoma" panose="020B0604030504040204" pitchFamily="34" charset="0"/>
-              </a:rPr>
-              <a:t>https://www.google.com</a:t>
-            </a:r>
-            <a:endParaRPr lang="en-US" dirty="0">
-              <a:latin typeface="Tahoma" panose="020B0604030504040204" pitchFamily="34" charset="0"/>
-              <a:ea typeface="Tahoma" panose="020B0604030504040204" pitchFamily="34" charset="0"/>
-              <a:cs typeface="Tahoma" panose="020B0604030504040204" pitchFamily="34" charset="0"/>
-            </a:endParaRPr>
-          </a:p>
-        </p:txBody>
-      </p:sp>
-    </p:spTree>
-    <p:extLst>
-      <p:ext uri="{BB962C8B-B14F-4D97-AF65-F5344CB8AC3E}">
-        <p14:creationId xmlns:p14="http://schemas.microsoft.com/office/powerpoint/2010/main" val="1902613301"/>
-      </p:ext>
-    </p:extLst>
-  </p:cSld>
-  <p:clrMapOvr>
-    <a:masterClrMapping/>
-  </p:clrMapOvr>
 </p:sld>
 </file>
 
@@ -26389,23 +19979,6 @@
 </file>
 
 <file path=customXml/item1.xml><?xml version="1.0" encoding="utf-8"?>
-<p:properties xmlns:p="http://schemas.microsoft.com/office/2006/metadata/properties" xmlns:xsi="http://www.w3.org/2001/XMLSchema-instance" xmlns:pc="http://schemas.microsoft.com/office/infopath/2007/PartnerControls">
-  <documentManagement>
-    <MediaServiceKeyPoints xmlns="71af3243-3dd4-4a8d-8c0d-dd76da1f02a5" xsi:nil="true"/>
-  </documentManagement>
-</p:properties>
-</file>
-
-<file path=customXml/item2.xml><?xml version="1.0" encoding="utf-8"?>
-<?mso-contentType ?>
-<FormTemplates xmlns="http://schemas.microsoft.com/sharepoint/v3/contenttype/forms">
-  <Display>DocumentLibraryForm</Display>
-  <Edit>DocumentLibraryForm</Edit>
-  <New>DocumentLibraryForm</New>
-</FormTemplates>
-</file>
-
-<file path=customXml/item3.xml><?xml version="1.0" encoding="utf-8"?>
 <ct:contentTypeSchema xmlns:ct="http://schemas.microsoft.com/office/2006/metadata/contentType" xmlns:ma="http://schemas.microsoft.com/office/2006/metadata/properties/metaAttributes" ct:_="" ma:_="" ma:contentTypeName="Document" ma:contentTypeID="0x01010079F111ED35F8CC479449609E8A0923A6" ma:contentTypeVersion="11" ma:contentTypeDescription="Create a new document." ma:contentTypeScope="" ma:versionID="96291512c1ee715ab617f4c07df79fc1">
   <xsd:schema xmlns:xsd="http://www.w3.org/2001/XMLSchema" xmlns:xs="http://www.w3.org/2001/XMLSchema" xmlns:p="http://schemas.microsoft.com/office/2006/metadata/properties" xmlns:ns2="71af3243-3dd4-4a8d-8c0d-dd76da1f02a5" xmlns:ns3="16c05727-aa75-4e4a-9b5f-8a80a1165891" targetNamespace="http://schemas.microsoft.com/office/2006/metadata/properties" ma:root="true" ma:fieldsID="8256c27c40ca5c40ce1cf6c44f0205df" ns2:_="" ns3:_="">
     <xsd:import namespace="71af3243-3dd4-4a8d-8c0d-dd76da1f02a5"/>
@@ -26616,25 +20189,24 @@
 </ct:contentTypeSchema>
 </file>
 
-<file path=customXml/itemProps1.xml><?xml version="1.0" encoding="utf-8"?>
-<ds:datastoreItem xmlns:ds="http://schemas.openxmlformats.org/officeDocument/2006/customXml" ds:itemID="{E7866CFD-F94E-4AE5-ACEA-86FEC0F48A10}">
-  <ds:schemaRefs>
-    <ds:schemaRef ds:uri="http://schemas.microsoft.com/office/2006/metadata/properties"/>
-    <ds:schemaRef ds:uri="http://schemas.microsoft.com/office/infopath/2007/PartnerControls"/>
-    <ds:schemaRef ds:uri="71af3243-3dd4-4a8d-8c0d-dd76da1f02a5"/>
-  </ds:schemaRefs>
-</ds:datastoreItem>
+<file path=customXml/item2.xml><?xml version="1.0" encoding="utf-8"?>
+<p:properties xmlns:p="http://schemas.microsoft.com/office/2006/metadata/properties" xmlns:xsi="http://www.w3.org/2001/XMLSchema-instance" xmlns:pc="http://schemas.microsoft.com/office/infopath/2007/PartnerControls">
+  <documentManagement>
+    <MediaServiceKeyPoints xmlns="71af3243-3dd4-4a8d-8c0d-dd76da1f02a5" xsi:nil="true"/>
+  </documentManagement>
+</p:properties>
 </file>
 
-<file path=customXml/itemProps2.xml><?xml version="1.0" encoding="utf-8"?>
-<ds:datastoreItem xmlns:ds="http://schemas.openxmlformats.org/officeDocument/2006/customXml" ds:itemID="{B579702B-25C7-40D7-9E29-7686B11A9660}">
-  <ds:schemaRefs>
-    <ds:schemaRef ds:uri="http://schemas.microsoft.com/sharepoint/v3/contenttype/forms"/>
-  </ds:schemaRefs>
-</ds:datastoreItem>
+<file path=customXml/item3.xml><?xml version="1.0" encoding="utf-8"?>
+<?mso-contentType ?>
+<FormTemplates xmlns="http://schemas.microsoft.com/sharepoint/v3/contenttype/forms">
+  <Display>DocumentLibraryForm</Display>
+  <Edit>DocumentLibraryForm</Edit>
+  <New>DocumentLibraryForm</New>
+</FormTemplates>
 </file>
 
-<file path=customXml/itemProps3.xml><?xml version="1.0" encoding="utf-8"?>
+<file path=customXml/itemProps1.xml><?xml version="1.0" encoding="utf-8"?>
 <ds:datastoreItem xmlns:ds="http://schemas.openxmlformats.org/officeDocument/2006/customXml" ds:itemID="{A7C0B241-13E5-418D-8920-D23491E2D2C0}">
   <ds:schemaRefs>
     <ds:schemaRef ds:uri="http://schemas.microsoft.com/office/2006/metadata/contentType"/>
@@ -26651,4 +20223,22 @@
     <ds:schemaRef ds:uri="http://schemas.microsoft.com/internal/obd"/>
   </ds:schemaRefs>
 </ds:datastoreItem>
+</file>
+
+<file path=customXml/itemProps2.xml><?xml version="1.0" encoding="utf-8"?>
+<ds:datastoreItem xmlns:ds="http://schemas.openxmlformats.org/officeDocument/2006/customXml" ds:itemID="{E7866CFD-F94E-4AE5-ACEA-86FEC0F48A10}">
+  <ds:schemaRefs>
+    <ds:schemaRef ds:uri="http://schemas.microsoft.com/office/2006/metadata/properties"/>
+    <ds:schemaRef ds:uri="http://schemas.microsoft.com/office/infopath/2007/PartnerControls"/>
+    <ds:schemaRef ds:uri="71af3243-3dd4-4a8d-8c0d-dd76da1f02a5"/>
+  </ds:schemaRefs>
+</ds:datastoreItem>
+</file>
+
+<file path=customXml/itemProps3.xml><?xml version="1.0" encoding="utf-8"?>
+<ds:datastoreItem xmlns:ds="http://schemas.openxmlformats.org/officeDocument/2006/customXml" ds:itemID="{B579702B-25C7-40D7-9E29-7686B11A9660}">
+  <ds:schemaRefs>
+    <ds:schemaRef ds:uri="http://schemas.microsoft.com/sharepoint/v3/contenttype/forms"/>
+  </ds:schemaRefs>
+</ds:datastoreItem>
 </file>